--- a/docs/docker-apresentacao-01.pptx
+++ b/docs/docker-apresentacao-01.pptx
@@ -5,7 +5,7 @@
     <p:sldMasterId id="2147483648" r:id="rId1"/>
   </p:sldMasterIdLst>
   <p:notesMasterIdLst>
-    <p:notesMasterId r:id="rId32"/>
+    <p:notesMasterId r:id="rId33"/>
   </p:notesMasterIdLst>
   <p:sldIdLst>
     <p:sldId id="256" r:id="rId2"/>
@@ -16,28 +16,29 @@
     <p:sldId id="288" r:id="rId7"/>
     <p:sldId id="317" r:id="rId8"/>
     <p:sldId id="289" r:id="rId9"/>
-    <p:sldId id="318" r:id="rId10"/>
-    <p:sldId id="319" r:id="rId11"/>
-    <p:sldId id="291" r:id="rId12"/>
-    <p:sldId id="295" r:id="rId13"/>
-    <p:sldId id="292" r:id="rId14"/>
-    <p:sldId id="296" r:id="rId15"/>
-    <p:sldId id="297" r:id="rId16"/>
-    <p:sldId id="293" r:id="rId17"/>
-    <p:sldId id="298" r:id="rId18"/>
-    <p:sldId id="316" r:id="rId19"/>
-    <p:sldId id="300" r:id="rId20"/>
-    <p:sldId id="294" r:id="rId21"/>
-    <p:sldId id="301" r:id="rId22"/>
-    <p:sldId id="302" r:id="rId23"/>
-    <p:sldId id="313" r:id="rId24"/>
-    <p:sldId id="303" r:id="rId25"/>
-    <p:sldId id="281" r:id="rId26"/>
-    <p:sldId id="306" r:id="rId27"/>
-    <p:sldId id="304" r:id="rId28"/>
-    <p:sldId id="309" r:id="rId29"/>
-    <p:sldId id="310" r:id="rId30"/>
-    <p:sldId id="285" r:id="rId31"/>
+    <p:sldId id="320" r:id="rId10"/>
+    <p:sldId id="318" r:id="rId11"/>
+    <p:sldId id="319" r:id="rId12"/>
+    <p:sldId id="292" r:id="rId13"/>
+    <p:sldId id="291" r:id="rId14"/>
+    <p:sldId id="295" r:id="rId15"/>
+    <p:sldId id="296" r:id="rId16"/>
+    <p:sldId id="297" r:id="rId17"/>
+    <p:sldId id="293" r:id="rId18"/>
+    <p:sldId id="298" r:id="rId19"/>
+    <p:sldId id="316" r:id="rId20"/>
+    <p:sldId id="300" r:id="rId21"/>
+    <p:sldId id="294" r:id="rId22"/>
+    <p:sldId id="301" r:id="rId23"/>
+    <p:sldId id="302" r:id="rId24"/>
+    <p:sldId id="313" r:id="rId25"/>
+    <p:sldId id="303" r:id="rId26"/>
+    <p:sldId id="281" r:id="rId27"/>
+    <p:sldId id="306" r:id="rId28"/>
+    <p:sldId id="304" r:id="rId29"/>
+    <p:sldId id="309" r:id="rId30"/>
+    <p:sldId id="310" r:id="rId31"/>
+    <p:sldId id="285" r:id="rId32"/>
   </p:sldIdLst>
   <p:sldSz cx="12192000" cy="6858000"/>
   <p:notesSz cx="6858000" cy="9144000"/>
@@ -226,7 +227,7 @@
           <a:p>
             <a:fld id="{00303553-004A-4AC0-97DD-6833C5CCC6AB}" type="datetimeFigureOut">
               <a:rPr lang="pt-BR" smtClean="0"/>
-              <a:t>17/12/2019</a:t>
+              <a:t>18/12/2019</a:t>
             </a:fld>
             <a:endParaRPr lang="pt-BR"/>
           </a:p>
@@ -621,73 +622,6 @@
           <a:bodyPr/>
           <a:lstStyle/>
           <a:p>
-            <a:r>
-              <a:rPr lang="en-US" dirty="0" err="1"/>
-              <a:t>Abrir</a:t>
-            </a:r>
-            <a:r>
-              <a:rPr lang="en-US" baseline="0" dirty="0"/>
-              <a:t> outro terminal e </a:t>
-            </a:r>
-            <a:r>
-              <a:rPr lang="en-US" baseline="0" dirty="0" err="1"/>
-              <a:t>ver</a:t>
-            </a:r>
-            <a:r>
-              <a:rPr lang="en-US" baseline="0" dirty="0"/>
-              <a:t> o outro container </a:t>
-            </a:r>
-            <a:r>
-              <a:rPr lang="en-US" baseline="0" dirty="0" err="1"/>
-              <a:t>ativo</a:t>
-            </a:r>
-            <a:endParaRPr lang="en-US" baseline="0" dirty="0"/>
-          </a:p>
-          <a:p>
-            <a:r>
-              <a:rPr lang="en-US" baseline="0" dirty="0"/>
-              <a:t>Touch arquivo1.txt</a:t>
-            </a:r>
-          </a:p>
-          <a:p>
-            <a:r>
-              <a:rPr lang="en-US" baseline="0" dirty="0"/>
-              <a:t>echo “Teste no container” &gt; arquivo1.txt</a:t>
-            </a:r>
-          </a:p>
-          <a:p>
-            <a:r>
-              <a:rPr lang="en-US" baseline="0" dirty="0"/>
-              <a:t>cat arquivo1.txt</a:t>
-            </a:r>
-            <a:endParaRPr lang="en-US" dirty="0"/>
-          </a:p>
-          <a:p>
-            <a:r>
-              <a:rPr lang="en-US" dirty="0"/>
-              <a:t> </a:t>
-            </a:r>
-            <a:r>
-              <a:rPr lang="en-US" dirty="0" err="1"/>
-              <a:t>docker</a:t>
-            </a:r>
-            <a:r>
-              <a:rPr lang="en-US" dirty="0"/>
-              <a:t> run -it -d --</a:t>
-            </a:r>
-            <a:r>
-              <a:rPr lang="en-US" dirty="0" err="1"/>
-              <a:t>rm</a:t>
-            </a:r>
-            <a:r>
-              <a:rPr lang="en-US" dirty="0"/>
-              <a:t> -p 8888:8080 tomcat:8.0</a:t>
-            </a:r>
-          </a:p>
-          <a:p>
-            <a:endParaRPr lang="en-US" dirty="0"/>
-          </a:p>
-          <a:p>
             <a:endParaRPr lang="pt-BR" dirty="0"/>
           </a:p>
         </p:txBody>
@@ -718,7 +652,7 @@
     </p:spTree>
     <p:extLst>
       <p:ext uri="{BB962C8B-B14F-4D97-AF65-F5344CB8AC3E}">
-        <p14:creationId xmlns:p14="http://schemas.microsoft.com/office/powerpoint/2010/main" val="3548893301"/>
+        <p14:creationId xmlns:p14="http://schemas.microsoft.com/office/powerpoint/2010/main" val="3248734019"/>
       </p:ext>
     </p:extLst>
   </p:cSld>
@@ -793,7 +727,7 @@
           <a:p>
             <a:fld id="{E99F75BA-2413-497C-9A18-77E2B7FB0011}" type="slidenum">
               <a:rPr lang="pt-BR" smtClean="0"/>
-              <a:t>13</a:t>
+              <a:t>12</a:t>
             </a:fld>
             <a:endParaRPr lang="pt-BR"/>
           </a:p>
@@ -856,27 +790,71 @@
           <a:bodyPr/>
           <a:lstStyle/>
           <a:p>
-            <a:pPr marL="0" marR="0" lvl="0" indent="0" algn="l" defTabSz="914400" rtl="0" eaLnBrk="1" fontAlgn="auto" latinLnBrk="0" hangingPunct="1">
-              <a:lnSpc>
-                <a:spcPct val="100000"/>
-              </a:lnSpc>
-              <a:spcBef>
-                <a:spcPts val="0"/>
-              </a:spcBef>
-              <a:spcAft>
-                <a:spcPts val="0"/>
-              </a:spcAft>
-              <a:buClrTx/>
-              <a:buSzTx/>
-              <a:buFontTx/>
-              <a:buNone/>
-              <a:tabLst/>
-              <a:defRPr/>
-            </a:pPr>
-            <a:r>
-              <a:rPr lang="pt-BR" dirty="0"/>
-              <a:t>Economia de Espaço, porque uma imagem base pode ser reaproveitada em vários containers</a:t>
-            </a:r>
+            <a:r>
+              <a:rPr lang="en-US" dirty="0" err="1"/>
+              <a:t>Abrir</a:t>
+            </a:r>
+            <a:r>
+              <a:rPr lang="en-US" baseline="0" dirty="0"/>
+              <a:t> outro terminal e </a:t>
+            </a:r>
+            <a:r>
+              <a:rPr lang="en-US" baseline="0" dirty="0" err="1"/>
+              <a:t>ver</a:t>
+            </a:r>
+            <a:r>
+              <a:rPr lang="en-US" baseline="0" dirty="0"/>
+              <a:t> o outro container </a:t>
+            </a:r>
+            <a:r>
+              <a:rPr lang="en-US" baseline="0" dirty="0" err="1"/>
+              <a:t>ativo</a:t>
+            </a:r>
+            <a:endParaRPr lang="en-US" baseline="0" dirty="0"/>
+          </a:p>
+          <a:p>
+            <a:r>
+              <a:rPr lang="en-US" baseline="0" dirty="0"/>
+              <a:t>Touch arquivo1.txt</a:t>
+            </a:r>
+          </a:p>
+          <a:p>
+            <a:r>
+              <a:rPr lang="en-US" baseline="0" dirty="0"/>
+              <a:t>echo “Teste no container” &gt; arquivo1.txt</a:t>
+            </a:r>
+          </a:p>
+          <a:p>
+            <a:r>
+              <a:rPr lang="en-US" baseline="0" dirty="0"/>
+              <a:t>cat arquivo1.txt</a:t>
+            </a:r>
+            <a:endParaRPr lang="en-US" dirty="0"/>
+          </a:p>
+          <a:p>
+            <a:r>
+              <a:rPr lang="en-US" dirty="0"/>
+              <a:t> </a:t>
+            </a:r>
+            <a:r>
+              <a:rPr lang="en-US" dirty="0" err="1"/>
+              <a:t>docker</a:t>
+            </a:r>
+            <a:r>
+              <a:rPr lang="en-US" dirty="0"/>
+              <a:t> run -it -d --</a:t>
+            </a:r>
+            <a:r>
+              <a:rPr lang="en-US" dirty="0" err="1"/>
+              <a:t>rm</a:t>
+            </a:r>
+            <a:r>
+              <a:rPr lang="en-US" dirty="0"/>
+              <a:t> -p 8888:8080 tomcat:8.0</a:t>
+            </a:r>
+          </a:p>
+          <a:p>
+            <a:endParaRPr lang="en-US" dirty="0"/>
           </a:p>
           <a:p>
             <a:endParaRPr lang="pt-BR" dirty="0"/>
@@ -900,7 +878,7 @@
           <a:p>
             <a:fld id="{E99F75BA-2413-497C-9A18-77E2B7FB0011}" type="slidenum">
               <a:rPr lang="pt-BR" smtClean="0"/>
-              <a:t>14</a:t>
+              <a:t>13</a:t>
             </a:fld>
             <a:endParaRPr lang="pt-BR"/>
           </a:p>
@@ -909,7 +887,7 @@
     </p:spTree>
     <p:extLst>
       <p:ext uri="{BB962C8B-B14F-4D97-AF65-F5344CB8AC3E}">
-        <p14:creationId xmlns:p14="http://schemas.microsoft.com/office/powerpoint/2010/main" val="3259711175"/>
+        <p14:creationId xmlns:p14="http://schemas.microsoft.com/office/powerpoint/2010/main" val="3548893301"/>
       </p:ext>
     </p:extLst>
   </p:cSld>
@@ -963,83 +941,26 @@
           <a:bodyPr/>
           <a:lstStyle/>
           <a:p>
-            <a:pPr marL="457200" lvl="1" indent="0" algn="just">
+            <a:pPr marL="0" marR="0" lvl="0" indent="0" algn="l" defTabSz="914400" rtl="0" eaLnBrk="1" fontAlgn="auto" latinLnBrk="0" hangingPunct="1">
+              <a:lnSpc>
+                <a:spcPct val="100000"/>
+              </a:lnSpc>
+              <a:spcBef>
+                <a:spcPts val="0"/>
+              </a:spcBef>
+              <a:spcAft>
+                <a:spcPts val="0"/>
+              </a:spcAft>
+              <a:buClrTx/>
+              <a:buSzTx/>
+              <a:buFontTx/>
               <a:buNone/>
+              <a:tabLst/>
+              <a:defRPr/>
             </a:pPr>
             <a:r>
-              <a:rPr lang="pt-BR" sz="1800" dirty="0"/>
-              <a:t>Rodar a primeira vez sem o -d</a:t>
-            </a:r>
-          </a:p>
-          <a:p>
-            <a:pPr marL="457200" lvl="1" indent="0" algn="just">
-              <a:buNone/>
-            </a:pPr>
-            <a:r>
-              <a:rPr lang="pt-BR" sz="1800" dirty="0"/>
-              <a:t>Observações: </a:t>
-            </a:r>
-          </a:p>
-          <a:p>
-            <a:pPr marL="457200" lvl="1" indent="0" algn="just">
-              <a:buNone/>
-            </a:pPr>
-            <a:r>
-              <a:rPr lang="pt-BR" sz="1800" dirty="0"/>
-              <a:t>	</a:t>
-            </a:r>
-            <a:r>
-              <a:rPr lang="pt-BR" sz="1400" dirty="0"/>
-              <a:t>Essa imagem não é uma imagem “oficial” e por isso, precisa colocar um </a:t>
-            </a:r>
-            <a:r>
-              <a:rPr lang="pt-BR" sz="1400" i="1" dirty="0" err="1"/>
-              <a:t>username</a:t>
-            </a:r>
-            <a:r>
-              <a:rPr lang="pt-BR" sz="1400" dirty="0"/>
-              <a:t> para ser baixada que no caso é </a:t>
-            </a:r>
-            <a:r>
-              <a:rPr lang="pt-BR" sz="1400" u="sng" dirty="0" err="1"/>
-              <a:t>dockersamples</a:t>
-            </a:r>
-            <a:r>
-              <a:rPr lang="pt-BR" sz="1400" u="sng" dirty="0"/>
-              <a:t>. </a:t>
-            </a:r>
-          </a:p>
-          <a:p>
-            <a:pPr marL="457200" lvl="1" indent="0" algn="just">
-              <a:buNone/>
-            </a:pPr>
-            <a:r>
-              <a:rPr lang="pt-BR" sz="1400" dirty="0"/>
-              <a:t>	Essa imagem executará um Servidor Web e por isso segurará o </a:t>
-            </a:r>
-            <a:r>
-              <a:rPr lang="pt-BR" sz="1400" dirty="0" err="1"/>
-              <a:t>prompt</a:t>
-            </a:r>
-            <a:r>
-              <a:rPr lang="pt-BR" sz="1400" dirty="0"/>
-              <a:t> do comando. Para isso não acontecer, você precisa executar no modo </a:t>
-            </a:r>
-            <a:r>
-              <a:rPr lang="pt-BR" sz="1400" dirty="0" err="1"/>
-              <a:t>detached</a:t>
-            </a:r>
-            <a:r>
-              <a:rPr lang="pt-BR" sz="1400" dirty="0"/>
-              <a:t>, passando a </a:t>
-            </a:r>
-            <a:r>
-              <a:rPr lang="pt-BR" sz="1400" dirty="0" err="1"/>
-              <a:t>Flag</a:t>
-            </a:r>
-            <a:r>
-              <a:rPr lang="pt-BR" sz="1400" dirty="0"/>
-              <a:t> “-d” </a:t>
+              <a:rPr lang="pt-BR" dirty="0"/>
+              <a:t>Economia de Espaço, porque uma imagem base pode ser reaproveitada em vários containers</a:t>
             </a:r>
           </a:p>
           <a:p>
@@ -1064,7 +985,7 @@
           <a:p>
             <a:fld id="{E99F75BA-2413-497C-9A18-77E2B7FB0011}" type="slidenum">
               <a:rPr lang="pt-BR" smtClean="0"/>
-              <a:t>16</a:t>
+              <a:t>15</a:t>
             </a:fld>
             <a:endParaRPr lang="pt-BR"/>
           </a:p>
@@ -1073,7 +994,7 @@
     </p:spTree>
     <p:extLst>
       <p:ext uri="{BB962C8B-B14F-4D97-AF65-F5344CB8AC3E}">
-        <p14:creationId xmlns:p14="http://schemas.microsoft.com/office/powerpoint/2010/main" val="3832431425"/>
+        <p14:creationId xmlns:p14="http://schemas.microsoft.com/office/powerpoint/2010/main" val="3259711175"/>
       </p:ext>
     </p:extLst>
   </p:cSld>
@@ -1127,58 +1048,83 @@
           <a:bodyPr/>
           <a:lstStyle/>
           <a:p>
-            <a:r>
-              <a:rPr lang="pt-BR" dirty="0"/>
-              <a:t> </a:t>
-            </a:r>
-            <a:r>
-              <a:rPr lang="pt-BR" dirty="0" err="1"/>
-              <a:t>docker</a:t>
-            </a:r>
-            <a:r>
-              <a:rPr lang="pt-BR" dirty="0"/>
-              <a:t> </a:t>
-            </a:r>
-            <a:r>
-              <a:rPr lang="pt-BR" dirty="0" err="1"/>
-              <a:t>run</a:t>
-            </a:r>
-            <a:r>
-              <a:rPr lang="pt-BR" dirty="0"/>
-              <a:t> -d -P --</a:t>
-            </a:r>
-            <a:r>
-              <a:rPr lang="pt-BR" dirty="0" err="1"/>
-              <a:t>name</a:t>
-            </a:r>
-            <a:r>
-              <a:rPr lang="pt-BR" dirty="0"/>
-              <a:t> meu-site -e AUTHOR="Luciano Cordeiro" </a:t>
-            </a:r>
-            <a:r>
-              <a:rPr lang="pt-BR" dirty="0" err="1"/>
+            <a:pPr marL="457200" lvl="1" indent="0" algn="just">
+              <a:buNone/>
+            </a:pPr>
+            <a:r>
+              <a:rPr lang="pt-BR" sz="1800" dirty="0"/>
+              <a:t>Rodar a primeira vez sem o -d</a:t>
+            </a:r>
+          </a:p>
+          <a:p>
+            <a:pPr marL="457200" lvl="1" indent="0" algn="just">
+              <a:buNone/>
+            </a:pPr>
+            <a:r>
+              <a:rPr lang="pt-BR" sz="1800" dirty="0"/>
+              <a:t>Observações: </a:t>
+            </a:r>
+          </a:p>
+          <a:p>
+            <a:pPr marL="457200" lvl="1" indent="0" algn="just">
+              <a:buNone/>
+            </a:pPr>
+            <a:r>
+              <a:rPr lang="pt-BR" sz="1800" dirty="0"/>
+              <a:t>	</a:t>
+            </a:r>
+            <a:r>
+              <a:rPr lang="pt-BR" sz="1400" dirty="0"/>
+              <a:t>Essa imagem não é uma imagem “oficial” e por isso, precisa colocar um </a:t>
+            </a:r>
+            <a:r>
+              <a:rPr lang="pt-BR" sz="1400" i="1" dirty="0" err="1"/>
+              <a:t>username</a:t>
+            </a:r>
+            <a:r>
+              <a:rPr lang="pt-BR" sz="1400" dirty="0"/>
+              <a:t> para ser baixada que no caso é </a:t>
+            </a:r>
+            <a:r>
+              <a:rPr lang="pt-BR" sz="1400" u="sng" dirty="0" err="1"/>
               <a:t>dockersamples</a:t>
             </a:r>
             <a:r>
-              <a:rPr lang="pt-BR" dirty="0"/>
-              <a:t>/</a:t>
-            </a:r>
-            <a:r>
-              <a:rPr lang="pt-BR" dirty="0" err="1"/>
-              <a:t>static</a:t>
-            </a:r>
-            <a:r>
-              <a:rPr lang="pt-BR" dirty="0"/>
-              <a:t>-site</a:t>
-            </a:r>
-          </a:p>
-          <a:p>
-            <a:endParaRPr lang="pt-BR" dirty="0"/>
-          </a:p>
-          <a:p>
-            <a:r>
-              <a:rPr lang="de-DE" dirty="0"/>
-              <a:t>docker stop -t 0 20f2</a:t>
+              <a:rPr lang="pt-BR" sz="1400" u="sng" dirty="0"/>
+              <a:t>. </a:t>
+            </a:r>
+          </a:p>
+          <a:p>
+            <a:pPr marL="457200" lvl="1" indent="0" algn="just">
+              <a:buNone/>
+            </a:pPr>
+            <a:r>
+              <a:rPr lang="pt-BR" sz="1400" dirty="0"/>
+              <a:t>	Essa imagem executará um Servidor Web e por isso segurará o </a:t>
+            </a:r>
+            <a:r>
+              <a:rPr lang="pt-BR" sz="1400" dirty="0" err="1"/>
+              <a:t>prompt</a:t>
+            </a:r>
+            <a:r>
+              <a:rPr lang="pt-BR" sz="1400" dirty="0"/>
+              <a:t> do comando. Para isso não acontecer, você precisa executar no modo </a:t>
+            </a:r>
+            <a:r>
+              <a:rPr lang="pt-BR" sz="1400" dirty="0" err="1"/>
+              <a:t>detached</a:t>
+            </a:r>
+            <a:r>
+              <a:rPr lang="pt-BR" sz="1400" dirty="0"/>
+              <a:t>, passando a </a:t>
+            </a:r>
+            <a:r>
+              <a:rPr lang="pt-BR" sz="1400" dirty="0" err="1"/>
+              <a:t>Flag</a:t>
+            </a:r>
+            <a:r>
+              <a:rPr lang="pt-BR" sz="1400" dirty="0"/>
+              <a:t> “-d” </a:t>
             </a:r>
           </a:p>
           <a:p>
@@ -1212,7 +1158,7 @@
     </p:spTree>
     <p:extLst>
       <p:ext uri="{BB962C8B-B14F-4D97-AF65-F5344CB8AC3E}">
-        <p14:creationId xmlns:p14="http://schemas.microsoft.com/office/powerpoint/2010/main" val="4269914025"/>
+        <p14:creationId xmlns:p14="http://schemas.microsoft.com/office/powerpoint/2010/main" val="3832431425"/>
       </p:ext>
     </p:extLst>
   </p:cSld>
@@ -1266,23 +1212,10 @@
           <a:bodyPr/>
           <a:lstStyle/>
           <a:p>
-            <a:pPr marL="0" marR="0" lvl="0" indent="0" algn="l" defTabSz="914400" rtl="0" eaLnBrk="1" fontAlgn="auto" latinLnBrk="0" hangingPunct="1">
-              <a:lnSpc>
-                <a:spcPct val="100000"/>
-              </a:lnSpc>
-              <a:spcBef>
-                <a:spcPts val="0"/>
-              </a:spcBef>
-              <a:spcAft>
-                <a:spcPts val="0"/>
-              </a:spcAft>
-              <a:buClrTx/>
-              <a:buSzTx/>
-              <a:buFontTx/>
-              <a:buNone/>
-              <a:tabLst/>
-              <a:defRPr/>
-            </a:pPr>
+            <a:r>
+              <a:rPr lang="pt-BR" dirty="0"/>
+              <a:t> </a:t>
+            </a:r>
             <a:r>
               <a:rPr lang="pt-BR" dirty="0" err="1"/>
               <a:t>docker</a:t>
@@ -1297,7 +1230,7 @@
             </a:r>
             <a:r>
               <a:rPr lang="pt-BR" dirty="0"/>
-              <a:t> -d --</a:t>
+              <a:t> -d -P --</a:t>
             </a:r>
             <a:r>
               <a:rPr lang="pt-BR" dirty="0" err="1"/>
@@ -1305,68 +1238,11 @@
             </a:r>
             <a:r>
               <a:rPr lang="pt-BR" dirty="0"/>
-              <a:t> meu-</a:t>
+              <a:t> meu-site -e AUTHOR="Luciano Cordeiro" </a:t>
             </a:r>
             <a:r>
               <a:rPr lang="pt-BR" dirty="0" err="1"/>
-              <a:t>mysql</a:t>
-            </a:r>
-            <a:r>
-              <a:rPr lang="pt-BR" dirty="0"/>
-              <a:t> --network minha-rede -p 3306:3306 -e MYSQL_ROOT_PASSWORD=root -v "C:/Users/cyft/Downloads/DownloadsAlura/spring-learning/database:/var/lib/mysql" nexus.petrobras.com.br:5000/mysql:5.7.28</a:t>
-            </a:r>
-            <a:br>
-              <a:rPr lang="pt-BR" dirty="0"/>
-            </a:br>
-            <a:br>
-              <a:rPr lang="pt-BR" dirty="0"/>
-            </a:br>
-            <a:br>
-              <a:rPr lang="pt-BR" dirty="0"/>
-            </a:br>
-            <a:r>
-              <a:rPr lang="pt-BR" dirty="0" err="1"/>
-              <a:t>docker</a:t>
-            </a:r>
-            <a:r>
-              <a:rPr lang="pt-BR" dirty="0"/>
-              <a:t> </a:t>
-            </a:r>
-            <a:r>
-              <a:rPr lang="pt-BR" dirty="0" err="1"/>
-              <a:t>run</a:t>
-            </a:r>
-            <a:r>
-              <a:rPr lang="pt-BR" dirty="0"/>
-              <a:t> --</a:t>
-            </a:r>
-            <a:r>
-              <a:rPr lang="pt-BR" dirty="0" err="1"/>
-              <a:t>name</a:t>
-            </a:r>
-            <a:r>
-              <a:rPr lang="pt-BR" dirty="0"/>
-              <a:t> </a:t>
-            </a:r>
-            <a:r>
-              <a:rPr lang="pt-BR" dirty="0" err="1"/>
-              <a:t>mysql-admin</a:t>
-            </a:r>
-            <a:r>
-              <a:rPr lang="pt-BR" dirty="0"/>
-              <a:t> --network minha-rede -e MYSQL_ROOT_PASSWORD=root -e PMA_HOST="meu-</a:t>
-            </a:r>
-            <a:r>
-              <a:rPr lang="pt-BR" dirty="0" err="1"/>
-              <a:t>mysql</a:t>
-            </a:r>
-            <a:r>
-              <a:rPr lang="pt-BR" dirty="0"/>
-              <a:t>" -e PMA_PORT=3306 -p 8083:80 -d nexus.petrobras.com.br:5000/</a:t>
-            </a:r>
-            <a:r>
-              <a:rPr lang="pt-BR" dirty="0" err="1"/>
-              <a:t>phpmyadmin</a:t>
+              <a:t>dockersamples</a:t>
             </a:r>
             <a:r>
               <a:rPr lang="pt-BR" dirty="0"/>
@@ -1374,12 +1250,21 @@
             </a:r>
             <a:r>
               <a:rPr lang="pt-BR" dirty="0" err="1"/>
-              <a:t>phpmyadmin</a:t>
-            </a:r>
-            <a:br>
+              <a:t>static</a:t>
+            </a:r>
+            <a:r>
               <a:rPr lang="pt-BR" dirty="0"/>
-            </a:br>
+              <a:t>-site</a:t>
+            </a:r>
+          </a:p>
+          <a:p>
             <a:endParaRPr lang="pt-BR" dirty="0"/>
+          </a:p>
+          <a:p>
+            <a:r>
+              <a:rPr lang="de-DE" dirty="0"/>
+              <a:t>docker stop -t 0 20f2</a:t>
+            </a:r>
           </a:p>
           <a:p>
             <a:endParaRPr lang="pt-BR" dirty="0"/>
@@ -1404,6 +1289,218 @@
             <a:fld id="{E99F75BA-2413-497C-9A18-77E2B7FB0011}" type="slidenum">
               <a:rPr lang="pt-BR" smtClean="0"/>
               <a:t>18</a:t>
+            </a:fld>
+            <a:endParaRPr lang="pt-BR"/>
+          </a:p>
+        </p:txBody>
+      </p:sp>
+    </p:spTree>
+    <p:extLst>
+      <p:ext uri="{BB962C8B-B14F-4D97-AF65-F5344CB8AC3E}">
+        <p14:creationId xmlns:p14="http://schemas.microsoft.com/office/powerpoint/2010/main" val="4269914025"/>
+      </p:ext>
+    </p:extLst>
+  </p:cSld>
+  <p:clrMapOvr>
+    <a:masterClrMapping/>
+  </p:clrMapOvr>
+</p:notes>
+</file>
+
+<file path=ppt/notesSlides/notesSlide16.xml><?xml version="1.0" encoding="utf-8"?>
+<p:notes xmlns:a="http://schemas.openxmlformats.org/drawingml/2006/main" xmlns:r="http://schemas.openxmlformats.org/officeDocument/2006/relationships" xmlns:p="http://schemas.openxmlformats.org/presentationml/2006/main">
+  <p:cSld>
+    <p:spTree>
+      <p:nvGrpSpPr>
+        <p:cNvPr id="1" name=""/>
+        <p:cNvGrpSpPr/>
+        <p:nvPr/>
+      </p:nvGrpSpPr>
+      <p:grpSpPr>
+        <a:xfrm>
+          <a:off x="0" y="0"/>
+          <a:ext cx="0" cy="0"/>
+          <a:chOff x="0" y="0"/>
+          <a:chExt cx="0" cy="0"/>
+        </a:xfrm>
+      </p:grpSpPr>
+      <p:sp>
+        <p:nvSpPr>
+          <p:cNvPr id="2" name="Espaço Reservado para Imagem de Slide 1"/>
+          <p:cNvSpPr>
+            <a:spLocks noGrp="1" noRot="1" noChangeAspect="1"/>
+          </p:cNvSpPr>
+          <p:nvPr>
+            <p:ph type="sldImg"/>
+          </p:nvPr>
+        </p:nvSpPr>
+        <p:spPr/>
+      </p:sp>
+      <p:sp>
+        <p:nvSpPr>
+          <p:cNvPr id="3" name="Espaço Reservado para Anotações 2"/>
+          <p:cNvSpPr>
+            <a:spLocks noGrp="1"/>
+          </p:cNvSpPr>
+          <p:nvPr>
+            <p:ph type="body" idx="1"/>
+          </p:nvPr>
+        </p:nvSpPr>
+        <p:spPr/>
+        <p:txBody>
+          <a:bodyPr/>
+          <a:lstStyle/>
+          <a:p>
+            <a:pPr marL="0" marR="0" lvl="0" indent="0" algn="l" defTabSz="914400" rtl="0" eaLnBrk="1" fontAlgn="auto" latinLnBrk="0" hangingPunct="1">
+              <a:lnSpc>
+                <a:spcPct val="100000"/>
+              </a:lnSpc>
+              <a:spcBef>
+                <a:spcPts val="0"/>
+              </a:spcBef>
+              <a:spcAft>
+                <a:spcPts val="0"/>
+              </a:spcAft>
+              <a:buClrTx/>
+              <a:buSzTx/>
+              <a:buFontTx/>
+              <a:buNone/>
+              <a:tabLst/>
+              <a:defRPr/>
+            </a:pPr>
+            <a:r>
+              <a:rPr lang="pt-BR" dirty="0" err="1"/>
+              <a:t>docker</a:t>
+            </a:r>
+            <a:r>
+              <a:rPr lang="pt-BR" dirty="0"/>
+              <a:t> </a:t>
+            </a:r>
+            <a:r>
+              <a:rPr lang="pt-BR" dirty="0" err="1"/>
+              <a:t>run</a:t>
+            </a:r>
+            <a:r>
+              <a:rPr lang="pt-BR" dirty="0"/>
+              <a:t> -d --</a:t>
+            </a:r>
+            <a:r>
+              <a:rPr lang="pt-BR" dirty="0" err="1"/>
+              <a:t>name</a:t>
+            </a:r>
+            <a:r>
+              <a:rPr lang="pt-BR" dirty="0"/>
+              <a:t> meu-</a:t>
+            </a:r>
+            <a:r>
+              <a:rPr lang="pt-BR" dirty="0" err="1"/>
+              <a:t>mysql</a:t>
+            </a:r>
+            <a:r>
+              <a:rPr lang="pt-BR" dirty="0"/>
+              <a:t> --network minha-rede -p 3306:3306 -e MYSQL_ROOT_PASSWORD=root -v "C:/Users/cyft/Downloads/DownloadsAlura/spring-learning/database:/var/lib/mysql" nexus.petrobras.com.br:5000/mysql:5.7.28</a:t>
+            </a:r>
+            <a:br>
+              <a:rPr lang="pt-BR" dirty="0"/>
+            </a:br>
+            <a:r>
+              <a:rPr lang="pt-BR" dirty="0"/>
+              <a:t/>
+            </a:r>
+            <a:br>
+              <a:rPr lang="pt-BR" dirty="0"/>
+            </a:br>
+            <a:r>
+              <a:rPr lang="pt-BR" dirty="0"/>
+              <a:t/>
+            </a:r>
+            <a:br>
+              <a:rPr lang="pt-BR" dirty="0"/>
+            </a:br>
+            <a:r>
+              <a:rPr lang="pt-BR" dirty="0" err="1"/>
+              <a:t>docker</a:t>
+            </a:r>
+            <a:r>
+              <a:rPr lang="pt-BR" dirty="0"/>
+              <a:t> </a:t>
+            </a:r>
+            <a:r>
+              <a:rPr lang="pt-BR" dirty="0" err="1"/>
+              <a:t>run</a:t>
+            </a:r>
+            <a:r>
+              <a:rPr lang="pt-BR" dirty="0"/>
+              <a:t> --</a:t>
+            </a:r>
+            <a:r>
+              <a:rPr lang="pt-BR" dirty="0" err="1"/>
+              <a:t>name</a:t>
+            </a:r>
+            <a:r>
+              <a:rPr lang="pt-BR" dirty="0"/>
+              <a:t> </a:t>
+            </a:r>
+            <a:r>
+              <a:rPr lang="pt-BR" dirty="0" err="1"/>
+              <a:t>mysql-admin</a:t>
+            </a:r>
+            <a:r>
+              <a:rPr lang="pt-BR" dirty="0"/>
+              <a:t> --network minha-rede -e MYSQL_ROOT_PASSWORD=root -e PMA_HOST="meu-</a:t>
+            </a:r>
+            <a:r>
+              <a:rPr lang="pt-BR" dirty="0" err="1"/>
+              <a:t>mysql</a:t>
+            </a:r>
+            <a:r>
+              <a:rPr lang="pt-BR" dirty="0"/>
+              <a:t>" -e PMA_PORT=3306 -p 8083:80 -d nexus.petrobras.com.br:5000/</a:t>
+            </a:r>
+            <a:r>
+              <a:rPr lang="pt-BR" dirty="0" err="1"/>
+              <a:t>phpmyadmin</a:t>
+            </a:r>
+            <a:r>
+              <a:rPr lang="pt-BR" dirty="0"/>
+              <a:t>/</a:t>
+            </a:r>
+            <a:r>
+              <a:rPr lang="pt-BR" dirty="0" err="1"/>
+              <a:t>phpmyadmin</a:t>
+            </a:r>
+            <a:r>
+              <a:rPr lang="pt-BR" dirty="0"/>
+              <a:t/>
+            </a:r>
+            <a:br>
+              <a:rPr lang="pt-BR" dirty="0"/>
+            </a:br>
+            <a:endParaRPr lang="pt-BR" dirty="0"/>
+          </a:p>
+          <a:p>
+            <a:endParaRPr lang="pt-BR" dirty="0"/>
+          </a:p>
+        </p:txBody>
+      </p:sp>
+      <p:sp>
+        <p:nvSpPr>
+          <p:cNvPr id="4" name="Espaço Reservado para Número de Slide 3"/>
+          <p:cNvSpPr>
+            <a:spLocks noGrp="1"/>
+          </p:cNvSpPr>
+          <p:nvPr>
+            <p:ph type="sldNum" sz="quarter" idx="10"/>
+          </p:nvPr>
+        </p:nvSpPr>
+        <p:spPr/>
+        <p:txBody>
+          <a:bodyPr/>
+          <a:lstStyle/>
+          <a:p>
+            <a:fld id="{E99F75BA-2413-497C-9A18-77E2B7FB0011}" type="slidenum">
+              <a:rPr lang="pt-BR" smtClean="0"/>
+              <a:t>19</a:t>
             </a:fld>
             <a:endParaRPr lang="pt-BR"/>
           </a:p>
@@ -2512,7 +2609,7 @@
     </p:spTree>
     <p:extLst>
       <p:ext uri="{BB962C8B-B14F-4D97-AF65-F5344CB8AC3E}">
-        <p14:creationId xmlns:p14="http://schemas.microsoft.com/office/powerpoint/2010/main" val="3060281293"/>
+        <p14:creationId xmlns:p14="http://schemas.microsoft.com/office/powerpoint/2010/main" val="2160123572"/>
       </p:ext>
     </p:extLst>
   </p:cSld>
@@ -2596,7 +2693,7 @@
     </p:spTree>
     <p:extLst>
       <p:ext uri="{BB962C8B-B14F-4D97-AF65-F5344CB8AC3E}">
-        <p14:creationId xmlns:p14="http://schemas.microsoft.com/office/powerpoint/2010/main" val="3248734019"/>
+        <p14:creationId xmlns:p14="http://schemas.microsoft.com/office/powerpoint/2010/main" val="3060281293"/>
       </p:ext>
     </p:extLst>
   </p:cSld>
@@ -2735,7 +2832,7 @@
           <a:p>
             <a:fld id="{CC58B075-67F8-4A8D-AE1C-3D3E4193EBCA}" type="datetimeFigureOut">
               <a:rPr lang="pt-BR" smtClean="0"/>
-              <a:t>17/12/2019</a:t>
+              <a:t>18/12/2019</a:t>
             </a:fld>
             <a:endParaRPr lang="pt-BR"/>
           </a:p>
@@ -2903,7 +3000,7 @@
           <a:p>
             <a:fld id="{CC58B075-67F8-4A8D-AE1C-3D3E4193EBCA}" type="datetimeFigureOut">
               <a:rPr lang="pt-BR" smtClean="0"/>
-              <a:t>17/12/2019</a:t>
+              <a:t>18/12/2019</a:t>
             </a:fld>
             <a:endParaRPr lang="pt-BR"/>
           </a:p>
@@ -3081,7 +3178,7 @@
           <a:p>
             <a:fld id="{CC58B075-67F8-4A8D-AE1C-3D3E4193EBCA}" type="datetimeFigureOut">
               <a:rPr lang="pt-BR" smtClean="0"/>
-              <a:t>17/12/2019</a:t>
+              <a:t>18/12/2019</a:t>
             </a:fld>
             <a:endParaRPr lang="pt-BR"/>
           </a:p>
@@ -3249,7 +3346,7 @@
           <a:p>
             <a:fld id="{CC58B075-67F8-4A8D-AE1C-3D3E4193EBCA}" type="datetimeFigureOut">
               <a:rPr lang="pt-BR" smtClean="0"/>
-              <a:t>17/12/2019</a:t>
+              <a:t>18/12/2019</a:t>
             </a:fld>
             <a:endParaRPr lang="pt-BR"/>
           </a:p>
@@ -3494,7 +3591,7 @@
           <a:p>
             <a:fld id="{CC58B075-67F8-4A8D-AE1C-3D3E4193EBCA}" type="datetimeFigureOut">
               <a:rPr lang="pt-BR" smtClean="0"/>
-              <a:t>17/12/2019</a:t>
+              <a:t>18/12/2019</a:t>
             </a:fld>
             <a:endParaRPr lang="pt-BR"/>
           </a:p>
@@ -3723,7 +3820,7 @@
           <a:p>
             <a:fld id="{CC58B075-67F8-4A8D-AE1C-3D3E4193EBCA}" type="datetimeFigureOut">
               <a:rPr lang="pt-BR" smtClean="0"/>
-              <a:t>17/12/2019</a:t>
+              <a:t>18/12/2019</a:t>
             </a:fld>
             <a:endParaRPr lang="pt-BR"/>
           </a:p>
@@ -4087,7 +4184,7 @@
           <a:p>
             <a:fld id="{CC58B075-67F8-4A8D-AE1C-3D3E4193EBCA}" type="datetimeFigureOut">
               <a:rPr lang="pt-BR" smtClean="0"/>
-              <a:t>17/12/2019</a:t>
+              <a:t>18/12/2019</a:t>
             </a:fld>
             <a:endParaRPr lang="pt-BR"/>
           </a:p>
@@ -4204,7 +4301,7 @@
           <a:p>
             <a:fld id="{CC58B075-67F8-4A8D-AE1C-3D3E4193EBCA}" type="datetimeFigureOut">
               <a:rPr lang="pt-BR" smtClean="0"/>
-              <a:t>17/12/2019</a:t>
+              <a:t>18/12/2019</a:t>
             </a:fld>
             <a:endParaRPr lang="pt-BR"/>
           </a:p>
@@ -4299,7 +4396,7 @@
           <a:p>
             <a:fld id="{CC58B075-67F8-4A8D-AE1C-3D3E4193EBCA}" type="datetimeFigureOut">
               <a:rPr lang="pt-BR" smtClean="0"/>
-              <a:t>17/12/2019</a:t>
+              <a:t>18/12/2019</a:t>
             </a:fld>
             <a:endParaRPr lang="pt-BR"/>
           </a:p>
@@ -4574,7 +4671,7 @@
           <a:p>
             <a:fld id="{CC58B075-67F8-4A8D-AE1C-3D3E4193EBCA}" type="datetimeFigureOut">
               <a:rPr lang="pt-BR" smtClean="0"/>
-              <a:t>17/12/2019</a:t>
+              <a:t>18/12/2019</a:t>
             </a:fld>
             <a:endParaRPr lang="pt-BR"/>
           </a:p>
@@ -4826,7 +4923,7 @@
           <a:p>
             <a:fld id="{CC58B075-67F8-4A8D-AE1C-3D3E4193EBCA}" type="datetimeFigureOut">
               <a:rPr lang="pt-BR" smtClean="0"/>
-              <a:t>17/12/2019</a:t>
+              <a:t>18/12/2019</a:t>
             </a:fld>
             <a:endParaRPr lang="pt-BR"/>
           </a:p>
@@ -5037,7 +5134,7 @@
           <a:p>
             <a:fld id="{CC58B075-67F8-4A8D-AE1C-3D3E4193EBCA}" type="datetimeFigureOut">
               <a:rPr lang="pt-BR" smtClean="0"/>
-              <a:t>17/12/2019</a:t>
+              <a:t>18/12/2019</a:t>
             </a:fld>
             <a:endParaRPr lang="pt-BR"/>
           </a:p>
@@ -5458,7 +5555,7 @@
         </p:blipFill>
         <p:spPr>
           <a:xfrm>
-            <a:off x="2577267" y="1501637"/>
+            <a:off x="2658290" y="1362741"/>
             <a:ext cx="6564776" cy="3584713"/>
           </a:xfrm>
           <a:prstGeom prst="rect">
@@ -5466,6 +5563,36 @@
           </a:prstGeom>
         </p:spPr>
       </p:pic>
+      <p:sp>
+        <p:nvSpPr>
+          <p:cNvPr id="2" name="CaixaDeTexto 1"/>
+          <p:cNvSpPr txBox="1"/>
+          <p:nvPr/>
+        </p:nvSpPr>
+        <p:spPr>
+          <a:xfrm>
+            <a:off x="8495818" y="5984110"/>
+            <a:ext cx="2720050" cy="400110"/>
+          </a:xfrm>
+          <a:prstGeom prst="rect">
+            <a:avLst/>
+          </a:prstGeom>
+          <a:noFill/>
+        </p:spPr>
+        <p:txBody>
+          <a:bodyPr wrap="square" rtlCol="0">
+            <a:spAutoFit/>
+          </a:bodyPr>
+          <a:lstStyle/>
+          <a:p>
+            <a:r>
+              <a:rPr lang="pt-BR" sz="2000" dirty="0" smtClean="0"/>
+              <a:t>Luciano Cordeiro</a:t>
+            </a:r>
+            <a:endParaRPr lang="pt-BR" sz="2000" dirty="0"/>
+          </a:p>
+        </p:txBody>
+      </p:sp>
     </p:spTree>
     <p:extLst>
       <p:ext uri="{BB962C8B-B14F-4D97-AF65-F5344CB8AC3E}">
@@ -5476,10 +5603,164 @@
   <p:clrMapOvr>
     <a:masterClrMapping/>
   </p:clrMapOvr>
+  <p:timing>
+    <p:tnLst>
+      <p:par>
+        <p:cTn id="1" dur="indefinite" restart="never" nodeType="tmRoot"/>
+      </p:par>
+    </p:tnLst>
+  </p:timing>
 </p:sld>
 </file>
 
 <file path=ppt/slides/slide10.xml><?xml version="1.0" encoding="utf-8"?>
+<p:sld xmlns:a="http://schemas.openxmlformats.org/drawingml/2006/main" xmlns:r="http://schemas.openxmlformats.org/officeDocument/2006/relationships" xmlns:p="http://schemas.openxmlformats.org/presentationml/2006/main">
+  <p:cSld>
+    <p:spTree>
+      <p:nvGrpSpPr>
+        <p:cNvPr id="1" name=""/>
+        <p:cNvGrpSpPr/>
+        <p:nvPr/>
+      </p:nvGrpSpPr>
+      <p:grpSpPr>
+        <a:xfrm>
+          <a:off x="0" y="0"/>
+          <a:ext cx="0" cy="0"/>
+          <a:chOff x="0" y="0"/>
+          <a:chExt cx="0" cy="0"/>
+        </a:xfrm>
+      </p:grpSpPr>
+      <p:sp>
+        <p:nvSpPr>
+          <p:cNvPr id="2" name="Título 1"/>
+          <p:cNvSpPr>
+            <a:spLocks noGrp="1"/>
+          </p:cNvSpPr>
+          <p:nvPr>
+            <p:ph type="title"/>
+          </p:nvPr>
+        </p:nvSpPr>
+        <p:spPr>
+          <a:xfrm>
+            <a:off x="548536" y="346787"/>
+            <a:ext cx="10515600" cy="549275"/>
+          </a:xfrm>
+        </p:spPr>
+        <p:txBody>
+          <a:bodyPr>
+            <a:normAutofit/>
+          </a:bodyPr>
+          <a:lstStyle/>
+          <a:p>
+            <a:pPr algn="ctr"/>
+            <a:r>
+              <a:rPr lang="pt-BR" sz="2800" b="1" dirty="0"/>
+              <a:t>O que é o </a:t>
+            </a:r>
+            <a:r>
+              <a:rPr lang="pt-BR" sz="2800" b="1" dirty="0" err="1"/>
+              <a:t>Docker</a:t>
+            </a:r>
+            <a:r>
+              <a:rPr lang="pt-BR" sz="2800" b="1" dirty="0"/>
+              <a:t>?</a:t>
+            </a:r>
+          </a:p>
+        </p:txBody>
+      </p:sp>
+      <p:pic>
+        <p:nvPicPr>
+          <p:cNvPr id="7" name="Imagem 6"/>
+          <p:cNvPicPr>
+            <a:picLocks noChangeAspect="1"/>
+          </p:cNvPicPr>
+          <p:nvPr/>
+        </p:nvPicPr>
+        <p:blipFill>
+          <a:blip r:embed="rId3"/>
+          <a:stretch>
+            <a:fillRect/>
+          </a:stretch>
+        </p:blipFill>
+        <p:spPr>
+          <a:xfrm>
+            <a:off x="1955727" y="1289745"/>
+            <a:ext cx="4636141" cy="4857410"/>
+          </a:xfrm>
+          <a:prstGeom prst="rect">
+            <a:avLst/>
+          </a:prstGeom>
+        </p:spPr>
+      </p:pic>
+      <p:pic>
+        <p:nvPicPr>
+          <p:cNvPr id="8" name="Imagem 7"/>
+          <p:cNvPicPr>
+            <a:picLocks noChangeAspect="1"/>
+          </p:cNvPicPr>
+          <p:nvPr/>
+        </p:nvPicPr>
+        <p:blipFill>
+          <a:blip r:embed="rId4"/>
+          <a:stretch>
+            <a:fillRect/>
+          </a:stretch>
+        </p:blipFill>
+        <p:spPr>
+          <a:xfrm>
+            <a:off x="6591868" y="2885149"/>
+            <a:ext cx="4588900" cy="1168236"/>
+          </a:xfrm>
+          <a:prstGeom prst="rect">
+            <a:avLst/>
+          </a:prstGeom>
+        </p:spPr>
+      </p:pic>
+      <p:pic>
+        <p:nvPicPr>
+          <p:cNvPr id="9" name="Imagem 8"/>
+          <p:cNvPicPr>
+            <a:picLocks noChangeAspect="1"/>
+          </p:cNvPicPr>
+          <p:nvPr/>
+        </p:nvPicPr>
+        <p:blipFill>
+          <a:blip r:embed="rId5"/>
+          <a:stretch>
+            <a:fillRect/>
+          </a:stretch>
+        </p:blipFill>
+        <p:spPr>
+          <a:xfrm>
+            <a:off x="6836557" y="4053385"/>
+            <a:ext cx="4227579" cy="693206"/>
+          </a:xfrm>
+          <a:prstGeom prst="rect">
+            <a:avLst/>
+          </a:prstGeom>
+        </p:spPr>
+      </p:pic>
+    </p:spTree>
+    <p:extLst>
+      <p:ext uri="{BB962C8B-B14F-4D97-AF65-F5344CB8AC3E}">
+        <p14:creationId xmlns:p14="http://schemas.microsoft.com/office/powerpoint/2010/main" val="1511799876"/>
+      </p:ext>
+    </p:extLst>
+  </p:cSld>
+  <p:clrMapOvr>
+    <a:masterClrMapping/>
+  </p:clrMapOvr>
+  <p:timing>
+    <p:tnLst>
+      <p:par>
+        <p:cTn id="1" dur="indefinite" restart="never" nodeType="tmRoot"/>
+      </p:par>
+    </p:tnLst>
+  </p:timing>
+</p:sld>
+</file>
+
+<file path=ppt/slides/slide11.xml><?xml version="1.0" encoding="utf-8"?>
 <p:sld xmlns:a="http://schemas.openxmlformats.org/drawingml/2006/main" xmlns:r="http://schemas.openxmlformats.org/officeDocument/2006/relationships" xmlns:p="http://schemas.openxmlformats.org/presentationml/2006/main">
   <p:cSld>
     <p:spTree>
@@ -7034,7 +7315,528 @@
 </p:sld>
 </file>
 
-<file path=ppt/slides/slide11.xml><?xml version="1.0" encoding="utf-8"?>
+<file path=ppt/slides/slide12.xml><?xml version="1.0" encoding="utf-8"?>
+<p:sld xmlns:a="http://schemas.openxmlformats.org/drawingml/2006/main" xmlns:r="http://schemas.openxmlformats.org/officeDocument/2006/relationships" xmlns:p="http://schemas.openxmlformats.org/presentationml/2006/main">
+  <p:cSld>
+    <p:spTree>
+      <p:nvGrpSpPr>
+        <p:cNvPr id="1" name=""/>
+        <p:cNvGrpSpPr/>
+        <p:nvPr/>
+      </p:nvGrpSpPr>
+      <p:grpSpPr>
+        <a:xfrm>
+          <a:off x="0" y="0"/>
+          <a:ext cx="0" cy="0"/>
+          <a:chOff x="0" y="0"/>
+          <a:chExt cx="0" cy="0"/>
+        </a:xfrm>
+      </p:grpSpPr>
+      <p:sp>
+        <p:nvSpPr>
+          <p:cNvPr id="5" name="Espaço Reservado para Conteúdo 5"/>
+          <p:cNvSpPr txBox="1">
+            <a:spLocks/>
+          </p:cNvSpPr>
+          <p:nvPr/>
+        </p:nvSpPr>
+        <p:spPr>
+          <a:xfrm>
+            <a:off x="504450" y="1084496"/>
+            <a:ext cx="11421938" cy="3317687"/>
+          </a:xfrm>
+          <a:prstGeom prst="rect">
+            <a:avLst/>
+          </a:prstGeom>
+        </p:spPr>
+        <p:txBody>
+          <a:bodyPr vert="horz" lIns="91440" tIns="45720" rIns="91440" bIns="45720" rtlCol="0">
+            <a:normAutofit/>
+          </a:bodyPr>
+          <a:lstStyle>
+            <a:lvl1pPr marL="228600" indent="-228600" algn="l" defTabSz="914400" rtl="0" eaLnBrk="1" latinLnBrk="0" hangingPunct="1">
+              <a:lnSpc>
+                <a:spcPct val="90000"/>
+              </a:lnSpc>
+              <a:spcBef>
+                <a:spcPts val="1000"/>
+              </a:spcBef>
+              <a:buFont typeface="Arial" panose="020B0604020202020204" pitchFamily="34" charset="0"/>
+              <a:buChar char="•"/>
+              <a:defRPr sz="2800" kern="1200">
+                <a:solidFill>
+                  <a:schemeClr val="tx1"/>
+                </a:solidFill>
+                <a:latin typeface="+mn-lt"/>
+                <a:ea typeface="+mn-ea"/>
+                <a:cs typeface="+mn-cs"/>
+              </a:defRPr>
+            </a:lvl1pPr>
+            <a:lvl2pPr marL="685800" indent="-228600" algn="l" defTabSz="914400" rtl="0" eaLnBrk="1" latinLnBrk="0" hangingPunct="1">
+              <a:lnSpc>
+                <a:spcPct val="90000"/>
+              </a:lnSpc>
+              <a:spcBef>
+                <a:spcPts val="500"/>
+              </a:spcBef>
+              <a:buFont typeface="Arial" panose="020B0604020202020204" pitchFamily="34" charset="0"/>
+              <a:buChar char="•"/>
+              <a:defRPr sz="2400" kern="1200">
+                <a:solidFill>
+                  <a:schemeClr val="tx1"/>
+                </a:solidFill>
+                <a:latin typeface="+mn-lt"/>
+                <a:ea typeface="+mn-ea"/>
+                <a:cs typeface="+mn-cs"/>
+              </a:defRPr>
+            </a:lvl2pPr>
+            <a:lvl3pPr marL="1143000" indent="-228600" algn="l" defTabSz="914400" rtl="0" eaLnBrk="1" latinLnBrk="0" hangingPunct="1">
+              <a:lnSpc>
+                <a:spcPct val="90000"/>
+              </a:lnSpc>
+              <a:spcBef>
+                <a:spcPts val="500"/>
+              </a:spcBef>
+              <a:buFont typeface="Arial" panose="020B0604020202020204" pitchFamily="34" charset="0"/>
+              <a:buChar char="•"/>
+              <a:defRPr sz="2000" kern="1200">
+                <a:solidFill>
+                  <a:schemeClr val="tx1"/>
+                </a:solidFill>
+                <a:latin typeface="+mn-lt"/>
+                <a:ea typeface="+mn-ea"/>
+                <a:cs typeface="+mn-cs"/>
+              </a:defRPr>
+            </a:lvl3pPr>
+            <a:lvl4pPr marL="1600200" indent="-228600" algn="l" defTabSz="914400" rtl="0" eaLnBrk="1" latinLnBrk="0" hangingPunct="1">
+              <a:lnSpc>
+                <a:spcPct val="90000"/>
+              </a:lnSpc>
+              <a:spcBef>
+                <a:spcPts val="500"/>
+              </a:spcBef>
+              <a:buFont typeface="Arial" panose="020B0604020202020204" pitchFamily="34" charset="0"/>
+              <a:buChar char="•"/>
+              <a:defRPr sz="1800" kern="1200">
+                <a:solidFill>
+                  <a:schemeClr val="tx1"/>
+                </a:solidFill>
+                <a:latin typeface="+mn-lt"/>
+                <a:ea typeface="+mn-ea"/>
+                <a:cs typeface="+mn-cs"/>
+              </a:defRPr>
+            </a:lvl4pPr>
+            <a:lvl5pPr marL="2057400" indent="-228600" algn="l" defTabSz="914400" rtl="0" eaLnBrk="1" latinLnBrk="0" hangingPunct="1">
+              <a:lnSpc>
+                <a:spcPct val="90000"/>
+              </a:lnSpc>
+              <a:spcBef>
+                <a:spcPts val="500"/>
+              </a:spcBef>
+              <a:buFont typeface="Arial" panose="020B0604020202020204" pitchFamily="34" charset="0"/>
+              <a:buChar char="•"/>
+              <a:defRPr sz="1800" kern="1200">
+                <a:solidFill>
+                  <a:schemeClr val="tx1"/>
+                </a:solidFill>
+                <a:latin typeface="+mn-lt"/>
+                <a:ea typeface="+mn-ea"/>
+                <a:cs typeface="+mn-cs"/>
+              </a:defRPr>
+            </a:lvl5pPr>
+            <a:lvl6pPr marL="2514600" indent="-228600" algn="l" defTabSz="914400" rtl="0" eaLnBrk="1" latinLnBrk="0" hangingPunct="1">
+              <a:lnSpc>
+                <a:spcPct val="90000"/>
+              </a:lnSpc>
+              <a:spcBef>
+                <a:spcPts val="500"/>
+              </a:spcBef>
+              <a:buFont typeface="Arial" panose="020B0604020202020204" pitchFamily="34" charset="0"/>
+              <a:buChar char="•"/>
+              <a:defRPr sz="1800" kern="1200">
+                <a:solidFill>
+                  <a:schemeClr val="tx1"/>
+                </a:solidFill>
+                <a:latin typeface="+mn-lt"/>
+                <a:ea typeface="+mn-ea"/>
+                <a:cs typeface="+mn-cs"/>
+              </a:defRPr>
+            </a:lvl6pPr>
+            <a:lvl7pPr marL="2971800" indent="-228600" algn="l" defTabSz="914400" rtl="0" eaLnBrk="1" latinLnBrk="0" hangingPunct="1">
+              <a:lnSpc>
+                <a:spcPct val="90000"/>
+              </a:lnSpc>
+              <a:spcBef>
+                <a:spcPts val="500"/>
+              </a:spcBef>
+              <a:buFont typeface="Arial" panose="020B0604020202020204" pitchFamily="34" charset="0"/>
+              <a:buChar char="•"/>
+              <a:defRPr sz="1800" kern="1200">
+                <a:solidFill>
+                  <a:schemeClr val="tx1"/>
+                </a:solidFill>
+                <a:latin typeface="+mn-lt"/>
+                <a:ea typeface="+mn-ea"/>
+                <a:cs typeface="+mn-cs"/>
+              </a:defRPr>
+            </a:lvl7pPr>
+            <a:lvl8pPr marL="3429000" indent="-228600" algn="l" defTabSz="914400" rtl="0" eaLnBrk="1" latinLnBrk="0" hangingPunct="1">
+              <a:lnSpc>
+                <a:spcPct val="90000"/>
+              </a:lnSpc>
+              <a:spcBef>
+                <a:spcPts val="500"/>
+              </a:spcBef>
+              <a:buFont typeface="Arial" panose="020B0604020202020204" pitchFamily="34" charset="0"/>
+              <a:buChar char="•"/>
+              <a:defRPr sz="1800" kern="1200">
+                <a:solidFill>
+                  <a:schemeClr val="tx1"/>
+                </a:solidFill>
+                <a:latin typeface="+mn-lt"/>
+                <a:ea typeface="+mn-ea"/>
+                <a:cs typeface="+mn-cs"/>
+              </a:defRPr>
+            </a:lvl8pPr>
+            <a:lvl9pPr marL="3886200" indent="-228600" algn="l" defTabSz="914400" rtl="0" eaLnBrk="1" latinLnBrk="0" hangingPunct="1">
+              <a:lnSpc>
+                <a:spcPct val="90000"/>
+              </a:lnSpc>
+              <a:spcBef>
+                <a:spcPts val="500"/>
+              </a:spcBef>
+              <a:buFont typeface="Arial" panose="020B0604020202020204" pitchFamily="34" charset="0"/>
+              <a:buChar char="•"/>
+              <a:defRPr sz="1800" kern="1200">
+                <a:solidFill>
+                  <a:schemeClr val="tx1"/>
+                </a:solidFill>
+                <a:latin typeface="+mn-lt"/>
+                <a:ea typeface="+mn-ea"/>
+                <a:cs typeface="+mn-cs"/>
+              </a:defRPr>
+            </a:lvl9pPr>
+          </a:lstStyle>
+          <a:p>
+            <a:pPr marL="0" indent="0">
+              <a:buNone/>
+            </a:pPr>
+            <a:endParaRPr lang="pt-BR" sz="2000" dirty="0"/>
+          </a:p>
+        </p:txBody>
+      </p:sp>
+      <p:sp>
+        <p:nvSpPr>
+          <p:cNvPr id="8" name="Espaço Reservado para Conteúdo 5"/>
+          <p:cNvSpPr txBox="1">
+            <a:spLocks/>
+          </p:cNvSpPr>
+          <p:nvPr/>
+        </p:nvSpPr>
+        <p:spPr>
+          <a:xfrm>
+            <a:off x="504450" y="4729033"/>
+            <a:ext cx="11134556" cy="1671768"/>
+          </a:xfrm>
+          <a:prstGeom prst="rect">
+            <a:avLst/>
+          </a:prstGeom>
+        </p:spPr>
+        <p:txBody>
+          <a:bodyPr vert="horz" lIns="91440" tIns="45720" rIns="91440" bIns="45720" rtlCol="0">
+            <a:normAutofit/>
+          </a:bodyPr>
+          <a:lstStyle>
+            <a:lvl1pPr marL="228600" indent="-228600" algn="l" defTabSz="914400" rtl="0" eaLnBrk="1" latinLnBrk="0" hangingPunct="1">
+              <a:lnSpc>
+                <a:spcPct val="90000"/>
+              </a:lnSpc>
+              <a:spcBef>
+                <a:spcPts val="1000"/>
+              </a:spcBef>
+              <a:buFont typeface="Arial" panose="020B0604020202020204" pitchFamily="34" charset="0"/>
+              <a:buChar char="•"/>
+              <a:defRPr sz="2800" kern="1200">
+                <a:solidFill>
+                  <a:schemeClr val="tx1"/>
+                </a:solidFill>
+                <a:latin typeface="+mn-lt"/>
+                <a:ea typeface="+mn-ea"/>
+                <a:cs typeface="+mn-cs"/>
+              </a:defRPr>
+            </a:lvl1pPr>
+            <a:lvl2pPr marL="685800" indent="-228600" algn="l" defTabSz="914400" rtl="0" eaLnBrk="1" latinLnBrk="0" hangingPunct="1">
+              <a:lnSpc>
+                <a:spcPct val="90000"/>
+              </a:lnSpc>
+              <a:spcBef>
+                <a:spcPts val="500"/>
+              </a:spcBef>
+              <a:buFont typeface="Arial" panose="020B0604020202020204" pitchFamily="34" charset="0"/>
+              <a:buChar char="•"/>
+              <a:defRPr sz="2400" kern="1200">
+                <a:solidFill>
+                  <a:schemeClr val="tx1"/>
+                </a:solidFill>
+                <a:latin typeface="+mn-lt"/>
+                <a:ea typeface="+mn-ea"/>
+                <a:cs typeface="+mn-cs"/>
+              </a:defRPr>
+            </a:lvl2pPr>
+            <a:lvl3pPr marL="1143000" indent="-228600" algn="l" defTabSz="914400" rtl="0" eaLnBrk="1" latinLnBrk="0" hangingPunct="1">
+              <a:lnSpc>
+                <a:spcPct val="90000"/>
+              </a:lnSpc>
+              <a:spcBef>
+                <a:spcPts val="500"/>
+              </a:spcBef>
+              <a:buFont typeface="Arial" panose="020B0604020202020204" pitchFamily="34" charset="0"/>
+              <a:buChar char="•"/>
+              <a:defRPr sz="2000" kern="1200">
+                <a:solidFill>
+                  <a:schemeClr val="tx1"/>
+                </a:solidFill>
+                <a:latin typeface="+mn-lt"/>
+                <a:ea typeface="+mn-ea"/>
+                <a:cs typeface="+mn-cs"/>
+              </a:defRPr>
+            </a:lvl3pPr>
+            <a:lvl4pPr marL="1600200" indent="-228600" algn="l" defTabSz="914400" rtl="0" eaLnBrk="1" latinLnBrk="0" hangingPunct="1">
+              <a:lnSpc>
+                <a:spcPct val="90000"/>
+              </a:lnSpc>
+              <a:spcBef>
+                <a:spcPts val="500"/>
+              </a:spcBef>
+              <a:buFont typeface="Arial" panose="020B0604020202020204" pitchFamily="34" charset="0"/>
+              <a:buChar char="•"/>
+              <a:defRPr sz="1800" kern="1200">
+                <a:solidFill>
+                  <a:schemeClr val="tx1"/>
+                </a:solidFill>
+                <a:latin typeface="+mn-lt"/>
+                <a:ea typeface="+mn-ea"/>
+                <a:cs typeface="+mn-cs"/>
+              </a:defRPr>
+            </a:lvl4pPr>
+            <a:lvl5pPr marL="2057400" indent="-228600" algn="l" defTabSz="914400" rtl="0" eaLnBrk="1" latinLnBrk="0" hangingPunct="1">
+              <a:lnSpc>
+                <a:spcPct val="90000"/>
+              </a:lnSpc>
+              <a:spcBef>
+                <a:spcPts val="500"/>
+              </a:spcBef>
+              <a:buFont typeface="Arial" panose="020B0604020202020204" pitchFamily="34" charset="0"/>
+              <a:buChar char="•"/>
+              <a:defRPr sz="1800" kern="1200">
+                <a:solidFill>
+                  <a:schemeClr val="tx1"/>
+                </a:solidFill>
+                <a:latin typeface="+mn-lt"/>
+                <a:ea typeface="+mn-ea"/>
+                <a:cs typeface="+mn-cs"/>
+              </a:defRPr>
+            </a:lvl5pPr>
+            <a:lvl6pPr marL="2514600" indent="-228600" algn="l" defTabSz="914400" rtl="0" eaLnBrk="1" latinLnBrk="0" hangingPunct="1">
+              <a:lnSpc>
+                <a:spcPct val="90000"/>
+              </a:lnSpc>
+              <a:spcBef>
+                <a:spcPts val="500"/>
+              </a:spcBef>
+              <a:buFont typeface="Arial" panose="020B0604020202020204" pitchFamily="34" charset="0"/>
+              <a:buChar char="•"/>
+              <a:defRPr sz="1800" kern="1200">
+                <a:solidFill>
+                  <a:schemeClr val="tx1"/>
+                </a:solidFill>
+                <a:latin typeface="+mn-lt"/>
+                <a:ea typeface="+mn-ea"/>
+                <a:cs typeface="+mn-cs"/>
+              </a:defRPr>
+            </a:lvl6pPr>
+            <a:lvl7pPr marL="2971800" indent="-228600" algn="l" defTabSz="914400" rtl="0" eaLnBrk="1" latinLnBrk="0" hangingPunct="1">
+              <a:lnSpc>
+                <a:spcPct val="90000"/>
+              </a:lnSpc>
+              <a:spcBef>
+                <a:spcPts val="500"/>
+              </a:spcBef>
+              <a:buFont typeface="Arial" panose="020B0604020202020204" pitchFamily="34" charset="0"/>
+              <a:buChar char="•"/>
+              <a:defRPr sz="1800" kern="1200">
+                <a:solidFill>
+                  <a:schemeClr val="tx1"/>
+                </a:solidFill>
+                <a:latin typeface="+mn-lt"/>
+                <a:ea typeface="+mn-ea"/>
+                <a:cs typeface="+mn-cs"/>
+              </a:defRPr>
+            </a:lvl7pPr>
+            <a:lvl8pPr marL="3429000" indent="-228600" algn="l" defTabSz="914400" rtl="0" eaLnBrk="1" latinLnBrk="0" hangingPunct="1">
+              <a:lnSpc>
+                <a:spcPct val="90000"/>
+              </a:lnSpc>
+              <a:spcBef>
+                <a:spcPts val="500"/>
+              </a:spcBef>
+              <a:buFont typeface="Arial" panose="020B0604020202020204" pitchFamily="34" charset="0"/>
+              <a:buChar char="•"/>
+              <a:defRPr sz="1800" kern="1200">
+                <a:solidFill>
+                  <a:schemeClr val="tx1"/>
+                </a:solidFill>
+                <a:latin typeface="+mn-lt"/>
+                <a:ea typeface="+mn-ea"/>
+                <a:cs typeface="+mn-cs"/>
+              </a:defRPr>
+            </a:lvl8pPr>
+            <a:lvl9pPr marL="3886200" indent="-228600" algn="l" defTabSz="914400" rtl="0" eaLnBrk="1" latinLnBrk="0" hangingPunct="1">
+              <a:lnSpc>
+                <a:spcPct val="90000"/>
+              </a:lnSpc>
+              <a:spcBef>
+                <a:spcPts val="500"/>
+              </a:spcBef>
+              <a:buFont typeface="Arial" panose="020B0604020202020204" pitchFamily="34" charset="0"/>
+              <a:buChar char="•"/>
+              <a:defRPr sz="1800" kern="1200">
+                <a:solidFill>
+                  <a:schemeClr val="tx1"/>
+                </a:solidFill>
+                <a:latin typeface="+mn-lt"/>
+                <a:ea typeface="+mn-ea"/>
+                <a:cs typeface="+mn-cs"/>
+              </a:defRPr>
+            </a:lvl9pPr>
+          </a:lstStyle>
+          <a:p>
+            <a:endParaRPr lang="pt-BR" sz="2000" dirty="0"/>
+          </a:p>
+        </p:txBody>
+      </p:sp>
+      <p:sp>
+        <p:nvSpPr>
+          <p:cNvPr id="3" name="CaixaDeTexto 2"/>
+          <p:cNvSpPr txBox="1"/>
+          <p:nvPr/>
+        </p:nvSpPr>
+        <p:spPr>
+          <a:xfrm>
+            <a:off x="1006854" y="3105554"/>
+            <a:ext cx="9593988" cy="1200329"/>
+          </a:xfrm>
+          <a:prstGeom prst="rect">
+            <a:avLst/>
+          </a:prstGeom>
+          <a:noFill/>
+        </p:spPr>
+        <p:txBody>
+          <a:bodyPr wrap="square" rtlCol="0">
+            <a:spAutoFit/>
+          </a:bodyPr>
+          <a:lstStyle/>
+          <a:p>
+            <a:r>
+              <a:rPr lang="pt-BR" sz="2400" dirty="0"/>
+              <a:t>A </a:t>
+            </a:r>
+            <a:r>
+              <a:rPr lang="pt-BR" sz="2400" b="1" dirty="0"/>
+              <a:t>imagem</a:t>
+            </a:r>
+            <a:r>
+              <a:rPr lang="pt-BR" sz="2400" dirty="0"/>
+              <a:t> é como se fosse uma receita de bolo, uma série de instruções que o </a:t>
+            </a:r>
+            <a:r>
+              <a:rPr lang="pt-BR" sz="2400" dirty="0" err="1"/>
+              <a:t>Docker</a:t>
+            </a:r>
+            <a:r>
+              <a:rPr lang="pt-BR" sz="2400" dirty="0"/>
+              <a:t> seguirá para criar um </a:t>
+            </a:r>
+            <a:r>
+              <a:rPr lang="pt-BR" sz="2400" b="1" i="1" dirty="0"/>
+              <a:t>container</a:t>
+            </a:r>
+            <a:r>
+              <a:rPr lang="pt-BR" sz="2400" dirty="0"/>
+              <a:t>, que irá conter as instruções da imagem.</a:t>
+            </a:r>
+          </a:p>
+        </p:txBody>
+      </p:sp>
+      <p:pic>
+        <p:nvPicPr>
+          <p:cNvPr id="2" name="Imagem 1"/>
+          <p:cNvPicPr>
+            <a:picLocks noChangeAspect="1"/>
+          </p:cNvPicPr>
+          <p:nvPr/>
+        </p:nvPicPr>
+        <p:blipFill>
+          <a:blip r:embed="rId3"/>
+          <a:stretch>
+            <a:fillRect/>
+          </a:stretch>
+        </p:blipFill>
+        <p:spPr>
+          <a:xfrm>
+            <a:off x="2691417" y="17011"/>
+            <a:ext cx="5749523" cy="2646716"/>
+          </a:xfrm>
+          <a:prstGeom prst="rect">
+            <a:avLst/>
+          </a:prstGeom>
+        </p:spPr>
+      </p:pic>
+      <p:pic>
+        <p:nvPicPr>
+          <p:cNvPr id="7" name="Imagem 6"/>
+          <p:cNvPicPr>
+            <a:picLocks noChangeAspect="1"/>
+          </p:cNvPicPr>
+          <p:nvPr/>
+        </p:nvPicPr>
+        <p:blipFill>
+          <a:blip r:embed="rId4"/>
+          <a:stretch>
+            <a:fillRect/>
+          </a:stretch>
+        </p:blipFill>
+        <p:spPr>
+          <a:xfrm>
+            <a:off x="2186777" y="4379743"/>
+            <a:ext cx="8057283" cy="2021058"/>
+          </a:xfrm>
+          <a:prstGeom prst="rect">
+            <a:avLst/>
+          </a:prstGeom>
+        </p:spPr>
+      </p:pic>
+    </p:spTree>
+    <p:extLst>
+      <p:ext uri="{BB962C8B-B14F-4D97-AF65-F5344CB8AC3E}">
+        <p14:creationId xmlns:p14="http://schemas.microsoft.com/office/powerpoint/2010/main" val="665658361"/>
+      </p:ext>
+    </p:extLst>
+  </p:cSld>
+  <p:clrMapOvr>
+    <a:masterClrMapping/>
+  </p:clrMapOvr>
+  <p:timing>
+    <p:tnLst>
+      <p:par>
+        <p:cTn id="1" dur="indefinite" restart="never" nodeType="tmRoot"/>
+      </p:par>
+    </p:tnLst>
+  </p:timing>
+</p:sld>
+</file>
+
+<file path=ppt/slides/slide13.xml><?xml version="1.0" encoding="utf-8"?>
 <p:sld xmlns:a="http://schemas.openxmlformats.org/drawingml/2006/main" xmlns:r="http://schemas.openxmlformats.org/officeDocument/2006/relationships" xmlns:p="http://schemas.openxmlformats.org/presentationml/2006/main">
   <p:cSld>
     <p:spTree>
@@ -7776,10 +8578,133 @@
   <p:clrMapOvr>
     <a:masterClrMapping/>
   </p:clrMapOvr>
+  <p:timing>
+    <p:tnLst>
+      <p:par>
+        <p:cTn id="1" dur="indefinite" restart="never" nodeType="tmRoot">
+          <p:childTnLst>
+            <p:seq concurrent="1" nextAc="seek">
+              <p:cTn id="2" dur="indefinite" nodeType="mainSeq">
+                <p:childTnLst>
+                  <p:par>
+                    <p:cTn id="3" fill="hold">
+                      <p:stCondLst>
+                        <p:cond delay="indefinite"/>
+                      </p:stCondLst>
+                      <p:childTnLst>
+                        <p:par>
+                          <p:cTn id="4" fill="hold">
+                            <p:stCondLst>
+                              <p:cond delay="0"/>
+                            </p:stCondLst>
+                            <p:childTnLst>
+                              <p:par>
+                                <p:cTn id="5" presetID="1" presetClass="entr" presetSubtype="0" fill="hold" grpId="0" nodeType="clickEffect">
+                                  <p:stCondLst>
+                                    <p:cond delay="0"/>
+                                  </p:stCondLst>
+                                  <p:childTnLst>
+                                    <p:set>
+                                      <p:cBhvr>
+                                        <p:cTn id="6" dur="1" fill="hold">
+                                          <p:stCondLst>
+                                            <p:cond delay="0"/>
+                                          </p:stCondLst>
+                                        </p:cTn>
+                                        <p:tgtEl>
+                                          <p:spTgt spid="3"/>
+                                        </p:tgtEl>
+                                        <p:attrNameLst>
+                                          <p:attrName>style.visibility</p:attrName>
+                                        </p:attrNameLst>
+                                      </p:cBhvr>
+                                      <p:to>
+                                        <p:strVal val="visible"/>
+                                      </p:to>
+                                    </p:set>
+                                  </p:childTnLst>
+                                </p:cTn>
+                              </p:par>
+                            </p:childTnLst>
+                          </p:cTn>
+                        </p:par>
+                      </p:childTnLst>
+                    </p:cTn>
+                  </p:par>
+                  <p:par>
+                    <p:cTn id="7" fill="hold">
+                      <p:stCondLst>
+                        <p:cond delay="indefinite"/>
+                      </p:stCondLst>
+                      <p:childTnLst>
+                        <p:par>
+                          <p:cTn id="8" fill="hold">
+                            <p:stCondLst>
+                              <p:cond delay="0"/>
+                            </p:stCondLst>
+                            <p:childTnLst>
+                              <p:par>
+                                <p:cTn id="9" presetID="1" presetClass="entr" presetSubtype="0" fill="hold" nodeType="clickEffect">
+                                  <p:stCondLst>
+                                    <p:cond delay="0"/>
+                                  </p:stCondLst>
+                                  <p:childTnLst>
+                                    <p:set>
+                                      <p:cBhvr>
+                                        <p:cTn id="10" dur="1" fill="hold">
+                                          <p:stCondLst>
+                                            <p:cond delay="0"/>
+                                          </p:stCondLst>
+                                        </p:cTn>
+                                        <p:tgtEl>
+                                          <p:spTgt spid="6"/>
+                                        </p:tgtEl>
+                                        <p:attrNameLst>
+                                          <p:attrName>style.visibility</p:attrName>
+                                        </p:attrNameLst>
+                                      </p:cBhvr>
+                                      <p:to>
+                                        <p:strVal val="visible"/>
+                                      </p:to>
+                                    </p:set>
+                                  </p:childTnLst>
+                                </p:cTn>
+                              </p:par>
+                            </p:childTnLst>
+                          </p:cTn>
+                        </p:par>
+                      </p:childTnLst>
+                    </p:cTn>
+                  </p:par>
+                </p:childTnLst>
+              </p:cTn>
+              <p:prevCondLst>
+                <p:cond evt="onPrev" delay="0">
+                  <p:tgtEl>
+                    <p:sldTgt/>
+                  </p:tgtEl>
+                </p:cond>
+              </p:prevCondLst>
+              <p:nextCondLst>
+                <p:cond evt="onNext" delay="0">
+                  <p:tgtEl>
+                    <p:sldTgt/>
+                  </p:tgtEl>
+                </p:cond>
+              </p:nextCondLst>
+            </p:seq>
+          </p:childTnLst>
+        </p:cTn>
+      </p:par>
+    </p:tnLst>
+    <p:bldLst>
+      <p:bldP spid="3" grpId="0"/>
+    </p:bldLst>
+  </p:timing>
 </p:sld>
 </file>
 
-<file path=ppt/slides/slide12.xml><?xml version="1.0" encoding="utf-8"?>
+<file path=ppt/slides/slide14.xml><?xml version="1.0" encoding="utf-8"?>
 <p:sld xmlns:a="http://schemas.openxmlformats.org/drawingml/2006/main" xmlns:r="http://schemas.openxmlformats.org/officeDocument/2006/relationships" xmlns:p="http://schemas.openxmlformats.org/presentationml/2006/main">
   <p:cSld>
     <p:spTree>
@@ -8380,524 +9305,17 @@
   <p:clrMapOvr>
     <a:masterClrMapping/>
   </p:clrMapOvr>
+  <p:timing>
+    <p:tnLst>
+      <p:par>
+        <p:cTn id="1" dur="indefinite" restart="never" nodeType="tmRoot"/>
+      </p:par>
+    </p:tnLst>
+  </p:timing>
 </p:sld>
 </file>
 
-<file path=ppt/slides/slide13.xml><?xml version="1.0" encoding="utf-8"?>
-<p:sld xmlns:a="http://schemas.openxmlformats.org/drawingml/2006/main" xmlns:r="http://schemas.openxmlformats.org/officeDocument/2006/relationships" xmlns:p="http://schemas.openxmlformats.org/presentationml/2006/main">
-  <p:cSld>
-    <p:spTree>
-      <p:nvGrpSpPr>
-        <p:cNvPr id="1" name=""/>
-        <p:cNvGrpSpPr/>
-        <p:nvPr/>
-      </p:nvGrpSpPr>
-      <p:grpSpPr>
-        <a:xfrm>
-          <a:off x="0" y="0"/>
-          <a:ext cx="0" cy="0"/>
-          <a:chOff x="0" y="0"/>
-          <a:chExt cx="0" cy="0"/>
-        </a:xfrm>
-      </p:grpSpPr>
-      <p:sp>
-        <p:nvSpPr>
-          <p:cNvPr id="5" name="Espaço Reservado para Conteúdo 5"/>
-          <p:cNvSpPr txBox="1">
-            <a:spLocks/>
-          </p:cNvSpPr>
-          <p:nvPr/>
-        </p:nvSpPr>
-        <p:spPr>
-          <a:xfrm>
-            <a:off x="504450" y="1084496"/>
-            <a:ext cx="11421938" cy="3317687"/>
-          </a:xfrm>
-          <a:prstGeom prst="rect">
-            <a:avLst/>
-          </a:prstGeom>
-        </p:spPr>
-        <p:txBody>
-          <a:bodyPr vert="horz" lIns="91440" tIns="45720" rIns="91440" bIns="45720" rtlCol="0">
-            <a:normAutofit/>
-          </a:bodyPr>
-          <a:lstStyle>
-            <a:lvl1pPr marL="228600" indent="-228600" algn="l" defTabSz="914400" rtl="0" eaLnBrk="1" latinLnBrk="0" hangingPunct="1">
-              <a:lnSpc>
-                <a:spcPct val="90000"/>
-              </a:lnSpc>
-              <a:spcBef>
-                <a:spcPts val="1000"/>
-              </a:spcBef>
-              <a:buFont typeface="Arial" panose="020B0604020202020204" pitchFamily="34" charset="0"/>
-              <a:buChar char="•"/>
-              <a:defRPr sz="2800" kern="1200">
-                <a:solidFill>
-                  <a:schemeClr val="tx1"/>
-                </a:solidFill>
-                <a:latin typeface="+mn-lt"/>
-                <a:ea typeface="+mn-ea"/>
-                <a:cs typeface="+mn-cs"/>
-              </a:defRPr>
-            </a:lvl1pPr>
-            <a:lvl2pPr marL="685800" indent="-228600" algn="l" defTabSz="914400" rtl="0" eaLnBrk="1" latinLnBrk="0" hangingPunct="1">
-              <a:lnSpc>
-                <a:spcPct val="90000"/>
-              </a:lnSpc>
-              <a:spcBef>
-                <a:spcPts val="500"/>
-              </a:spcBef>
-              <a:buFont typeface="Arial" panose="020B0604020202020204" pitchFamily="34" charset="0"/>
-              <a:buChar char="•"/>
-              <a:defRPr sz="2400" kern="1200">
-                <a:solidFill>
-                  <a:schemeClr val="tx1"/>
-                </a:solidFill>
-                <a:latin typeface="+mn-lt"/>
-                <a:ea typeface="+mn-ea"/>
-                <a:cs typeface="+mn-cs"/>
-              </a:defRPr>
-            </a:lvl2pPr>
-            <a:lvl3pPr marL="1143000" indent="-228600" algn="l" defTabSz="914400" rtl="0" eaLnBrk="1" latinLnBrk="0" hangingPunct="1">
-              <a:lnSpc>
-                <a:spcPct val="90000"/>
-              </a:lnSpc>
-              <a:spcBef>
-                <a:spcPts val="500"/>
-              </a:spcBef>
-              <a:buFont typeface="Arial" panose="020B0604020202020204" pitchFamily="34" charset="0"/>
-              <a:buChar char="•"/>
-              <a:defRPr sz="2000" kern="1200">
-                <a:solidFill>
-                  <a:schemeClr val="tx1"/>
-                </a:solidFill>
-                <a:latin typeface="+mn-lt"/>
-                <a:ea typeface="+mn-ea"/>
-                <a:cs typeface="+mn-cs"/>
-              </a:defRPr>
-            </a:lvl3pPr>
-            <a:lvl4pPr marL="1600200" indent="-228600" algn="l" defTabSz="914400" rtl="0" eaLnBrk="1" latinLnBrk="0" hangingPunct="1">
-              <a:lnSpc>
-                <a:spcPct val="90000"/>
-              </a:lnSpc>
-              <a:spcBef>
-                <a:spcPts val="500"/>
-              </a:spcBef>
-              <a:buFont typeface="Arial" panose="020B0604020202020204" pitchFamily="34" charset="0"/>
-              <a:buChar char="•"/>
-              <a:defRPr sz="1800" kern="1200">
-                <a:solidFill>
-                  <a:schemeClr val="tx1"/>
-                </a:solidFill>
-                <a:latin typeface="+mn-lt"/>
-                <a:ea typeface="+mn-ea"/>
-                <a:cs typeface="+mn-cs"/>
-              </a:defRPr>
-            </a:lvl4pPr>
-            <a:lvl5pPr marL="2057400" indent="-228600" algn="l" defTabSz="914400" rtl="0" eaLnBrk="1" latinLnBrk="0" hangingPunct="1">
-              <a:lnSpc>
-                <a:spcPct val="90000"/>
-              </a:lnSpc>
-              <a:spcBef>
-                <a:spcPts val="500"/>
-              </a:spcBef>
-              <a:buFont typeface="Arial" panose="020B0604020202020204" pitchFamily="34" charset="0"/>
-              <a:buChar char="•"/>
-              <a:defRPr sz="1800" kern="1200">
-                <a:solidFill>
-                  <a:schemeClr val="tx1"/>
-                </a:solidFill>
-                <a:latin typeface="+mn-lt"/>
-                <a:ea typeface="+mn-ea"/>
-                <a:cs typeface="+mn-cs"/>
-              </a:defRPr>
-            </a:lvl5pPr>
-            <a:lvl6pPr marL="2514600" indent="-228600" algn="l" defTabSz="914400" rtl="0" eaLnBrk="1" latinLnBrk="0" hangingPunct="1">
-              <a:lnSpc>
-                <a:spcPct val="90000"/>
-              </a:lnSpc>
-              <a:spcBef>
-                <a:spcPts val="500"/>
-              </a:spcBef>
-              <a:buFont typeface="Arial" panose="020B0604020202020204" pitchFamily="34" charset="0"/>
-              <a:buChar char="•"/>
-              <a:defRPr sz="1800" kern="1200">
-                <a:solidFill>
-                  <a:schemeClr val="tx1"/>
-                </a:solidFill>
-                <a:latin typeface="+mn-lt"/>
-                <a:ea typeface="+mn-ea"/>
-                <a:cs typeface="+mn-cs"/>
-              </a:defRPr>
-            </a:lvl6pPr>
-            <a:lvl7pPr marL="2971800" indent="-228600" algn="l" defTabSz="914400" rtl="0" eaLnBrk="1" latinLnBrk="0" hangingPunct="1">
-              <a:lnSpc>
-                <a:spcPct val="90000"/>
-              </a:lnSpc>
-              <a:spcBef>
-                <a:spcPts val="500"/>
-              </a:spcBef>
-              <a:buFont typeface="Arial" panose="020B0604020202020204" pitchFamily="34" charset="0"/>
-              <a:buChar char="•"/>
-              <a:defRPr sz="1800" kern="1200">
-                <a:solidFill>
-                  <a:schemeClr val="tx1"/>
-                </a:solidFill>
-                <a:latin typeface="+mn-lt"/>
-                <a:ea typeface="+mn-ea"/>
-                <a:cs typeface="+mn-cs"/>
-              </a:defRPr>
-            </a:lvl7pPr>
-            <a:lvl8pPr marL="3429000" indent="-228600" algn="l" defTabSz="914400" rtl="0" eaLnBrk="1" latinLnBrk="0" hangingPunct="1">
-              <a:lnSpc>
-                <a:spcPct val="90000"/>
-              </a:lnSpc>
-              <a:spcBef>
-                <a:spcPts val="500"/>
-              </a:spcBef>
-              <a:buFont typeface="Arial" panose="020B0604020202020204" pitchFamily="34" charset="0"/>
-              <a:buChar char="•"/>
-              <a:defRPr sz="1800" kern="1200">
-                <a:solidFill>
-                  <a:schemeClr val="tx1"/>
-                </a:solidFill>
-                <a:latin typeface="+mn-lt"/>
-                <a:ea typeface="+mn-ea"/>
-                <a:cs typeface="+mn-cs"/>
-              </a:defRPr>
-            </a:lvl8pPr>
-            <a:lvl9pPr marL="3886200" indent="-228600" algn="l" defTabSz="914400" rtl="0" eaLnBrk="1" latinLnBrk="0" hangingPunct="1">
-              <a:lnSpc>
-                <a:spcPct val="90000"/>
-              </a:lnSpc>
-              <a:spcBef>
-                <a:spcPts val="500"/>
-              </a:spcBef>
-              <a:buFont typeface="Arial" panose="020B0604020202020204" pitchFamily="34" charset="0"/>
-              <a:buChar char="•"/>
-              <a:defRPr sz="1800" kern="1200">
-                <a:solidFill>
-                  <a:schemeClr val="tx1"/>
-                </a:solidFill>
-                <a:latin typeface="+mn-lt"/>
-                <a:ea typeface="+mn-ea"/>
-                <a:cs typeface="+mn-cs"/>
-              </a:defRPr>
-            </a:lvl9pPr>
-          </a:lstStyle>
-          <a:p>
-            <a:pPr marL="0" indent="0">
-              <a:buNone/>
-            </a:pPr>
-            <a:endParaRPr lang="pt-BR" sz="2000" dirty="0"/>
-          </a:p>
-        </p:txBody>
-      </p:sp>
-      <p:sp>
-        <p:nvSpPr>
-          <p:cNvPr id="8" name="Espaço Reservado para Conteúdo 5"/>
-          <p:cNvSpPr txBox="1">
-            <a:spLocks/>
-          </p:cNvSpPr>
-          <p:nvPr/>
-        </p:nvSpPr>
-        <p:spPr>
-          <a:xfrm>
-            <a:off x="504450" y="4729033"/>
-            <a:ext cx="11134556" cy="1671768"/>
-          </a:xfrm>
-          <a:prstGeom prst="rect">
-            <a:avLst/>
-          </a:prstGeom>
-        </p:spPr>
-        <p:txBody>
-          <a:bodyPr vert="horz" lIns="91440" tIns="45720" rIns="91440" bIns="45720" rtlCol="0">
-            <a:normAutofit/>
-          </a:bodyPr>
-          <a:lstStyle>
-            <a:lvl1pPr marL="228600" indent="-228600" algn="l" defTabSz="914400" rtl="0" eaLnBrk="1" latinLnBrk="0" hangingPunct="1">
-              <a:lnSpc>
-                <a:spcPct val="90000"/>
-              </a:lnSpc>
-              <a:spcBef>
-                <a:spcPts val="1000"/>
-              </a:spcBef>
-              <a:buFont typeface="Arial" panose="020B0604020202020204" pitchFamily="34" charset="0"/>
-              <a:buChar char="•"/>
-              <a:defRPr sz="2800" kern="1200">
-                <a:solidFill>
-                  <a:schemeClr val="tx1"/>
-                </a:solidFill>
-                <a:latin typeface="+mn-lt"/>
-                <a:ea typeface="+mn-ea"/>
-                <a:cs typeface="+mn-cs"/>
-              </a:defRPr>
-            </a:lvl1pPr>
-            <a:lvl2pPr marL="685800" indent="-228600" algn="l" defTabSz="914400" rtl="0" eaLnBrk="1" latinLnBrk="0" hangingPunct="1">
-              <a:lnSpc>
-                <a:spcPct val="90000"/>
-              </a:lnSpc>
-              <a:spcBef>
-                <a:spcPts val="500"/>
-              </a:spcBef>
-              <a:buFont typeface="Arial" panose="020B0604020202020204" pitchFamily="34" charset="0"/>
-              <a:buChar char="•"/>
-              <a:defRPr sz="2400" kern="1200">
-                <a:solidFill>
-                  <a:schemeClr val="tx1"/>
-                </a:solidFill>
-                <a:latin typeface="+mn-lt"/>
-                <a:ea typeface="+mn-ea"/>
-                <a:cs typeface="+mn-cs"/>
-              </a:defRPr>
-            </a:lvl2pPr>
-            <a:lvl3pPr marL="1143000" indent="-228600" algn="l" defTabSz="914400" rtl="0" eaLnBrk="1" latinLnBrk="0" hangingPunct="1">
-              <a:lnSpc>
-                <a:spcPct val="90000"/>
-              </a:lnSpc>
-              <a:spcBef>
-                <a:spcPts val="500"/>
-              </a:spcBef>
-              <a:buFont typeface="Arial" panose="020B0604020202020204" pitchFamily="34" charset="0"/>
-              <a:buChar char="•"/>
-              <a:defRPr sz="2000" kern="1200">
-                <a:solidFill>
-                  <a:schemeClr val="tx1"/>
-                </a:solidFill>
-                <a:latin typeface="+mn-lt"/>
-                <a:ea typeface="+mn-ea"/>
-                <a:cs typeface="+mn-cs"/>
-              </a:defRPr>
-            </a:lvl3pPr>
-            <a:lvl4pPr marL="1600200" indent="-228600" algn="l" defTabSz="914400" rtl="0" eaLnBrk="1" latinLnBrk="0" hangingPunct="1">
-              <a:lnSpc>
-                <a:spcPct val="90000"/>
-              </a:lnSpc>
-              <a:spcBef>
-                <a:spcPts val="500"/>
-              </a:spcBef>
-              <a:buFont typeface="Arial" panose="020B0604020202020204" pitchFamily="34" charset="0"/>
-              <a:buChar char="•"/>
-              <a:defRPr sz="1800" kern="1200">
-                <a:solidFill>
-                  <a:schemeClr val="tx1"/>
-                </a:solidFill>
-                <a:latin typeface="+mn-lt"/>
-                <a:ea typeface="+mn-ea"/>
-                <a:cs typeface="+mn-cs"/>
-              </a:defRPr>
-            </a:lvl4pPr>
-            <a:lvl5pPr marL="2057400" indent="-228600" algn="l" defTabSz="914400" rtl="0" eaLnBrk="1" latinLnBrk="0" hangingPunct="1">
-              <a:lnSpc>
-                <a:spcPct val="90000"/>
-              </a:lnSpc>
-              <a:spcBef>
-                <a:spcPts val="500"/>
-              </a:spcBef>
-              <a:buFont typeface="Arial" panose="020B0604020202020204" pitchFamily="34" charset="0"/>
-              <a:buChar char="•"/>
-              <a:defRPr sz="1800" kern="1200">
-                <a:solidFill>
-                  <a:schemeClr val="tx1"/>
-                </a:solidFill>
-                <a:latin typeface="+mn-lt"/>
-                <a:ea typeface="+mn-ea"/>
-                <a:cs typeface="+mn-cs"/>
-              </a:defRPr>
-            </a:lvl5pPr>
-            <a:lvl6pPr marL="2514600" indent="-228600" algn="l" defTabSz="914400" rtl="0" eaLnBrk="1" latinLnBrk="0" hangingPunct="1">
-              <a:lnSpc>
-                <a:spcPct val="90000"/>
-              </a:lnSpc>
-              <a:spcBef>
-                <a:spcPts val="500"/>
-              </a:spcBef>
-              <a:buFont typeface="Arial" panose="020B0604020202020204" pitchFamily="34" charset="0"/>
-              <a:buChar char="•"/>
-              <a:defRPr sz="1800" kern="1200">
-                <a:solidFill>
-                  <a:schemeClr val="tx1"/>
-                </a:solidFill>
-                <a:latin typeface="+mn-lt"/>
-                <a:ea typeface="+mn-ea"/>
-                <a:cs typeface="+mn-cs"/>
-              </a:defRPr>
-            </a:lvl6pPr>
-            <a:lvl7pPr marL="2971800" indent="-228600" algn="l" defTabSz="914400" rtl="0" eaLnBrk="1" latinLnBrk="0" hangingPunct="1">
-              <a:lnSpc>
-                <a:spcPct val="90000"/>
-              </a:lnSpc>
-              <a:spcBef>
-                <a:spcPts val="500"/>
-              </a:spcBef>
-              <a:buFont typeface="Arial" panose="020B0604020202020204" pitchFamily="34" charset="0"/>
-              <a:buChar char="•"/>
-              <a:defRPr sz="1800" kern="1200">
-                <a:solidFill>
-                  <a:schemeClr val="tx1"/>
-                </a:solidFill>
-                <a:latin typeface="+mn-lt"/>
-                <a:ea typeface="+mn-ea"/>
-                <a:cs typeface="+mn-cs"/>
-              </a:defRPr>
-            </a:lvl7pPr>
-            <a:lvl8pPr marL="3429000" indent="-228600" algn="l" defTabSz="914400" rtl="0" eaLnBrk="1" latinLnBrk="0" hangingPunct="1">
-              <a:lnSpc>
-                <a:spcPct val="90000"/>
-              </a:lnSpc>
-              <a:spcBef>
-                <a:spcPts val="500"/>
-              </a:spcBef>
-              <a:buFont typeface="Arial" panose="020B0604020202020204" pitchFamily="34" charset="0"/>
-              <a:buChar char="•"/>
-              <a:defRPr sz="1800" kern="1200">
-                <a:solidFill>
-                  <a:schemeClr val="tx1"/>
-                </a:solidFill>
-                <a:latin typeface="+mn-lt"/>
-                <a:ea typeface="+mn-ea"/>
-                <a:cs typeface="+mn-cs"/>
-              </a:defRPr>
-            </a:lvl8pPr>
-            <a:lvl9pPr marL="3886200" indent="-228600" algn="l" defTabSz="914400" rtl="0" eaLnBrk="1" latinLnBrk="0" hangingPunct="1">
-              <a:lnSpc>
-                <a:spcPct val="90000"/>
-              </a:lnSpc>
-              <a:spcBef>
-                <a:spcPts val="500"/>
-              </a:spcBef>
-              <a:buFont typeface="Arial" panose="020B0604020202020204" pitchFamily="34" charset="0"/>
-              <a:buChar char="•"/>
-              <a:defRPr sz="1800" kern="1200">
-                <a:solidFill>
-                  <a:schemeClr val="tx1"/>
-                </a:solidFill>
-                <a:latin typeface="+mn-lt"/>
-                <a:ea typeface="+mn-ea"/>
-                <a:cs typeface="+mn-cs"/>
-              </a:defRPr>
-            </a:lvl9pPr>
-          </a:lstStyle>
-          <a:p>
-            <a:endParaRPr lang="pt-BR" sz="2000" dirty="0"/>
-          </a:p>
-        </p:txBody>
-      </p:sp>
-      <p:sp>
-        <p:nvSpPr>
-          <p:cNvPr id="3" name="CaixaDeTexto 2"/>
-          <p:cNvSpPr txBox="1"/>
-          <p:nvPr/>
-        </p:nvSpPr>
-        <p:spPr>
-          <a:xfrm>
-            <a:off x="1006854" y="3105554"/>
-            <a:ext cx="9593988" cy="1200329"/>
-          </a:xfrm>
-          <a:prstGeom prst="rect">
-            <a:avLst/>
-          </a:prstGeom>
-          <a:noFill/>
-        </p:spPr>
-        <p:txBody>
-          <a:bodyPr wrap="square" rtlCol="0">
-            <a:spAutoFit/>
-          </a:bodyPr>
-          <a:lstStyle/>
-          <a:p>
-            <a:r>
-              <a:rPr lang="pt-BR" sz="2400" dirty="0"/>
-              <a:t>A </a:t>
-            </a:r>
-            <a:r>
-              <a:rPr lang="pt-BR" sz="2400" b="1" dirty="0"/>
-              <a:t>imagem</a:t>
-            </a:r>
-            <a:r>
-              <a:rPr lang="pt-BR" sz="2400" dirty="0"/>
-              <a:t> é como se fosse uma receita de bolo, uma série de instruções que o </a:t>
-            </a:r>
-            <a:r>
-              <a:rPr lang="pt-BR" sz="2400" dirty="0" err="1"/>
-              <a:t>Docker</a:t>
-            </a:r>
-            <a:r>
-              <a:rPr lang="pt-BR" sz="2400" dirty="0"/>
-              <a:t> seguirá para criar um </a:t>
-            </a:r>
-            <a:r>
-              <a:rPr lang="pt-BR" sz="2400" b="1" i="1" dirty="0"/>
-              <a:t>container</a:t>
-            </a:r>
-            <a:r>
-              <a:rPr lang="pt-BR" sz="2400" dirty="0"/>
-              <a:t>, que irá conter as instruções da imagem.</a:t>
-            </a:r>
-          </a:p>
-        </p:txBody>
-      </p:sp>
-      <p:pic>
-        <p:nvPicPr>
-          <p:cNvPr id="2" name="Imagem 1"/>
-          <p:cNvPicPr>
-            <a:picLocks noChangeAspect="1"/>
-          </p:cNvPicPr>
-          <p:nvPr/>
-        </p:nvPicPr>
-        <p:blipFill>
-          <a:blip r:embed="rId3"/>
-          <a:stretch>
-            <a:fillRect/>
-          </a:stretch>
-        </p:blipFill>
-        <p:spPr>
-          <a:xfrm>
-            <a:off x="2691417" y="17011"/>
-            <a:ext cx="5749523" cy="2646716"/>
-          </a:xfrm>
-          <a:prstGeom prst="rect">
-            <a:avLst/>
-          </a:prstGeom>
-        </p:spPr>
-      </p:pic>
-      <p:pic>
-        <p:nvPicPr>
-          <p:cNvPr id="7" name="Imagem 6"/>
-          <p:cNvPicPr>
-            <a:picLocks noChangeAspect="1"/>
-          </p:cNvPicPr>
-          <p:nvPr/>
-        </p:nvPicPr>
-        <p:blipFill>
-          <a:blip r:embed="rId4"/>
-          <a:stretch>
-            <a:fillRect/>
-          </a:stretch>
-        </p:blipFill>
-        <p:spPr>
-          <a:xfrm>
-            <a:off x="2691417" y="5083062"/>
-            <a:ext cx="6585318" cy="1651836"/>
-          </a:xfrm>
-          <a:prstGeom prst="rect">
-            <a:avLst/>
-          </a:prstGeom>
-        </p:spPr>
-      </p:pic>
-    </p:spTree>
-    <p:extLst>
-      <p:ext uri="{BB962C8B-B14F-4D97-AF65-F5344CB8AC3E}">
-        <p14:creationId xmlns:p14="http://schemas.microsoft.com/office/powerpoint/2010/main" val="665658361"/>
-      </p:ext>
-    </p:extLst>
-  </p:cSld>
-  <p:clrMapOvr>
-    <a:masterClrMapping/>
-  </p:clrMapOvr>
-</p:sld>
-</file>
-
-<file path=ppt/slides/slide14.xml><?xml version="1.0" encoding="utf-8"?>
+<file path=ppt/slides/slide15.xml><?xml version="1.0" encoding="utf-8"?>
 <p:sld xmlns:a="http://schemas.openxmlformats.org/drawingml/2006/main" xmlns:r="http://schemas.openxmlformats.org/officeDocument/2006/relationships" xmlns:p="http://schemas.openxmlformats.org/presentationml/2006/main">
   <p:cSld>
     <p:spTree>
@@ -9418,10 +9836,17 @@
   <p:clrMapOvr>
     <a:masterClrMapping/>
   </p:clrMapOvr>
+  <p:timing>
+    <p:tnLst>
+      <p:par>
+        <p:cTn id="1" dur="indefinite" restart="never" nodeType="tmRoot"/>
+      </p:par>
+    </p:tnLst>
+  </p:timing>
 </p:sld>
 </file>
 
-<file path=ppt/slides/slide15.xml><?xml version="1.0" encoding="utf-8"?>
+<file path=ppt/slides/slide16.xml><?xml version="1.0" encoding="utf-8"?>
 <p:sld xmlns:a="http://schemas.openxmlformats.org/drawingml/2006/main" xmlns:r="http://schemas.openxmlformats.org/officeDocument/2006/relationships" xmlns:p="http://schemas.openxmlformats.org/presentationml/2006/main">
   <p:cSld>
     <p:spTree>
@@ -9889,10 +10314,17 @@
   <p:clrMapOvr>
     <a:masterClrMapping/>
   </p:clrMapOvr>
+  <p:timing>
+    <p:tnLst>
+      <p:par>
+        <p:cTn id="1" dur="indefinite" restart="never" nodeType="tmRoot"/>
+      </p:par>
+    </p:tnLst>
+  </p:timing>
 </p:sld>
 </file>
 
-<file path=ppt/slides/slide16.xml><?xml version="1.0" encoding="utf-8"?>
+<file path=ppt/slides/slide17.xml><?xml version="1.0" encoding="utf-8"?>
 <p:sld xmlns:a="http://schemas.openxmlformats.org/drawingml/2006/main" xmlns:r="http://schemas.openxmlformats.org/officeDocument/2006/relationships" xmlns:p="http://schemas.openxmlformats.org/presentationml/2006/main">
   <p:cSld>
     <p:spTree>
@@ -10091,10 +10523,17 @@
   <p:clrMapOvr>
     <a:masterClrMapping/>
   </p:clrMapOvr>
+  <p:timing>
+    <p:tnLst>
+      <p:par>
+        <p:cTn id="1" dur="indefinite" restart="never" nodeType="tmRoot"/>
+      </p:par>
+    </p:tnLst>
+  </p:timing>
 </p:sld>
 </file>
 
-<file path=ppt/slides/slide17.xml><?xml version="1.0" encoding="utf-8"?>
+<file path=ppt/slides/slide18.xml><?xml version="1.0" encoding="utf-8"?>
 <p:sld xmlns:a="http://schemas.openxmlformats.org/drawingml/2006/main" xmlns:r="http://schemas.openxmlformats.org/officeDocument/2006/relationships" xmlns:p="http://schemas.openxmlformats.org/presentationml/2006/main">
   <p:cSld>
     <p:spTree>
@@ -10570,7 +11009,15 @@
             </a:r>
             <a:r>
               <a:rPr lang="pt-BR" sz="2000" dirty="0"/>
-              <a:t>: Se vocês está utilizando o </a:t>
+              <a:t>: Se </a:t>
+            </a:r>
+            <a:r>
+              <a:rPr lang="pt-BR" sz="2000" dirty="0" smtClean="0"/>
+              <a:t>você </a:t>
+            </a:r>
+            <a:r>
+              <a:rPr lang="pt-BR" sz="2000" dirty="0"/>
+              <a:t>está utilizando o </a:t>
             </a:r>
             <a:r>
               <a:rPr lang="pt-BR" sz="2000" dirty="0" err="1"/>
@@ -10753,10 +11200,17 @@
   <p:clrMapOvr>
     <a:masterClrMapping/>
   </p:clrMapOvr>
+  <p:timing>
+    <p:tnLst>
+      <p:par>
+        <p:cTn id="1" dur="indefinite" restart="never" nodeType="tmRoot"/>
+      </p:par>
+    </p:tnLst>
+  </p:timing>
 </p:sld>
 </file>
 
-<file path=ppt/slides/slide18.xml><?xml version="1.0" encoding="utf-8"?>
+<file path=ppt/slides/slide19.xml><?xml version="1.0" encoding="utf-8"?>
 <p:sld xmlns:a="http://schemas.openxmlformats.org/drawingml/2006/main" xmlns:r="http://schemas.openxmlformats.org/officeDocument/2006/relationships" xmlns:p="http://schemas.openxmlformats.org/presentationml/2006/main">
   <p:cSld>
     <p:spTree>
@@ -11205,442 +11659,13 @@
   <p:clrMapOvr>
     <a:masterClrMapping/>
   </p:clrMapOvr>
-</p:sld>
-</file>
-
-<file path=ppt/slides/slide19.xml><?xml version="1.0" encoding="utf-8"?>
-<p:sld xmlns:a="http://schemas.openxmlformats.org/drawingml/2006/main" xmlns:r="http://schemas.openxmlformats.org/officeDocument/2006/relationships" xmlns:p="http://schemas.openxmlformats.org/presentationml/2006/main">
-  <p:cSld>
-    <p:spTree>
-      <p:nvGrpSpPr>
-        <p:cNvPr id="1" name=""/>
-        <p:cNvGrpSpPr/>
-        <p:nvPr/>
-      </p:nvGrpSpPr>
-      <p:grpSpPr>
-        <a:xfrm>
-          <a:off x="0" y="0"/>
-          <a:ext cx="0" cy="0"/>
-          <a:chOff x="0" y="0"/>
-          <a:chExt cx="0" cy="0"/>
-        </a:xfrm>
-      </p:grpSpPr>
-      <p:sp>
-        <p:nvSpPr>
-          <p:cNvPr id="2" name="Título 1"/>
-          <p:cNvSpPr>
-            <a:spLocks noGrp="1"/>
-          </p:cNvSpPr>
-          <p:nvPr>
-            <p:ph type="title"/>
-          </p:nvPr>
-        </p:nvSpPr>
-        <p:spPr>
-          <a:xfrm>
-            <a:off x="826168" y="89733"/>
-            <a:ext cx="10515600" cy="422275"/>
-          </a:xfrm>
-        </p:spPr>
-        <p:txBody>
-          <a:bodyPr vert="horz" lIns="91440" tIns="45720" rIns="91440" bIns="45720" rtlCol="0" anchor="ctr">
-            <a:normAutofit fontScale="90000"/>
-          </a:bodyPr>
-          <a:lstStyle/>
-          <a:p>
-            <a:pPr algn="ctr"/>
-            <a:r>
-              <a:rPr lang="pt-BR" sz="2800" b="1" dirty="0"/>
-              <a:t>Revisão Comandos do </a:t>
-            </a:r>
-            <a:r>
-              <a:rPr lang="pt-BR" sz="2800" b="1" dirty="0" err="1"/>
-              <a:t>Docker</a:t>
-            </a:r>
-            <a:endParaRPr lang="pt-BR" sz="2800" b="1" dirty="0"/>
-          </a:p>
-        </p:txBody>
-      </p:sp>
-      <p:sp>
-        <p:nvSpPr>
-          <p:cNvPr id="3" name="Espaço Reservado para Conteúdo 2"/>
-          <p:cNvSpPr>
-            <a:spLocks noGrp="1"/>
-          </p:cNvSpPr>
-          <p:nvPr>
-            <p:ph idx="1"/>
-          </p:nvPr>
-        </p:nvSpPr>
-        <p:spPr>
-          <a:xfrm>
-            <a:off x="166437" y="584200"/>
-            <a:ext cx="11492164" cy="6273800"/>
-          </a:xfrm>
-        </p:spPr>
-        <p:txBody>
-          <a:bodyPr>
-            <a:noAutofit/>
-          </a:bodyPr>
-          <a:lstStyle/>
-          <a:p>
-            <a:pPr lvl="1" algn="just">
-              <a:lnSpc>
-                <a:spcPct val="150000"/>
-              </a:lnSpc>
-            </a:pPr>
-            <a:r>
-              <a:rPr lang="pt-BR" sz="1600" b="1" dirty="0" err="1"/>
-              <a:t>docker</a:t>
-            </a:r>
-            <a:r>
-              <a:rPr lang="pt-BR" sz="1600" b="1" dirty="0"/>
-              <a:t> </a:t>
-            </a:r>
-            <a:r>
-              <a:rPr lang="pt-BR" sz="1600" b="1" dirty="0" err="1"/>
-              <a:t>ps</a:t>
-            </a:r>
-            <a:r>
-              <a:rPr lang="pt-BR" sz="1600" dirty="0"/>
-              <a:t> - exibe todos os containers em execução no momento.</a:t>
-            </a:r>
-          </a:p>
-          <a:p>
-            <a:pPr lvl="1" algn="just">
-              <a:lnSpc>
-                <a:spcPct val="150000"/>
-              </a:lnSpc>
-            </a:pPr>
-            <a:r>
-              <a:rPr lang="pt-BR" sz="1600" b="1" dirty="0" err="1"/>
-              <a:t>docker</a:t>
-            </a:r>
-            <a:r>
-              <a:rPr lang="pt-BR" sz="1600" b="1" dirty="0"/>
-              <a:t> </a:t>
-            </a:r>
-            <a:r>
-              <a:rPr lang="pt-BR" sz="1600" b="1" dirty="0" err="1"/>
-              <a:t>ps</a:t>
-            </a:r>
-            <a:r>
-              <a:rPr lang="pt-BR" sz="1600" b="1" dirty="0"/>
-              <a:t> -a</a:t>
-            </a:r>
-            <a:r>
-              <a:rPr lang="pt-BR" sz="1600" dirty="0"/>
-              <a:t> - exibe todos os containers, independentemente de estarem em execução ou não.</a:t>
-            </a:r>
-          </a:p>
-          <a:p>
-            <a:pPr lvl="1" algn="just">
-              <a:lnSpc>
-                <a:spcPct val="150000"/>
-              </a:lnSpc>
-            </a:pPr>
-            <a:r>
-              <a:rPr lang="pt-BR" sz="1600" b="1" dirty="0" err="1"/>
-              <a:t>docker</a:t>
-            </a:r>
-            <a:r>
-              <a:rPr lang="pt-BR" sz="1600" b="1" dirty="0"/>
-              <a:t> </a:t>
-            </a:r>
-            <a:r>
-              <a:rPr lang="pt-BR" sz="1600" b="1" dirty="0" err="1"/>
-              <a:t>run</a:t>
-            </a:r>
-            <a:r>
-              <a:rPr lang="pt-BR" sz="1600" b="1" dirty="0"/>
-              <a:t> -it NOME_DA_IMAGEM</a:t>
-            </a:r>
-            <a:r>
-              <a:rPr lang="pt-BR" sz="1600" dirty="0"/>
-              <a:t> - conecta o terminal que estamos utilizando com o do container.</a:t>
-            </a:r>
-          </a:p>
-          <a:p>
-            <a:pPr lvl="1" algn="just">
-              <a:lnSpc>
-                <a:spcPct val="150000"/>
-              </a:lnSpc>
-            </a:pPr>
-            <a:r>
-              <a:rPr lang="pt-BR" sz="1600" b="1" dirty="0" err="1"/>
-              <a:t>docker</a:t>
-            </a:r>
-            <a:r>
-              <a:rPr lang="pt-BR" sz="1600" b="1" dirty="0"/>
-              <a:t> start ID_CONTAINER</a:t>
-            </a:r>
-            <a:r>
-              <a:rPr lang="pt-BR" sz="1600" dirty="0"/>
-              <a:t> - inicia o container com id em questão.</a:t>
-            </a:r>
-          </a:p>
-          <a:p>
-            <a:pPr lvl="1" algn="just">
-              <a:lnSpc>
-                <a:spcPct val="150000"/>
-              </a:lnSpc>
-            </a:pPr>
-            <a:r>
-              <a:rPr lang="pt-BR" sz="1600" b="1" dirty="0" err="1"/>
-              <a:t>docker</a:t>
-            </a:r>
-            <a:r>
-              <a:rPr lang="pt-BR" sz="1600" b="1" dirty="0"/>
-              <a:t> stop ID_CONTAINER</a:t>
-            </a:r>
-            <a:r>
-              <a:rPr lang="pt-BR" sz="1600" dirty="0"/>
-              <a:t> - interrompe o container com id em questão.</a:t>
-            </a:r>
-          </a:p>
-          <a:p>
-            <a:pPr lvl="1" algn="just">
-              <a:lnSpc>
-                <a:spcPct val="150000"/>
-              </a:lnSpc>
-            </a:pPr>
-            <a:r>
-              <a:rPr lang="pt-BR" sz="1600" b="1" dirty="0" err="1"/>
-              <a:t>docker</a:t>
-            </a:r>
-            <a:r>
-              <a:rPr lang="pt-BR" sz="1600" b="1" dirty="0"/>
-              <a:t> start -a -i ID_CONTAINER</a:t>
-            </a:r>
-            <a:r>
-              <a:rPr lang="pt-BR" sz="1600" dirty="0"/>
-              <a:t> - inicia o container com id em questão e integra os terminais, além de permitir interação entre ambos.</a:t>
-            </a:r>
-          </a:p>
-          <a:p>
-            <a:pPr lvl="1" algn="just">
-              <a:lnSpc>
-                <a:spcPct val="150000"/>
-              </a:lnSpc>
-            </a:pPr>
-            <a:r>
-              <a:rPr lang="pt-BR" sz="1600" b="1" dirty="0" err="1"/>
-              <a:t>docker</a:t>
-            </a:r>
-            <a:r>
-              <a:rPr lang="pt-BR" sz="1600" b="1" dirty="0"/>
-              <a:t> </a:t>
-            </a:r>
-            <a:r>
-              <a:rPr lang="pt-BR" sz="1600" b="1" dirty="0" err="1"/>
-              <a:t>rm</a:t>
-            </a:r>
-            <a:r>
-              <a:rPr lang="pt-BR" sz="1600" b="1" dirty="0"/>
-              <a:t> ID_CONTAINER</a:t>
-            </a:r>
-            <a:r>
-              <a:rPr lang="pt-BR" sz="1600" dirty="0"/>
-              <a:t> - remove o container com id em questão.</a:t>
-            </a:r>
-          </a:p>
-          <a:p>
-            <a:pPr lvl="1" algn="just">
-              <a:lnSpc>
-                <a:spcPct val="150000"/>
-              </a:lnSpc>
-            </a:pPr>
-            <a:r>
-              <a:rPr lang="pt-BR" sz="1600" b="1" dirty="0" err="1"/>
-              <a:t>docker</a:t>
-            </a:r>
-            <a:r>
-              <a:rPr lang="pt-BR" sz="1600" b="1" dirty="0"/>
-              <a:t> </a:t>
-            </a:r>
-            <a:r>
-              <a:rPr lang="pt-BR" sz="1600" b="1" dirty="0" err="1"/>
-              <a:t>prune</a:t>
-            </a:r>
-            <a:r>
-              <a:rPr lang="pt-BR" sz="1600" dirty="0"/>
-              <a:t> - remove todos os containers que estão parados.</a:t>
-            </a:r>
-          </a:p>
-          <a:p>
-            <a:pPr lvl="1" algn="just">
-              <a:lnSpc>
-                <a:spcPct val="150000"/>
-              </a:lnSpc>
-            </a:pPr>
-            <a:r>
-              <a:rPr lang="pt-BR" sz="1600" b="1" dirty="0" err="1"/>
-              <a:t>docker</a:t>
-            </a:r>
-            <a:r>
-              <a:rPr lang="pt-BR" sz="1600" b="1" dirty="0"/>
-              <a:t> </a:t>
-            </a:r>
-            <a:r>
-              <a:rPr lang="pt-BR" sz="1600" b="1" dirty="0" err="1"/>
-              <a:t>rmi</a:t>
-            </a:r>
-            <a:r>
-              <a:rPr lang="pt-BR" sz="1600" b="1" dirty="0"/>
-              <a:t> NOME_DA_IMAGEM</a:t>
-            </a:r>
-            <a:r>
-              <a:rPr lang="pt-BR" sz="1600" dirty="0"/>
-              <a:t> - remove a imagem passada como parâmetro.</a:t>
-            </a:r>
-          </a:p>
-          <a:p>
-            <a:pPr lvl="1" algn="just">
-              <a:lnSpc>
-                <a:spcPct val="150000"/>
-              </a:lnSpc>
-            </a:pPr>
-            <a:r>
-              <a:rPr lang="pt-BR" sz="1600" b="1" dirty="0" err="1"/>
-              <a:t>docker</a:t>
-            </a:r>
-            <a:r>
-              <a:rPr lang="pt-BR" sz="1600" b="1" dirty="0"/>
-              <a:t> </a:t>
-            </a:r>
-            <a:r>
-              <a:rPr lang="pt-BR" sz="1600" b="1" dirty="0" err="1"/>
-              <a:t>run</a:t>
-            </a:r>
-            <a:r>
-              <a:rPr lang="pt-BR" sz="1600" b="1" dirty="0"/>
-              <a:t> -d -P --</a:t>
-            </a:r>
-            <a:r>
-              <a:rPr lang="pt-BR" sz="1600" b="1" dirty="0" err="1"/>
-              <a:t>name</a:t>
-            </a:r>
-            <a:r>
-              <a:rPr lang="pt-BR" sz="1600" b="1" dirty="0"/>
-              <a:t> NOME </a:t>
-            </a:r>
-            <a:r>
-              <a:rPr lang="pt-BR" sz="1600" b="1" dirty="0" err="1"/>
-              <a:t>dockersamples</a:t>
-            </a:r>
-            <a:r>
-              <a:rPr lang="pt-BR" sz="1600" b="1" dirty="0"/>
-              <a:t>/</a:t>
-            </a:r>
-            <a:r>
-              <a:rPr lang="pt-BR" sz="1600" b="1" dirty="0" err="1"/>
-              <a:t>static</a:t>
-            </a:r>
-            <a:r>
-              <a:rPr lang="pt-BR" sz="1600" b="1" dirty="0"/>
-              <a:t>-site</a:t>
-            </a:r>
-            <a:r>
-              <a:rPr lang="pt-BR" sz="1600" dirty="0"/>
-              <a:t> - ao executar, dá um nome ao container.</a:t>
-            </a:r>
-          </a:p>
-          <a:p>
-            <a:pPr lvl="1" algn="just">
-              <a:lnSpc>
-                <a:spcPct val="150000"/>
-              </a:lnSpc>
-            </a:pPr>
-            <a:r>
-              <a:rPr lang="pt-BR" sz="1600" b="1" dirty="0" err="1"/>
-              <a:t>docker</a:t>
-            </a:r>
-            <a:r>
-              <a:rPr lang="pt-BR" sz="1600" b="1" dirty="0"/>
-              <a:t> </a:t>
-            </a:r>
-            <a:r>
-              <a:rPr lang="pt-BR" sz="1600" b="1" dirty="0" err="1"/>
-              <a:t>run</a:t>
-            </a:r>
-            <a:r>
-              <a:rPr lang="pt-BR" sz="1600" b="1" dirty="0"/>
-              <a:t> -d -p 12345:80 </a:t>
-            </a:r>
-            <a:r>
-              <a:rPr lang="pt-BR" sz="1600" b="1" dirty="0" err="1"/>
-              <a:t>dockersamples</a:t>
-            </a:r>
-            <a:r>
-              <a:rPr lang="pt-BR" sz="1600" b="1" dirty="0"/>
-              <a:t>/</a:t>
-            </a:r>
-            <a:r>
-              <a:rPr lang="pt-BR" sz="1600" b="1" dirty="0" err="1"/>
-              <a:t>static</a:t>
-            </a:r>
-            <a:r>
-              <a:rPr lang="pt-BR" sz="1600" b="1" dirty="0"/>
-              <a:t>-site</a:t>
-            </a:r>
-            <a:r>
-              <a:rPr lang="pt-BR" sz="1600" dirty="0"/>
-              <a:t> - define uma porta específica para ser atribuída à porta 80 do container, neste caso 12345.</a:t>
-            </a:r>
-          </a:p>
-          <a:p>
-            <a:pPr lvl="1" algn="just">
-              <a:lnSpc>
-                <a:spcPct val="150000"/>
-              </a:lnSpc>
-            </a:pPr>
-            <a:r>
-              <a:rPr lang="pt-BR" sz="1600" b="1" dirty="0" err="1"/>
-              <a:t>docker</a:t>
-            </a:r>
-            <a:r>
-              <a:rPr lang="pt-BR" sz="1600" b="1" dirty="0"/>
-              <a:t> </a:t>
-            </a:r>
-            <a:r>
-              <a:rPr lang="pt-BR" sz="1600" b="1" dirty="0" err="1"/>
-              <a:t>run</a:t>
-            </a:r>
-            <a:r>
-              <a:rPr lang="pt-BR" sz="1600" b="1" dirty="0"/>
-              <a:t> -d -e AUTHOR="Fulano" </a:t>
-            </a:r>
-            <a:r>
-              <a:rPr lang="pt-BR" sz="1600" b="1" dirty="0" err="1"/>
-              <a:t>dockersamples</a:t>
-            </a:r>
-            <a:r>
-              <a:rPr lang="pt-BR" sz="1600" b="1" dirty="0"/>
-              <a:t>/</a:t>
-            </a:r>
-            <a:r>
-              <a:rPr lang="pt-BR" sz="1600" b="1" dirty="0" err="1"/>
-              <a:t>static</a:t>
-            </a:r>
-            <a:r>
-              <a:rPr lang="pt-BR" sz="1600" b="1" dirty="0"/>
-              <a:t>-site</a:t>
-            </a:r>
-            <a:r>
-              <a:rPr lang="pt-BR" sz="1600" dirty="0"/>
-              <a:t> - define uma variável de ambiente AUTHOR com o valor Fulano no container criado.</a:t>
-            </a:r>
-          </a:p>
-        </p:txBody>
-      </p:sp>
-    </p:spTree>
-    <p:extLst>
-      <p:ext uri="{BB962C8B-B14F-4D97-AF65-F5344CB8AC3E}">
-        <p14:creationId xmlns:p14="http://schemas.microsoft.com/office/powerpoint/2010/main" val="2636815561"/>
-      </p:ext>
-    </p:extLst>
-  </p:cSld>
-  <p:clrMapOvr>
-    <a:masterClrMapping/>
-  </p:clrMapOvr>
+  <p:timing>
+    <p:tnLst>
+      <p:par>
+        <p:cTn id="1" dur="indefinite" restart="never" nodeType="tmRoot"/>
+      </p:par>
+    </p:tnLst>
+  </p:timing>
 </p:sld>
 </file>
 
@@ -11703,20 +11728,87 @@
         </p:nvSpPr>
         <p:spPr>
           <a:xfrm>
-            <a:off x="476148" y="797510"/>
-            <a:ext cx="10519064" cy="706826"/>
+            <a:off x="476148" y="797509"/>
+            <a:ext cx="10519064" cy="4712039"/>
           </a:xfrm>
         </p:spPr>
         <p:txBody>
           <a:bodyPr>
-            <a:normAutofit/>
+            <a:noAutofit/>
           </a:bodyPr>
           <a:lstStyle/>
           <a:p>
             <a:r>
-              <a:rPr lang="pt-BR" sz="1600" dirty="0"/>
+              <a:rPr lang="pt-BR" sz="2400" dirty="0" smtClean="0"/>
               <a:t>Contexto</a:t>
             </a:r>
+          </a:p>
+          <a:p>
+            <a:r>
+              <a:rPr lang="pt-BR" sz="2400" dirty="0" smtClean="0"/>
+              <a:t>O que é o </a:t>
+            </a:r>
+            <a:r>
+              <a:rPr lang="pt-BR" sz="2400" dirty="0" err="1" smtClean="0"/>
+              <a:t>Docker</a:t>
+            </a:r>
+            <a:r>
+              <a:rPr lang="pt-BR" sz="2400" dirty="0" smtClean="0"/>
+              <a:t> ? </a:t>
+            </a:r>
+          </a:p>
+          <a:p>
+            <a:r>
+              <a:rPr lang="pt-BR" sz="2400" dirty="0" smtClean="0"/>
+              <a:t>Tecnologias</a:t>
+            </a:r>
+          </a:p>
+          <a:p>
+            <a:r>
+              <a:rPr lang="pt-BR" sz="2400" dirty="0" smtClean="0"/>
+              <a:t>Comandos</a:t>
+            </a:r>
+          </a:p>
+          <a:p>
+            <a:r>
+              <a:rPr lang="pt-BR" sz="2400" dirty="0" smtClean="0"/>
+              <a:t>Imagens e Containers</a:t>
+            </a:r>
+          </a:p>
+          <a:p>
+            <a:r>
+              <a:rPr lang="pt-BR" sz="2400" dirty="0" smtClean="0"/>
+              <a:t>Volumes</a:t>
+            </a:r>
+          </a:p>
+          <a:p>
+            <a:r>
+              <a:rPr lang="pt-BR" sz="2400" dirty="0" smtClean="0"/>
+              <a:t>Construa suas próprias imagens</a:t>
+            </a:r>
+          </a:p>
+          <a:p>
+            <a:r>
+              <a:rPr lang="pt-BR" sz="2400" dirty="0" smtClean="0"/>
+              <a:t>Redes com </a:t>
+            </a:r>
+            <a:r>
+              <a:rPr lang="pt-BR" sz="2400" dirty="0" err="1" smtClean="0"/>
+              <a:t>Docker</a:t>
+            </a:r>
+            <a:endParaRPr lang="pt-BR" sz="2400" dirty="0" smtClean="0"/>
+          </a:p>
+          <a:p>
+            <a:endParaRPr lang="pt-BR" sz="2400" dirty="0" smtClean="0"/>
+          </a:p>
+          <a:p>
+            <a:endParaRPr lang="pt-BR" sz="2400" dirty="0" smtClean="0"/>
+          </a:p>
+          <a:p>
+            <a:endParaRPr lang="pt-BR" sz="2400" dirty="0" smtClean="0"/>
+          </a:p>
+          <a:p>
+            <a:endParaRPr lang="pt-BR" sz="2400" dirty="0"/>
           </a:p>
         </p:txBody>
       </p:sp>
@@ -11730,10 +11822,460 @@
   <p:clrMapOvr>
     <a:masterClrMapping/>
   </p:clrMapOvr>
+  <p:timing>
+    <p:tnLst>
+      <p:par>
+        <p:cTn id="1" dur="indefinite" restart="never" nodeType="tmRoot"/>
+      </p:par>
+    </p:tnLst>
+  </p:timing>
 </p:sld>
 </file>
 
 <file path=ppt/slides/slide20.xml><?xml version="1.0" encoding="utf-8"?>
+<p:sld xmlns:a="http://schemas.openxmlformats.org/drawingml/2006/main" xmlns:r="http://schemas.openxmlformats.org/officeDocument/2006/relationships" xmlns:p="http://schemas.openxmlformats.org/presentationml/2006/main">
+  <p:cSld>
+    <p:spTree>
+      <p:nvGrpSpPr>
+        <p:cNvPr id="1" name=""/>
+        <p:cNvGrpSpPr/>
+        <p:nvPr/>
+      </p:nvGrpSpPr>
+      <p:grpSpPr>
+        <a:xfrm>
+          <a:off x="0" y="0"/>
+          <a:ext cx="0" cy="0"/>
+          <a:chOff x="0" y="0"/>
+          <a:chExt cx="0" cy="0"/>
+        </a:xfrm>
+      </p:grpSpPr>
+      <p:sp>
+        <p:nvSpPr>
+          <p:cNvPr id="2" name="Título 1"/>
+          <p:cNvSpPr>
+            <a:spLocks noGrp="1"/>
+          </p:cNvSpPr>
+          <p:nvPr>
+            <p:ph type="title"/>
+          </p:nvPr>
+        </p:nvSpPr>
+        <p:spPr>
+          <a:xfrm>
+            <a:off x="826168" y="89733"/>
+            <a:ext cx="10515600" cy="422275"/>
+          </a:xfrm>
+        </p:spPr>
+        <p:txBody>
+          <a:bodyPr vert="horz" lIns="91440" tIns="45720" rIns="91440" bIns="45720" rtlCol="0" anchor="ctr">
+            <a:normAutofit fontScale="90000"/>
+          </a:bodyPr>
+          <a:lstStyle/>
+          <a:p>
+            <a:pPr algn="ctr"/>
+            <a:r>
+              <a:rPr lang="pt-BR" sz="2800" b="1" dirty="0"/>
+              <a:t>Revisão Comandos do </a:t>
+            </a:r>
+            <a:r>
+              <a:rPr lang="pt-BR" sz="2800" b="1" dirty="0" err="1"/>
+              <a:t>Docker</a:t>
+            </a:r>
+            <a:endParaRPr lang="pt-BR" sz="2800" b="1" dirty="0"/>
+          </a:p>
+        </p:txBody>
+      </p:sp>
+      <p:sp>
+        <p:nvSpPr>
+          <p:cNvPr id="3" name="Espaço Reservado para Conteúdo 2"/>
+          <p:cNvSpPr>
+            <a:spLocks noGrp="1"/>
+          </p:cNvSpPr>
+          <p:nvPr>
+            <p:ph idx="1"/>
+          </p:nvPr>
+        </p:nvSpPr>
+        <p:spPr>
+          <a:xfrm>
+            <a:off x="166437" y="584200"/>
+            <a:ext cx="11492164" cy="6273800"/>
+          </a:xfrm>
+        </p:spPr>
+        <p:txBody>
+          <a:bodyPr>
+            <a:noAutofit/>
+          </a:bodyPr>
+          <a:lstStyle/>
+          <a:p>
+            <a:pPr lvl="1" algn="just">
+              <a:lnSpc>
+                <a:spcPct val="150000"/>
+              </a:lnSpc>
+            </a:pPr>
+            <a:r>
+              <a:rPr lang="pt-BR" sz="1600" b="1" dirty="0" err="1"/>
+              <a:t>docker</a:t>
+            </a:r>
+            <a:r>
+              <a:rPr lang="pt-BR" sz="1600" b="1" dirty="0"/>
+              <a:t> </a:t>
+            </a:r>
+            <a:r>
+              <a:rPr lang="pt-BR" sz="1600" b="1" dirty="0" err="1"/>
+              <a:t>ps</a:t>
+            </a:r>
+            <a:r>
+              <a:rPr lang="pt-BR" sz="1600" dirty="0"/>
+              <a:t> - exibe todos os containers em execução no momento.</a:t>
+            </a:r>
+          </a:p>
+          <a:p>
+            <a:pPr lvl="1" algn="just">
+              <a:lnSpc>
+                <a:spcPct val="150000"/>
+              </a:lnSpc>
+            </a:pPr>
+            <a:r>
+              <a:rPr lang="pt-BR" sz="1600" b="1" dirty="0" err="1"/>
+              <a:t>docker</a:t>
+            </a:r>
+            <a:r>
+              <a:rPr lang="pt-BR" sz="1600" b="1" dirty="0"/>
+              <a:t> </a:t>
+            </a:r>
+            <a:r>
+              <a:rPr lang="pt-BR" sz="1600" b="1" dirty="0" err="1"/>
+              <a:t>ps</a:t>
+            </a:r>
+            <a:r>
+              <a:rPr lang="pt-BR" sz="1600" b="1" dirty="0"/>
+              <a:t> -a</a:t>
+            </a:r>
+            <a:r>
+              <a:rPr lang="pt-BR" sz="1600" dirty="0"/>
+              <a:t> - exibe todos os containers, independentemente de estarem em execução ou não.</a:t>
+            </a:r>
+          </a:p>
+          <a:p>
+            <a:pPr lvl="1" algn="just">
+              <a:lnSpc>
+                <a:spcPct val="150000"/>
+              </a:lnSpc>
+            </a:pPr>
+            <a:r>
+              <a:rPr lang="pt-BR" sz="1600" b="1" dirty="0" err="1"/>
+              <a:t>docker</a:t>
+            </a:r>
+            <a:r>
+              <a:rPr lang="pt-BR" sz="1600" b="1" dirty="0"/>
+              <a:t> </a:t>
+            </a:r>
+            <a:r>
+              <a:rPr lang="pt-BR" sz="1600" b="1" dirty="0" err="1"/>
+              <a:t>run</a:t>
+            </a:r>
+            <a:r>
+              <a:rPr lang="pt-BR" sz="1600" b="1" dirty="0"/>
+              <a:t> -it NOME_DA_IMAGEM</a:t>
+            </a:r>
+            <a:r>
+              <a:rPr lang="pt-BR" sz="1600" dirty="0"/>
+              <a:t> - conecta o terminal que estamos utilizando com o do container.</a:t>
+            </a:r>
+          </a:p>
+          <a:p>
+            <a:pPr lvl="1" algn="just">
+              <a:lnSpc>
+                <a:spcPct val="150000"/>
+              </a:lnSpc>
+            </a:pPr>
+            <a:r>
+              <a:rPr lang="pt-BR" sz="1600" b="1" dirty="0" err="1"/>
+              <a:t>docker</a:t>
+            </a:r>
+            <a:r>
+              <a:rPr lang="pt-BR" sz="1600" b="1" dirty="0"/>
+              <a:t> start ID_CONTAINER</a:t>
+            </a:r>
+            <a:r>
+              <a:rPr lang="pt-BR" sz="1600" dirty="0"/>
+              <a:t> - inicia o container com id em questão.</a:t>
+            </a:r>
+          </a:p>
+          <a:p>
+            <a:pPr lvl="1" algn="just">
+              <a:lnSpc>
+                <a:spcPct val="150000"/>
+              </a:lnSpc>
+            </a:pPr>
+            <a:r>
+              <a:rPr lang="pt-BR" sz="1600" b="1" dirty="0" err="1"/>
+              <a:t>docker</a:t>
+            </a:r>
+            <a:r>
+              <a:rPr lang="pt-BR" sz="1600" b="1" dirty="0"/>
+              <a:t> stop ID_CONTAINER</a:t>
+            </a:r>
+            <a:r>
+              <a:rPr lang="pt-BR" sz="1600" dirty="0"/>
+              <a:t> - interrompe o container com id em questão.</a:t>
+            </a:r>
+          </a:p>
+          <a:p>
+            <a:pPr lvl="1" algn="just">
+              <a:lnSpc>
+                <a:spcPct val="150000"/>
+              </a:lnSpc>
+            </a:pPr>
+            <a:r>
+              <a:rPr lang="pt-BR" sz="1600" b="1" dirty="0" err="1"/>
+              <a:t>docker</a:t>
+            </a:r>
+            <a:r>
+              <a:rPr lang="pt-BR" sz="1600" b="1" dirty="0"/>
+              <a:t> start -a -i ID_CONTAINER</a:t>
+            </a:r>
+            <a:r>
+              <a:rPr lang="pt-BR" sz="1600" dirty="0"/>
+              <a:t> - inicia o container com id em questão e integra os terminais, além de permitir interação entre ambos.</a:t>
+            </a:r>
+          </a:p>
+          <a:p>
+            <a:pPr lvl="1" algn="just">
+              <a:lnSpc>
+                <a:spcPct val="150000"/>
+              </a:lnSpc>
+            </a:pPr>
+            <a:r>
+              <a:rPr lang="pt-BR" sz="1600" b="1" dirty="0" err="1"/>
+              <a:t>docker</a:t>
+            </a:r>
+            <a:r>
+              <a:rPr lang="pt-BR" sz="1600" b="1" dirty="0"/>
+              <a:t> </a:t>
+            </a:r>
+            <a:r>
+              <a:rPr lang="pt-BR" sz="1600" b="1" dirty="0" err="1"/>
+              <a:t>rm</a:t>
+            </a:r>
+            <a:r>
+              <a:rPr lang="pt-BR" sz="1600" b="1" dirty="0"/>
+              <a:t> ID_CONTAINER</a:t>
+            </a:r>
+            <a:r>
+              <a:rPr lang="pt-BR" sz="1600" dirty="0"/>
+              <a:t> - remove o container com id em questão.</a:t>
+            </a:r>
+          </a:p>
+          <a:p>
+            <a:pPr lvl="1" algn="just">
+              <a:lnSpc>
+                <a:spcPct val="150000"/>
+              </a:lnSpc>
+            </a:pPr>
+            <a:r>
+              <a:rPr lang="pt-BR" sz="1600" b="1" dirty="0" err="1"/>
+              <a:t>docker</a:t>
+            </a:r>
+            <a:r>
+              <a:rPr lang="pt-BR" sz="1600" b="1" dirty="0"/>
+              <a:t> </a:t>
+            </a:r>
+            <a:r>
+              <a:rPr lang="pt-BR" sz="1600" b="1" dirty="0" err="1"/>
+              <a:t>prune</a:t>
+            </a:r>
+            <a:r>
+              <a:rPr lang="pt-BR" sz="1600" dirty="0"/>
+              <a:t> - remove todos os containers que estão parados.</a:t>
+            </a:r>
+          </a:p>
+          <a:p>
+            <a:pPr lvl="1" algn="just">
+              <a:lnSpc>
+                <a:spcPct val="150000"/>
+              </a:lnSpc>
+            </a:pPr>
+            <a:r>
+              <a:rPr lang="pt-BR" sz="1600" b="1" dirty="0" err="1"/>
+              <a:t>docker</a:t>
+            </a:r>
+            <a:r>
+              <a:rPr lang="pt-BR" sz="1600" b="1" dirty="0"/>
+              <a:t> </a:t>
+            </a:r>
+            <a:r>
+              <a:rPr lang="pt-BR" sz="1600" b="1" dirty="0" err="1"/>
+              <a:t>rmi</a:t>
+            </a:r>
+            <a:r>
+              <a:rPr lang="pt-BR" sz="1600" b="1" dirty="0"/>
+              <a:t> NOME_DA_IMAGEM</a:t>
+            </a:r>
+            <a:r>
+              <a:rPr lang="pt-BR" sz="1600" dirty="0"/>
+              <a:t> - remove a imagem passada como parâmetro.</a:t>
+            </a:r>
+          </a:p>
+          <a:p>
+            <a:pPr lvl="1" algn="just">
+              <a:lnSpc>
+                <a:spcPct val="150000"/>
+              </a:lnSpc>
+            </a:pPr>
+            <a:r>
+              <a:rPr lang="pt-BR" sz="1600" b="1" dirty="0" err="1"/>
+              <a:t>docker</a:t>
+            </a:r>
+            <a:r>
+              <a:rPr lang="pt-BR" sz="1600" b="1" dirty="0"/>
+              <a:t> </a:t>
+            </a:r>
+            <a:r>
+              <a:rPr lang="pt-BR" sz="1600" b="1" dirty="0" err="1"/>
+              <a:t>run</a:t>
+            </a:r>
+            <a:r>
+              <a:rPr lang="pt-BR" sz="1600" b="1" dirty="0"/>
+              <a:t> -d -P --</a:t>
+            </a:r>
+            <a:r>
+              <a:rPr lang="pt-BR" sz="1600" b="1" dirty="0" err="1"/>
+              <a:t>name</a:t>
+            </a:r>
+            <a:r>
+              <a:rPr lang="pt-BR" sz="1600" b="1" dirty="0"/>
+              <a:t> NOME </a:t>
+            </a:r>
+            <a:r>
+              <a:rPr lang="pt-BR" sz="1600" b="1" dirty="0" err="1"/>
+              <a:t>dockersamples</a:t>
+            </a:r>
+            <a:r>
+              <a:rPr lang="pt-BR" sz="1600" b="1" dirty="0"/>
+              <a:t>/</a:t>
+            </a:r>
+            <a:r>
+              <a:rPr lang="pt-BR" sz="1600" b="1" dirty="0" err="1"/>
+              <a:t>static</a:t>
+            </a:r>
+            <a:r>
+              <a:rPr lang="pt-BR" sz="1600" b="1" dirty="0"/>
+              <a:t>-site</a:t>
+            </a:r>
+            <a:r>
+              <a:rPr lang="pt-BR" sz="1600" dirty="0"/>
+              <a:t> - ao executar, dá um nome ao container.</a:t>
+            </a:r>
+          </a:p>
+          <a:p>
+            <a:pPr lvl="1" algn="just">
+              <a:lnSpc>
+                <a:spcPct val="150000"/>
+              </a:lnSpc>
+            </a:pPr>
+            <a:r>
+              <a:rPr lang="pt-BR" sz="1600" b="1" dirty="0" err="1"/>
+              <a:t>docker</a:t>
+            </a:r>
+            <a:r>
+              <a:rPr lang="pt-BR" sz="1600" b="1" dirty="0"/>
+              <a:t> </a:t>
+            </a:r>
+            <a:r>
+              <a:rPr lang="pt-BR" sz="1600" b="1" dirty="0" err="1"/>
+              <a:t>run</a:t>
+            </a:r>
+            <a:r>
+              <a:rPr lang="pt-BR" sz="1600" b="1" dirty="0"/>
+              <a:t> -d -p 12345:80 </a:t>
+            </a:r>
+            <a:r>
+              <a:rPr lang="pt-BR" sz="1600" b="1" dirty="0" err="1"/>
+              <a:t>dockersamples</a:t>
+            </a:r>
+            <a:r>
+              <a:rPr lang="pt-BR" sz="1600" b="1" dirty="0"/>
+              <a:t>/</a:t>
+            </a:r>
+            <a:r>
+              <a:rPr lang="pt-BR" sz="1600" b="1" dirty="0" err="1"/>
+              <a:t>static</a:t>
+            </a:r>
+            <a:r>
+              <a:rPr lang="pt-BR" sz="1600" b="1" dirty="0"/>
+              <a:t>-site</a:t>
+            </a:r>
+            <a:r>
+              <a:rPr lang="pt-BR" sz="1600" dirty="0"/>
+              <a:t> - define uma porta específica para ser atribuída à porta 80 do container, neste caso 12345.</a:t>
+            </a:r>
+          </a:p>
+          <a:p>
+            <a:pPr lvl="1" algn="just">
+              <a:lnSpc>
+                <a:spcPct val="150000"/>
+              </a:lnSpc>
+            </a:pPr>
+            <a:r>
+              <a:rPr lang="pt-BR" sz="1600" b="1" dirty="0" err="1"/>
+              <a:t>docker</a:t>
+            </a:r>
+            <a:r>
+              <a:rPr lang="pt-BR" sz="1600" b="1" dirty="0"/>
+              <a:t> </a:t>
+            </a:r>
+            <a:r>
+              <a:rPr lang="pt-BR" sz="1600" b="1" dirty="0" err="1"/>
+              <a:t>run</a:t>
+            </a:r>
+            <a:r>
+              <a:rPr lang="pt-BR" sz="1600" b="1" dirty="0"/>
+              <a:t> -d -e AUTHOR="Fulano" </a:t>
+            </a:r>
+            <a:r>
+              <a:rPr lang="pt-BR" sz="1600" b="1" dirty="0" err="1"/>
+              <a:t>dockersamples</a:t>
+            </a:r>
+            <a:r>
+              <a:rPr lang="pt-BR" sz="1600" b="1" dirty="0"/>
+              <a:t>/</a:t>
+            </a:r>
+            <a:r>
+              <a:rPr lang="pt-BR" sz="1600" b="1" dirty="0" err="1"/>
+              <a:t>static</a:t>
+            </a:r>
+            <a:r>
+              <a:rPr lang="pt-BR" sz="1600" b="1" dirty="0"/>
+              <a:t>-site</a:t>
+            </a:r>
+            <a:r>
+              <a:rPr lang="pt-BR" sz="1600" dirty="0"/>
+              <a:t> - define uma variável de ambiente AUTHOR com o valor Fulano no container criado.</a:t>
+            </a:r>
+          </a:p>
+        </p:txBody>
+      </p:sp>
+    </p:spTree>
+    <p:extLst>
+      <p:ext uri="{BB962C8B-B14F-4D97-AF65-F5344CB8AC3E}">
+        <p14:creationId xmlns:p14="http://schemas.microsoft.com/office/powerpoint/2010/main" val="2636815561"/>
+      </p:ext>
+    </p:extLst>
+  </p:cSld>
+  <p:clrMapOvr>
+    <a:masterClrMapping/>
+  </p:clrMapOvr>
+  <p:timing>
+    <p:tnLst>
+      <p:par>
+        <p:cTn id="1" dur="indefinite" restart="never" nodeType="tmRoot"/>
+      </p:par>
+    </p:tnLst>
+  </p:timing>
+</p:sld>
+</file>
+
+<file path=ppt/slides/slide21.xml><?xml version="1.0" encoding="utf-8"?>
 <p:sld xmlns:a="http://schemas.openxmlformats.org/drawingml/2006/main" xmlns:r="http://schemas.openxmlformats.org/officeDocument/2006/relationships" xmlns:p="http://schemas.openxmlformats.org/presentationml/2006/main">
   <p:cSld>
     <p:spTree>
@@ -11847,10 +12389,17 @@
   <p:clrMapOvr>
     <a:masterClrMapping/>
   </p:clrMapOvr>
+  <p:timing>
+    <p:tnLst>
+      <p:par>
+        <p:cTn id="1" dur="indefinite" restart="never" nodeType="tmRoot"/>
+      </p:par>
+    </p:tnLst>
+  </p:timing>
 </p:sld>
 </file>
 
-<file path=ppt/slides/slide21.xml><?xml version="1.0" encoding="utf-8"?>
+<file path=ppt/slides/slide22.xml><?xml version="1.0" encoding="utf-8"?>
 <p:sld xmlns:a="http://schemas.openxmlformats.org/drawingml/2006/main" xmlns:r="http://schemas.openxmlformats.org/officeDocument/2006/relationships" xmlns:p="http://schemas.openxmlformats.org/presentationml/2006/main">
   <p:cSld>
     <p:spTree>
@@ -12554,348 +13103,13 @@
   <p:clrMapOvr>
     <a:masterClrMapping/>
   </p:clrMapOvr>
-</p:sld>
-</file>
-
-<file path=ppt/slides/slide22.xml><?xml version="1.0" encoding="utf-8"?>
-<p:sld xmlns:a="http://schemas.openxmlformats.org/drawingml/2006/main" xmlns:r="http://schemas.openxmlformats.org/officeDocument/2006/relationships" xmlns:p="http://schemas.openxmlformats.org/presentationml/2006/main">
-  <p:cSld>
-    <p:spTree>
-      <p:nvGrpSpPr>
-        <p:cNvPr id="1" name=""/>
-        <p:cNvGrpSpPr/>
-        <p:nvPr/>
-      </p:nvGrpSpPr>
-      <p:grpSpPr>
-        <a:xfrm>
-          <a:off x="0" y="0"/>
-          <a:ext cx="0" cy="0"/>
-          <a:chOff x="0" y="0"/>
-          <a:chExt cx="0" cy="0"/>
-        </a:xfrm>
-      </p:grpSpPr>
-      <p:sp>
-        <p:nvSpPr>
-          <p:cNvPr id="2" name="Título 1"/>
-          <p:cNvSpPr>
-            <a:spLocks noGrp="1"/>
-          </p:cNvSpPr>
-          <p:nvPr>
-            <p:ph type="title"/>
-          </p:nvPr>
-        </p:nvSpPr>
-        <p:spPr>
-          <a:xfrm>
-            <a:off x="115910" y="123288"/>
-            <a:ext cx="11951594" cy="422275"/>
-          </a:xfrm>
-        </p:spPr>
-        <p:txBody>
-          <a:bodyPr vert="horz" lIns="91440" tIns="45720" rIns="91440" bIns="45720" rtlCol="0" anchor="ctr">
-            <a:normAutofit fontScale="90000"/>
-          </a:bodyPr>
-          <a:lstStyle/>
-          <a:p>
-            <a:pPr algn="ctr"/>
-            <a:r>
-              <a:rPr lang="pt-BR" sz="2800" b="1" dirty="0"/>
-              <a:t>Volumes</a:t>
-            </a:r>
-          </a:p>
-        </p:txBody>
-      </p:sp>
-      <p:sp>
-        <p:nvSpPr>
-          <p:cNvPr id="5" name="Espaço Reservado para Conteúdo 4"/>
-          <p:cNvSpPr>
-            <a:spLocks noGrp="1"/>
-          </p:cNvSpPr>
-          <p:nvPr>
-            <p:ph idx="1"/>
-          </p:nvPr>
-        </p:nvSpPr>
-        <p:spPr>
-          <a:xfrm>
-            <a:off x="241478" y="545562"/>
-            <a:ext cx="11259355" cy="5700691"/>
-          </a:xfrm>
-        </p:spPr>
-        <p:txBody>
-          <a:bodyPr>
-            <a:noAutofit/>
-          </a:bodyPr>
-          <a:lstStyle/>
-          <a:p>
-            <a:r>
-              <a:rPr lang="pt-BR" sz="2000" dirty="0"/>
-              <a:t>A pasta que é gerada no </a:t>
-            </a:r>
-            <a:r>
-              <a:rPr lang="pt-BR" sz="2000" dirty="0" err="1"/>
-              <a:t>Docker</a:t>
-            </a:r>
-            <a:r>
-              <a:rPr lang="pt-BR" sz="2000" dirty="0"/>
-              <a:t> Host pode ser configurada</a:t>
-            </a:r>
-          </a:p>
-          <a:p>
-            <a:endParaRPr lang="pt-BR" sz="2000" b="1" dirty="0"/>
-          </a:p>
-          <a:p>
-            <a:pPr lvl="1">
-              <a:buFont typeface="Wingdings" panose="05000000000000000000" pitchFamily="2" charset="2"/>
-              <a:buChar char="Ø"/>
-            </a:pPr>
-            <a:r>
-              <a:rPr lang="en-US" sz="2000" dirty="0" err="1">
-                <a:solidFill>
-                  <a:schemeClr val="accent5"/>
-                </a:solidFill>
-              </a:rPr>
-              <a:t>docker</a:t>
-            </a:r>
-            <a:r>
-              <a:rPr lang="en-US" sz="2000" dirty="0">
-                <a:solidFill>
-                  <a:schemeClr val="accent5"/>
-                </a:solidFill>
-              </a:rPr>
-              <a:t> run -it -v "C:\Users\Luciano\Desktop:/var/www" </a:t>
-            </a:r>
-            <a:r>
-              <a:rPr lang="en-US" sz="2000" dirty="0" err="1">
-                <a:solidFill>
-                  <a:schemeClr val="accent5"/>
-                </a:solidFill>
-              </a:rPr>
-              <a:t>ubuntu</a:t>
-            </a:r>
-            <a:endParaRPr lang="en-US" sz="2000" dirty="0">
-              <a:solidFill>
-                <a:schemeClr val="accent5"/>
-              </a:solidFill>
-            </a:endParaRPr>
-          </a:p>
-          <a:p>
-            <a:pPr lvl="1">
-              <a:buFont typeface="Wingdings" panose="05000000000000000000" pitchFamily="2" charset="2"/>
-              <a:buChar char="Ø"/>
-            </a:pPr>
-            <a:r>
-              <a:rPr lang="en-US" sz="2000" dirty="0">
-                <a:solidFill>
-                  <a:schemeClr val="accent5"/>
-                </a:solidFill>
-              </a:rPr>
-              <a:t>root@abd0286c0083:/#</a:t>
-            </a:r>
-          </a:p>
-          <a:p>
-            <a:pPr lvl="1">
-              <a:buFont typeface="Wingdings" panose="05000000000000000000" pitchFamily="2" charset="2"/>
-              <a:buChar char="Ø"/>
-            </a:pPr>
-            <a:endParaRPr lang="en-US" sz="2000" dirty="0">
-              <a:solidFill>
-                <a:schemeClr val="accent5"/>
-              </a:solidFill>
-            </a:endParaRPr>
-          </a:p>
-          <a:p>
-            <a:pPr lvl="1">
-              <a:buFont typeface="Wingdings" panose="05000000000000000000" pitchFamily="2" charset="2"/>
-              <a:buChar char="Ø"/>
-            </a:pPr>
-            <a:endParaRPr lang="en-US" sz="2000" dirty="0">
-              <a:solidFill>
-                <a:schemeClr val="accent5"/>
-              </a:solidFill>
-            </a:endParaRPr>
-          </a:p>
-          <a:p>
-            <a:pPr lvl="1">
-              <a:buFont typeface="Wingdings" panose="05000000000000000000" pitchFamily="2" charset="2"/>
-              <a:buChar char="Ø"/>
-            </a:pPr>
-            <a:r>
-              <a:rPr lang="pt-BR" sz="2000" dirty="0">
-                <a:solidFill>
-                  <a:schemeClr val="accent5"/>
-                </a:solidFill>
-              </a:rPr>
-              <a:t>root@6ec39d5e9175:/# </a:t>
-            </a:r>
-            <a:r>
-              <a:rPr lang="pt-BR" sz="2000" dirty="0" err="1">
-                <a:solidFill>
-                  <a:schemeClr val="accent5"/>
-                </a:solidFill>
-              </a:rPr>
-              <a:t>cd</a:t>
-            </a:r>
-            <a:r>
-              <a:rPr lang="pt-BR" sz="2000" dirty="0">
-                <a:solidFill>
-                  <a:schemeClr val="accent5"/>
-                </a:solidFill>
-              </a:rPr>
-              <a:t> /var/</a:t>
-            </a:r>
-            <a:r>
-              <a:rPr lang="pt-BR" sz="2000" dirty="0" err="1">
-                <a:solidFill>
-                  <a:schemeClr val="accent5"/>
-                </a:solidFill>
-              </a:rPr>
-              <a:t>www</a:t>
-            </a:r>
-            <a:r>
-              <a:rPr lang="pt-BR" sz="2000" dirty="0">
-                <a:solidFill>
-                  <a:schemeClr val="accent5"/>
-                </a:solidFill>
-              </a:rPr>
-              <a:t>/</a:t>
-            </a:r>
-          </a:p>
-          <a:p>
-            <a:pPr lvl="1">
-              <a:buFont typeface="Wingdings" panose="05000000000000000000" pitchFamily="2" charset="2"/>
-              <a:buChar char="Ø"/>
-            </a:pPr>
-            <a:r>
-              <a:rPr lang="pt-BR" sz="2000" dirty="0">
-                <a:solidFill>
-                  <a:schemeClr val="accent5"/>
-                </a:solidFill>
-              </a:rPr>
-              <a:t>root@6ec39d5e9175 :/var/</a:t>
-            </a:r>
-            <a:r>
-              <a:rPr lang="pt-BR" sz="2000" dirty="0" err="1">
-                <a:solidFill>
-                  <a:schemeClr val="accent5"/>
-                </a:solidFill>
-              </a:rPr>
-              <a:t>www</a:t>
-            </a:r>
-            <a:r>
-              <a:rPr lang="pt-BR" sz="2000" dirty="0">
-                <a:solidFill>
-                  <a:schemeClr val="accent5"/>
-                </a:solidFill>
-              </a:rPr>
-              <a:t># </a:t>
-            </a:r>
-            <a:r>
-              <a:rPr lang="pt-BR" sz="2000" dirty="0" err="1">
-                <a:solidFill>
-                  <a:schemeClr val="accent5"/>
-                </a:solidFill>
-              </a:rPr>
-              <a:t>touch</a:t>
-            </a:r>
-            <a:r>
-              <a:rPr lang="pt-BR" sz="2000" dirty="0">
-                <a:solidFill>
-                  <a:schemeClr val="accent5"/>
-                </a:solidFill>
-              </a:rPr>
-              <a:t> arquivo1.txt</a:t>
-            </a:r>
-          </a:p>
-          <a:p>
-            <a:pPr lvl="1">
-              <a:buFont typeface="Wingdings" panose="05000000000000000000" pitchFamily="2" charset="2"/>
-              <a:buChar char="Ø"/>
-            </a:pPr>
-            <a:r>
-              <a:rPr lang="pt-BR" sz="2000" dirty="0">
-                <a:solidFill>
-                  <a:schemeClr val="accent5"/>
-                </a:solidFill>
-              </a:rPr>
-              <a:t>root@6ec39d5e9175 :/var/</a:t>
-            </a:r>
-            <a:r>
-              <a:rPr lang="pt-BR" sz="2000" dirty="0" err="1">
-                <a:solidFill>
-                  <a:schemeClr val="accent5"/>
-                </a:solidFill>
-              </a:rPr>
-              <a:t>www</a:t>
-            </a:r>
-            <a:r>
-              <a:rPr lang="pt-BR" sz="2000" dirty="0">
-                <a:solidFill>
-                  <a:schemeClr val="accent5"/>
-                </a:solidFill>
-              </a:rPr>
-              <a:t># </a:t>
-            </a:r>
-            <a:r>
-              <a:rPr lang="pt-BR" sz="2000" dirty="0" err="1">
-                <a:solidFill>
-                  <a:schemeClr val="accent5"/>
-                </a:solidFill>
-              </a:rPr>
-              <a:t>echo</a:t>
-            </a:r>
-            <a:r>
-              <a:rPr lang="pt-BR" sz="2000" dirty="0">
-                <a:solidFill>
-                  <a:schemeClr val="accent5"/>
-                </a:solidFill>
-              </a:rPr>
-              <a:t> "Este arquivo foi criado dentro de um volume" &gt; arquivo1.txt</a:t>
-            </a:r>
-          </a:p>
-          <a:p>
-            <a:pPr lvl="1">
-              <a:buFont typeface="Wingdings" panose="05000000000000000000" pitchFamily="2" charset="2"/>
-              <a:buChar char="Ø"/>
-            </a:pPr>
-            <a:endParaRPr lang="pt-BR" sz="2000" dirty="0">
-              <a:solidFill>
-                <a:schemeClr val="accent5"/>
-              </a:solidFill>
-            </a:endParaRPr>
-          </a:p>
-          <a:p>
-            <a:pPr lvl="2">
-              <a:buFont typeface="Wingdings" panose="05000000000000000000" pitchFamily="2" charset="2"/>
-              <a:buChar char="Ø"/>
-            </a:pPr>
-            <a:endParaRPr lang="pt-BR" sz="1600" dirty="0">
-              <a:solidFill>
-                <a:schemeClr val="accent5"/>
-              </a:solidFill>
-            </a:endParaRPr>
-          </a:p>
-          <a:p>
-            <a:pPr>
-              <a:buFont typeface="Wingdings" panose="05000000000000000000" pitchFamily="2" charset="2"/>
-              <a:buChar char="Ø"/>
-            </a:pPr>
-            <a:endParaRPr lang="pt-BR" sz="2400" dirty="0">
-              <a:solidFill>
-                <a:schemeClr val="accent5"/>
-              </a:solidFill>
-            </a:endParaRPr>
-          </a:p>
-        </p:txBody>
-      </p:sp>
-    </p:spTree>
-    <p:extLst>
-      <p:ext uri="{BB962C8B-B14F-4D97-AF65-F5344CB8AC3E}">
-        <p14:creationId xmlns:p14="http://schemas.microsoft.com/office/powerpoint/2010/main" val="2857905960"/>
-      </p:ext>
-    </p:extLst>
-  </p:cSld>
-  <p:clrMapOvr>
-    <a:masterClrMapping/>
-  </p:clrMapOvr>
+  <p:timing>
+    <p:tnLst>
+      <p:par>
+        <p:cTn id="1" dur="indefinite" restart="never" nodeType="tmRoot"/>
+      </p:par>
+    </p:tnLst>
+  </p:timing>
 </p:sld>
 </file>
 
@@ -12941,6 +13155,355 @@
             <a:pPr algn="ctr"/>
             <a:r>
               <a:rPr lang="pt-BR" sz="2800" b="1" dirty="0"/>
+              <a:t>Volumes</a:t>
+            </a:r>
+          </a:p>
+        </p:txBody>
+      </p:sp>
+      <p:sp>
+        <p:nvSpPr>
+          <p:cNvPr id="5" name="Espaço Reservado para Conteúdo 4"/>
+          <p:cNvSpPr>
+            <a:spLocks noGrp="1"/>
+          </p:cNvSpPr>
+          <p:nvPr>
+            <p:ph idx="1"/>
+          </p:nvPr>
+        </p:nvSpPr>
+        <p:spPr>
+          <a:xfrm>
+            <a:off x="241478" y="545562"/>
+            <a:ext cx="11259355" cy="5700691"/>
+          </a:xfrm>
+        </p:spPr>
+        <p:txBody>
+          <a:bodyPr>
+            <a:noAutofit/>
+          </a:bodyPr>
+          <a:lstStyle/>
+          <a:p>
+            <a:r>
+              <a:rPr lang="pt-BR" sz="2000" dirty="0"/>
+              <a:t>A pasta que é gerada no </a:t>
+            </a:r>
+            <a:r>
+              <a:rPr lang="pt-BR" sz="2000" dirty="0" err="1"/>
+              <a:t>Docker</a:t>
+            </a:r>
+            <a:r>
+              <a:rPr lang="pt-BR" sz="2000" dirty="0"/>
+              <a:t> Host pode ser configurada</a:t>
+            </a:r>
+          </a:p>
+          <a:p>
+            <a:endParaRPr lang="pt-BR" sz="2000" b="1" dirty="0"/>
+          </a:p>
+          <a:p>
+            <a:pPr lvl="1">
+              <a:buFont typeface="Wingdings" panose="05000000000000000000" pitchFamily="2" charset="2"/>
+              <a:buChar char="Ø"/>
+            </a:pPr>
+            <a:r>
+              <a:rPr lang="en-US" sz="2000" dirty="0" err="1">
+                <a:solidFill>
+                  <a:schemeClr val="accent5"/>
+                </a:solidFill>
+              </a:rPr>
+              <a:t>docker</a:t>
+            </a:r>
+            <a:r>
+              <a:rPr lang="en-US" sz="2000" dirty="0">
+                <a:solidFill>
+                  <a:schemeClr val="accent5"/>
+                </a:solidFill>
+              </a:rPr>
+              <a:t> run -it -v "C:\Users\Luciano\Desktop:/var/www" </a:t>
+            </a:r>
+            <a:r>
+              <a:rPr lang="en-US" sz="2000" dirty="0" err="1">
+                <a:solidFill>
+                  <a:schemeClr val="accent5"/>
+                </a:solidFill>
+              </a:rPr>
+              <a:t>ubuntu</a:t>
+            </a:r>
+            <a:endParaRPr lang="en-US" sz="2000" dirty="0">
+              <a:solidFill>
+                <a:schemeClr val="accent5"/>
+              </a:solidFill>
+            </a:endParaRPr>
+          </a:p>
+          <a:p>
+            <a:pPr lvl="1">
+              <a:buFont typeface="Wingdings" panose="05000000000000000000" pitchFamily="2" charset="2"/>
+              <a:buChar char="Ø"/>
+            </a:pPr>
+            <a:r>
+              <a:rPr lang="en-US" sz="2000" dirty="0">
+                <a:solidFill>
+                  <a:schemeClr val="accent5"/>
+                </a:solidFill>
+              </a:rPr>
+              <a:t>root@abd0286c0083:/#</a:t>
+            </a:r>
+          </a:p>
+          <a:p>
+            <a:pPr lvl="1">
+              <a:buFont typeface="Wingdings" panose="05000000000000000000" pitchFamily="2" charset="2"/>
+              <a:buChar char="Ø"/>
+            </a:pPr>
+            <a:endParaRPr lang="en-US" sz="2000" dirty="0">
+              <a:solidFill>
+                <a:schemeClr val="accent5"/>
+              </a:solidFill>
+            </a:endParaRPr>
+          </a:p>
+          <a:p>
+            <a:pPr lvl="1">
+              <a:buFont typeface="Wingdings" panose="05000000000000000000" pitchFamily="2" charset="2"/>
+              <a:buChar char="Ø"/>
+            </a:pPr>
+            <a:endParaRPr lang="en-US" sz="2000" dirty="0">
+              <a:solidFill>
+                <a:schemeClr val="accent5"/>
+              </a:solidFill>
+            </a:endParaRPr>
+          </a:p>
+          <a:p>
+            <a:pPr lvl="1">
+              <a:buFont typeface="Wingdings" panose="05000000000000000000" pitchFamily="2" charset="2"/>
+              <a:buChar char="Ø"/>
+            </a:pPr>
+            <a:r>
+              <a:rPr lang="pt-BR" sz="2000" dirty="0">
+                <a:solidFill>
+                  <a:schemeClr val="accent5"/>
+                </a:solidFill>
+              </a:rPr>
+              <a:t>root@6ec39d5e9175:/# </a:t>
+            </a:r>
+            <a:r>
+              <a:rPr lang="pt-BR" sz="2000" dirty="0" err="1">
+                <a:solidFill>
+                  <a:schemeClr val="accent5"/>
+                </a:solidFill>
+              </a:rPr>
+              <a:t>cd</a:t>
+            </a:r>
+            <a:r>
+              <a:rPr lang="pt-BR" sz="2000" dirty="0">
+                <a:solidFill>
+                  <a:schemeClr val="accent5"/>
+                </a:solidFill>
+              </a:rPr>
+              <a:t> /var/</a:t>
+            </a:r>
+            <a:r>
+              <a:rPr lang="pt-BR" sz="2000" dirty="0" err="1">
+                <a:solidFill>
+                  <a:schemeClr val="accent5"/>
+                </a:solidFill>
+              </a:rPr>
+              <a:t>www</a:t>
+            </a:r>
+            <a:r>
+              <a:rPr lang="pt-BR" sz="2000" dirty="0">
+                <a:solidFill>
+                  <a:schemeClr val="accent5"/>
+                </a:solidFill>
+              </a:rPr>
+              <a:t>/</a:t>
+            </a:r>
+          </a:p>
+          <a:p>
+            <a:pPr lvl="1">
+              <a:buFont typeface="Wingdings" panose="05000000000000000000" pitchFamily="2" charset="2"/>
+              <a:buChar char="Ø"/>
+            </a:pPr>
+            <a:r>
+              <a:rPr lang="pt-BR" sz="2000" dirty="0">
+                <a:solidFill>
+                  <a:schemeClr val="accent5"/>
+                </a:solidFill>
+              </a:rPr>
+              <a:t>root@6ec39d5e9175 :/var/</a:t>
+            </a:r>
+            <a:r>
+              <a:rPr lang="pt-BR" sz="2000" dirty="0" err="1">
+                <a:solidFill>
+                  <a:schemeClr val="accent5"/>
+                </a:solidFill>
+              </a:rPr>
+              <a:t>www</a:t>
+            </a:r>
+            <a:r>
+              <a:rPr lang="pt-BR" sz="2000" dirty="0">
+                <a:solidFill>
+                  <a:schemeClr val="accent5"/>
+                </a:solidFill>
+              </a:rPr>
+              <a:t># </a:t>
+            </a:r>
+            <a:r>
+              <a:rPr lang="pt-BR" sz="2000" dirty="0" err="1">
+                <a:solidFill>
+                  <a:schemeClr val="accent5"/>
+                </a:solidFill>
+              </a:rPr>
+              <a:t>touch</a:t>
+            </a:r>
+            <a:r>
+              <a:rPr lang="pt-BR" sz="2000" dirty="0">
+                <a:solidFill>
+                  <a:schemeClr val="accent5"/>
+                </a:solidFill>
+              </a:rPr>
+              <a:t> arquivo1.txt</a:t>
+            </a:r>
+          </a:p>
+          <a:p>
+            <a:pPr lvl="1">
+              <a:buFont typeface="Wingdings" panose="05000000000000000000" pitchFamily="2" charset="2"/>
+              <a:buChar char="Ø"/>
+            </a:pPr>
+            <a:r>
+              <a:rPr lang="pt-BR" sz="2000" dirty="0">
+                <a:solidFill>
+                  <a:schemeClr val="accent5"/>
+                </a:solidFill>
+              </a:rPr>
+              <a:t>root@6ec39d5e9175 :/var/</a:t>
+            </a:r>
+            <a:r>
+              <a:rPr lang="pt-BR" sz="2000" dirty="0" err="1">
+                <a:solidFill>
+                  <a:schemeClr val="accent5"/>
+                </a:solidFill>
+              </a:rPr>
+              <a:t>www</a:t>
+            </a:r>
+            <a:r>
+              <a:rPr lang="pt-BR" sz="2000" dirty="0">
+                <a:solidFill>
+                  <a:schemeClr val="accent5"/>
+                </a:solidFill>
+              </a:rPr>
+              <a:t># </a:t>
+            </a:r>
+            <a:r>
+              <a:rPr lang="pt-BR" sz="2000" dirty="0" err="1">
+                <a:solidFill>
+                  <a:schemeClr val="accent5"/>
+                </a:solidFill>
+              </a:rPr>
+              <a:t>echo</a:t>
+            </a:r>
+            <a:r>
+              <a:rPr lang="pt-BR" sz="2000" dirty="0">
+                <a:solidFill>
+                  <a:schemeClr val="accent5"/>
+                </a:solidFill>
+              </a:rPr>
+              <a:t> "Este arquivo foi criado dentro de um volume" &gt; arquivo1.txt</a:t>
+            </a:r>
+          </a:p>
+          <a:p>
+            <a:pPr lvl="1">
+              <a:buFont typeface="Wingdings" panose="05000000000000000000" pitchFamily="2" charset="2"/>
+              <a:buChar char="Ø"/>
+            </a:pPr>
+            <a:endParaRPr lang="pt-BR" sz="2000" dirty="0">
+              <a:solidFill>
+                <a:schemeClr val="accent5"/>
+              </a:solidFill>
+            </a:endParaRPr>
+          </a:p>
+          <a:p>
+            <a:pPr lvl="2">
+              <a:buFont typeface="Wingdings" panose="05000000000000000000" pitchFamily="2" charset="2"/>
+              <a:buChar char="Ø"/>
+            </a:pPr>
+            <a:endParaRPr lang="pt-BR" sz="1600" dirty="0">
+              <a:solidFill>
+                <a:schemeClr val="accent5"/>
+              </a:solidFill>
+            </a:endParaRPr>
+          </a:p>
+          <a:p>
+            <a:pPr>
+              <a:buFont typeface="Wingdings" panose="05000000000000000000" pitchFamily="2" charset="2"/>
+              <a:buChar char="Ø"/>
+            </a:pPr>
+            <a:endParaRPr lang="pt-BR" sz="2400" dirty="0">
+              <a:solidFill>
+                <a:schemeClr val="accent5"/>
+              </a:solidFill>
+            </a:endParaRPr>
+          </a:p>
+        </p:txBody>
+      </p:sp>
+    </p:spTree>
+    <p:extLst>
+      <p:ext uri="{BB962C8B-B14F-4D97-AF65-F5344CB8AC3E}">
+        <p14:creationId xmlns:p14="http://schemas.microsoft.com/office/powerpoint/2010/main" val="2857905960"/>
+      </p:ext>
+    </p:extLst>
+  </p:cSld>
+  <p:clrMapOvr>
+    <a:masterClrMapping/>
+  </p:clrMapOvr>
+  <p:timing>
+    <p:tnLst>
+      <p:par>
+        <p:cTn id="1" dur="indefinite" restart="never" nodeType="tmRoot"/>
+      </p:par>
+    </p:tnLst>
+  </p:timing>
+</p:sld>
+</file>
+
+<file path=ppt/slides/slide24.xml><?xml version="1.0" encoding="utf-8"?>
+<p:sld xmlns:a="http://schemas.openxmlformats.org/drawingml/2006/main" xmlns:r="http://schemas.openxmlformats.org/officeDocument/2006/relationships" xmlns:p="http://schemas.openxmlformats.org/presentationml/2006/main">
+  <p:cSld>
+    <p:spTree>
+      <p:nvGrpSpPr>
+        <p:cNvPr id="1" name=""/>
+        <p:cNvGrpSpPr/>
+        <p:nvPr/>
+      </p:nvGrpSpPr>
+      <p:grpSpPr>
+        <a:xfrm>
+          <a:off x="0" y="0"/>
+          <a:ext cx="0" cy="0"/>
+          <a:chOff x="0" y="0"/>
+          <a:chExt cx="0" cy="0"/>
+        </a:xfrm>
+      </p:grpSpPr>
+      <p:sp>
+        <p:nvSpPr>
+          <p:cNvPr id="2" name="Título 1"/>
+          <p:cNvSpPr>
+            <a:spLocks noGrp="1"/>
+          </p:cNvSpPr>
+          <p:nvPr>
+            <p:ph type="title"/>
+          </p:nvPr>
+        </p:nvSpPr>
+        <p:spPr>
+          <a:xfrm>
+            <a:off x="115910" y="123288"/>
+            <a:ext cx="11951594" cy="422275"/>
+          </a:xfrm>
+        </p:spPr>
+        <p:txBody>
+          <a:bodyPr vert="horz" lIns="91440" tIns="45720" rIns="91440" bIns="45720" rtlCol="0" anchor="ctr">
+            <a:normAutofit fontScale="90000"/>
+          </a:bodyPr>
+          <a:lstStyle/>
+          <a:p>
+            <a:pPr algn="ctr"/>
+            <a:r>
+              <a:rPr lang="pt-BR" sz="2800" b="1" dirty="0"/>
               <a:t>Volumes no </a:t>
             </a:r>
             <a:r>
@@ -13180,10 +13743,17 @@
   <p:clrMapOvr>
     <a:masterClrMapping/>
   </p:clrMapOvr>
+  <p:timing>
+    <p:tnLst>
+      <p:par>
+        <p:cTn id="1" dur="indefinite" restart="never" nodeType="tmRoot"/>
+      </p:par>
+    </p:tnLst>
+  </p:timing>
 </p:sld>
 </file>
 
-<file path=ppt/slides/slide24.xml><?xml version="1.0" encoding="utf-8"?>
+<file path=ppt/slides/slide25.xml><?xml version="1.0" encoding="utf-8"?>
 <p:sld xmlns:a="http://schemas.openxmlformats.org/drawingml/2006/main" xmlns:r="http://schemas.openxmlformats.org/officeDocument/2006/relationships" xmlns:p="http://schemas.openxmlformats.org/presentationml/2006/main">
   <p:cSld>
     <p:spTree>
@@ -13951,10 +14521,17 @@
   <p:clrMapOvr>
     <a:masterClrMapping/>
   </p:clrMapOvr>
+  <p:timing>
+    <p:tnLst>
+      <p:par>
+        <p:cTn id="1" dur="indefinite" restart="never" nodeType="tmRoot"/>
+      </p:par>
+    </p:tnLst>
+  </p:timing>
 </p:sld>
 </file>
 
-<file path=ppt/slides/slide25.xml><?xml version="1.0" encoding="utf-8"?>
+<file path=ppt/slides/slide26.xml><?xml version="1.0" encoding="utf-8"?>
 <p:sld xmlns:a="http://schemas.openxmlformats.org/drawingml/2006/main" xmlns:r="http://schemas.openxmlformats.org/officeDocument/2006/relationships" xmlns:p="http://schemas.openxmlformats.org/presentationml/2006/main">
   <p:cSld>
     <p:spTree>
@@ -14440,10 +15017,17 @@
   <p:clrMapOvr>
     <a:masterClrMapping/>
   </p:clrMapOvr>
+  <p:timing>
+    <p:tnLst>
+      <p:par>
+        <p:cTn id="1" dur="indefinite" restart="never" nodeType="tmRoot"/>
+      </p:par>
+    </p:tnLst>
+  </p:timing>
 </p:sld>
 </file>
 
-<file path=ppt/slides/slide26.xml><?xml version="1.0" encoding="utf-8"?>
+<file path=ppt/slides/slide27.xml><?xml version="1.0" encoding="utf-8"?>
 <p:sld xmlns:a="http://schemas.openxmlformats.org/drawingml/2006/main" xmlns:r="http://schemas.openxmlformats.org/officeDocument/2006/relationships" xmlns:p="http://schemas.openxmlformats.org/presentationml/2006/main">
   <p:cSld>
     <p:spTree>
@@ -14954,10 +15538,17 @@
   <p:clrMapOvr>
     <a:masterClrMapping/>
   </p:clrMapOvr>
+  <p:timing>
+    <p:tnLst>
+      <p:par>
+        <p:cTn id="1" dur="indefinite" restart="never" nodeType="tmRoot"/>
+      </p:par>
+    </p:tnLst>
+  </p:timing>
 </p:sld>
 </file>
 
-<file path=ppt/slides/slide27.xml><?xml version="1.0" encoding="utf-8"?>
+<file path=ppt/slides/slide28.xml><?xml version="1.0" encoding="utf-8"?>
 <p:sld xmlns:a="http://schemas.openxmlformats.org/drawingml/2006/main" xmlns:r="http://schemas.openxmlformats.org/officeDocument/2006/relationships" xmlns:p="http://schemas.openxmlformats.org/presentationml/2006/main">
   <p:cSld>
     <p:spTree>
@@ -15339,10 +15930,17 @@
   <p:clrMapOvr>
     <a:masterClrMapping/>
   </p:clrMapOvr>
+  <p:timing>
+    <p:tnLst>
+      <p:par>
+        <p:cTn id="1" dur="indefinite" restart="never" nodeType="tmRoot"/>
+      </p:par>
+    </p:tnLst>
+  </p:timing>
 </p:sld>
 </file>
 
-<file path=ppt/slides/slide28.xml><?xml version="1.0" encoding="utf-8"?>
+<file path=ppt/slides/slide29.xml><?xml version="1.0" encoding="utf-8"?>
 <p:sld xmlns:a="http://schemas.openxmlformats.org/drawingml/2006/main" xmlns:r="http://schemas.openxmlformats.org/officeDocument/2006/relationships" xmlns:p="http://schemas.openxmlformats.org/presentationml/2006/main">
   <p:cSld>
     <p:spTree>
@@ -15768,719 +16366,13 @@
   <p:clrMapOvr>
     <a:masterClrMapping/>
   </p:clrMapOvr>
-</p:sld>
-</file>
-
-<file path=ppt/slides/slide29.xml><?xml version="1.0" encoding="utf-8"?>
-<p:sld xmlns:a="http://schemas.openxmlformats.org/drawingml/2006/main" xmlns:r="http://schemas.openxmlformats.org/officeDocument/2006/relationships" xmlns:p="http://schemas.openxmlformats.org/presentationml/2006/main">
-  <p:cSld>
-    <p:spTree>
-      <p:nvGrpSpPr>
-        <p:cNvPr id="1" name=""/>
-        <p:cNvGrpSpPr/>
-        <p:nvPr/>
-      </p:nvGrpSpPr>
-      <p:grpSpPr>
-        <a:xfrm>
-          <a:off x="0" y="0"/>
-          <a:ext cx="0" cy="0"/>
-          <a:chOff x="0" y="0"/>
-          <a:chExt cx="0" cy="0"/>
-        </a:xfrm>
-      </p:grpSpPr>
-      <p:sp>
-        <p:nvSpPr>
-          <p:cNvPr id="5" name="Título 1"/>
-          <p:cNvSpPr>
-            <a:spLocks noGrp="1"/>
-          </p:cNvSpPr>
-          <p:nvPr>
-            <p:ph type="title"/>
-          </p:nvPr>
-        </p:nvSpPr>
-        <p:spPr>
-          <a:xfrm>
-            <a:off x="115910" y="123288"/>
-            <a:ext cx="11951594" cy="422275"/>
-          </a:xfrm>
-        </p:spPr>
-        <p:txBody>
-          <a:bodyPr vert="horz" lIns="91440" tIns="45720" rIns="91440" bIns="45720" rtlCol="0" anchor="ctr">
-            <a:normAutofit fontScale="90000"/>
-          </a:bodyPr>
-          <a:lstStyle/>
-          <a:p>
-            <a:pPr algn="ctr"/>
-            <a:r>
-              <a:rPr lang="pt-BR" sz="2800" b="1" dirty="0"/>
-              <a:t>Redes com </a:t>
-            </a:r>
-            <a:r>
-              <a:rPr lang="pt-BR" sz="2800" b="1" dirty="0" err="1"/>
-              <a:t>Docker</a:t>
-            </a:r>
-            <a:endParaRPr lang="pt-BR" sz="2800" b="1" dirty="0"/>
-          </a:p>
-        </p:txBody>
-      </p:sp>
-      <p:sp>
-        <p:nvSpPr>
-          <p:cNvPr id="4" name="Espaço Reservado para Conteúdo 4"/>
-          <p:cNvSpPr>
-            <a:spLocks noGrp="1"/>
-          </p:cNvSpPr>
-          <p:nvPr>
-            <p:ph idx="1"/>
-          </p:nvPr>
-        </p:nvSpPr>
-        <p:spPr>
-          <a:xfrm>
-            <a:off x="325677" y="545563"/>
-            <a:ext cx="11252005" cy="5943371"/>
-          </a:xfrm>
-        </p:spPr>
-        <p:txBody>
-          <a:bodyPr>
-            <a:normAutofit/>
-          </a:bodyPr>
-          <a:lstStyle/>
-          <a:p>
-            <a:r>
-              <a:rPr lang="pt-BR" sz="1700" dirty="0"/>
-              <a:t>Quando você disponibilizar uma aplicação pelo </a:t>
-            </a:r>
-            <a:r>
-              <a:rPr lang="pt-BR" sz="1700" dirty="0" err="1"/>
-              <a:t>Docker</a:t>
-            </a:r>
-            <a:r>
-              <a:rPr lang="pt-BR" sz="1700" dirty="0"/>
-              <a:t> é interessante que você coloque os containers na mesma rede, através da </a:t>
-            </a:r>
-            <a:r>
-              <a:rPr lang="pt-BR" sz="1700" dirty="0" err="1"/>
-              <a:t>flag</a:t>
-            </a:r>
-            <a:r>
-              <a:rPr lang="pt-BR" sz="1700" dirty="0"/>
-              <a:t> </a:t>
-            </a:r>
-            <a:r>
-              <a:rPr lang="pt-BR" sz="1700" b="1" dirty="0"/>
-              <a:t>--network</a:t>
-            </a:r>
-            <a:r>
-              <a:rPr lang="pt-BR" sz="1700" dirty="0"/>
-              <a:t>. </a:t>
-            </a:r>
-          </a:p>
-          <a:p>
-            <a:endParaRPr lang="pt-BR" sz="1700" dirty="0"/>
-          </a:p>
-          <a:p>
-            <a:pPr marL="742950" lvl="1" indent="-285750">
-              <a:buFont typeface="Wingdings" panose="05000000000000000000" pitchFamily="2" charset="2"/>
-              <a:buChar char="Ø"/>
-            </a:pPr>
-            <a:r>
-              <a:rPr lang="pt-BR" sz="1700" dirty="0" err="1">
-                <a:solidFill>
-                  <a:schemeClr val="accent5"/>
-                </a:solidFill>
-              </a:rPr>
-              <a:t>docker</a:t>
-            </a:r>
-            <a:r>
-              <a:rPr lang="pt-BR" sz="1700" dirty="0">
-                <a:solidFill>
-                  <a:schemeClr val="accent5"/>
-                </a:solidFill>
-              </a:rPr>
-              <a:t> </a:t>
-            </a:r>
-            <a:r>
-              <a:rPr lang="pt-BR" sz="1700" dirty="0" err="1">
-                <a:solidFill>
-                  <a:schemeClr val="accent5"/>
-                </a:solidFill>
-              </a:rPr>
-              <a:t>run</a:t>
-            </a:r>
-            <a:r>
-              <a:rPr lang="pt-BR" sz="1700" dirty="0">
-                <a:solidFill>
-                  <a:schemeClr val="accent5"/>
-                </a:solidFill>
-              </a:rPr>
-              <a:t> -it --</a:t>
-            </a:r>
-            <a:r>
-              <a:rPr lang="pt-BR" sz="1700" dirty="0" err="1">
-                <a:solidFill>
-                  <a:schemeClr val="accent5"/>
-                </a:solidFill>
-              </a:rPr>
-              <a:t>name</a:t>
-            </a:r>
-            <a:r>
-              <a:rPr lang="pt-BR" sz="1700" dirty="0">
-                <a:solidFill>
-                  <a:schemeClr val="accent5"/>
-                </a:solidFill>
-              </a:rPr>
-              <a:t> meu-container-de-</a:t>
-            </a:r>
-            <a:r>
-              <a:rPr lang="pt-BR" sz="1700" dirty="0" err="1">
-                <a:solidFill>
-                  <a:schemeClr val="accent5"/>
-                </a:solidFill>
-              </a:rPr>
-              <a:t>ubuntu</a:t>
-            </a:r>
-            <a:r>
-              <a:rPr lang="pt-BR" sz="1700" dirty="0">
-                <a:solidFill>
-                  <a:schemeClr val="accent5"/>
-                </a:solidFill>
-              </a:rPr>
-              <a:t> --network minha-rede </a:t>
-            </a:r>
-            <a:r>
-              <a:rPr lang="pt-BR" sz="1700" dirty="0" err="1">
-                <a:solidFill>
-                  <a:schemeClr val="accent5"/>
-                </a:solidFill>
-              </a:rPr>
-              <a:t>ubuntu</a:t>
-            </a:r>
-            <a:endParaRPr lang="pt-BR" sz="1700" dirty="0">
-              <a:solidFill>
-                <a:schemeClr val="accent5"/>
-              </a:solidFill>
-            </a:endParaRPr>
-          </a:p>
-          <a:p>
-            <a:pPr marL="742950" lvl="1" indent="-285750">
-              <a:buFont typeface="Wingdings" panose="05000000000000000000" pitchFamily="2" charset="2"/>
-              <a:buChar char="Ø"/>
-            </a:pPr>
-            <a:endParaRPr lang="pt-BR" sz="1700" dirty="0">
-              <a:solidFill>
-                <a:schemeClr val="accent5"/>
-              </a:solidFill>
-            </a:endParaRPr>
-          </a:p>
-          <a:p>
-            <a:r>
-              <a:rPr lang="pt-BR" sz="1700" dirty="0"/>
-              <a:t>Agora, se executarmos o comando </a:t>
-            </a:r>
-            <a:r>
-              <a:rPr lang="pt-BR" sz="1700" b="1" dirty="0" err="1"/>
-              <a:t>docker</a:t>
-            </a:r>
-            <a:r>
-              <a:rPr lang="pt-BR" sz="1700" b="1" dirty="0"/>
-              <a:t> </a:t>
-            </a:r>
-            <a:r>
-              <a:rPr lang="pt-BR" sz="1700" b="1" dirty="0" err="1"/>
-              <a:t>inspect</a:t>
-            </a:r>
-            <a:r>
-              <a:rPr lang="pt-BR" sz="1700" b="1" dirty="0"/>
-              <a:t> meu-container-de-</a:t>
-            </a:r>
-            <a:r>
-              <a:rPr lang="pt-BR" sz="1700" b="1" dirty="0" err="1"/>
-              <a:t>ubuntu</a:t>
-            </a:r>
-            <a:r>
-              <a:rPr lang="pt-BR" sz="1700" dirty="0"/>
-              <a:t>, podemos ver em </a:t>
-            </a:r>
-            <a:r>
-              <a:rPr lang="pt-BR" sz="1700" b="1" dirty="0" err="1"/>
-              <a:t>NetworkSettings</a:t>
-            </a:r>
-            <a:r>
-              <a:rPr lang="pt-BR" sz="1700" dirty="0"/>
-              <a:t> o container está na rede </a:t>
-            </a:r>
-            <a:r>
-              <a:rPr lang="pt-BR" sz="1700" b="1" dirty="0"/>
-              <a:t>minha-rede</a:t>
-            </a:r>
-            <a:r>
-              <a:rPr lang="pt-BR" sz="1700" dirty="0"/>
-              <a:t>. E para testar a comunicação entre os containers na nossa rede, vamos abrir outro terminal e criar um segundo container:</a:t>
-            </a:r>
-          </a:p>
-          <a:p>
-            <a:endParaRPr lang="pt-BR" sz="1700" dirty="0"/>
-          </a:p>
-          <a:p>
-            <a:pPr marL="742950" lvl="1" indent="-285750">
-              <a:buFont typeface="Wingdings" panose="05000000000000000000" pitchFamily="2" charset="2"/>
-              <a:buChar char="Ø"/>
-            </a:pPr>
-            <a:r>
-              <a:rPr lang="pt-BR" sz="1700" dirty="0" err="1">
-                <a:solidFill>
-                  <a:schemeClr val="accent5"/>
-                </a:solidFill>
-              </a:rPr>
-              <a:t>docker</a:t>
-            </a:r>
-            <a:r>
-              <a:rPr lang="pt-BR" sz="1700" dirty="0">
-                <a:solidFill>
-                  <a:schemeClr val="accent5"/>
-                </a:solidFill>
-              </a:rPr>
-              <a:t> </a:t>
-            </a:r>
-            <a:r>
-              <a:rPr lang="pt-BR" sz="1700" dirty="0" err="1">
-                <a:solidFill>
-                  <a:schemeClr val="accent5"/>
-                </a:solidFill>
-              </a:rPr>
-              <a:t>run</a:t>
-            </a:r>
-            <a:r>
-              <a:rPr lang="pt-BR" sz="1700" dirty="0">
-                <a:solidFill>
-                  <a:schemeClr val="accent5"/>
-                </a:solidFill>
-              </a:rPr>
-              <a:t> -it --</a:t>
-            </a:r>
-            <a:r>
-              <a:rPr lang="pt-BR" sz="1700" dirty="0" err="1">
-                <a:solidFill>
-                  <a:schemeClr val="accent5"/>
-                </a:solidFill>
-              </a:rPr>
-              <a:t>name</a:t>
-            </a:r>
-            <a:r>
-              <a:rPr lang="pt-BR" sz="1700" dirty="0">
-                <a:solidFill>
-                  <a:schemeClr val="accent5"/>
-                </a:solidFill>
-              </a:rPr>
-              <a:t> segundo-</a:t>
-            </a:r>
-            <a:r>
-              <a:rPr lang="pt-BR" sz="1700" dirty="0" err="1">
-                <a:solidFill>
-                  <a:schemeClr val="accent5"/>
-                </a:solidFill>
-              </a:rPr>
-              <a:t>ubuntu</a:t>
-            </a:r>
-            <a:r>
-              <a:rPr lang="pt-BR" sz="1700" dirty="0">
-                <a:solidFill>
-                  <a:schemeClr val="accent5"/>
-                </a:solidFill>
-              </a:rPr>
-              <a:t> --network minha-rede </a:t>
-            </a:r>
-            <a:r>
-              <a:rPr lang="pt-BR" sz="1700" dirty="0" err="1">
-                <a:solidFill>
-                  <a:schemeClr val="accent5"/>
-                </a:solidFill>
-              </a:rPr>
-              <a:t>ubuntu</a:t>
-            </a:r>
-            <a:endParaRPr lang="pt-BR" sz="1700" dirty="0">
-              <a:solidFill>
-                <a:schemeClr val="accent5"/>
-              </a:solidFill>
-            </a:endParaRPr>
-          </a:p>
-          <a:p>
-            <a:r>
-              <a:rPr lang="pt-BR" sz="1700" dirty="0"/>
-              <a:t>Agora, no segundo-</a:t>
-            </a:r>
-            <a:r>
-              <a:rPr lang="pt-BR" sz="1700" dirty="0" err="1"/>
-              <a:t>ubuntu</a:t>
-            </a:r>
-            <a:r>
-              <a:rPr lang="pt-BR" sz="1700" dirty="0"/>
-              <a:t>, instalamos o </a:t>
-            </a:r>
-            <a:r>
-              <a:rPr lang="pt-BR" sz="1700" dirty="0" err="1"/>
-              <a:t>ping</a:t>
-            </a:r>
-            <a:r>
-              <a:rPr lang="pt-BR" sz="1700" dirty="0"/>
-              <a:t> e testamos a comunicação com o meu-container-de-</a:t>
-            </a:r>
-            <a:r>
-              <a:rPr lang="pt-BR" sz="1700" dirty="0" err="1"/>
-              <a:t>ubuntu</a:t>
-            </a:r>
-            <a:r>
-              <a:rPr lang="pt-BR" sz="1700" dirty="0"/>
-              <a:t>:</a:t>
-            </a:r>
-          </a:p>
-          <a:p>
-            <a:endParaRPr lang="pt-BR" sz="1600" dirty="0"/>
-          </a:p>
-          <a:p>
-            <a:pPr marL="742950" lvl="1" indent="-285750">
-              <a:buFont typeface="Wingdings" panose="05000000000000000000" pitchFamily="2" charset="2"/>
-              <a:buChar char="Ø"/>
-            </a:pPr>
-            <a:r>
-              <a:rPr lang="pt-BR" sz="1700" dirty="0">
-                <a:solidFill>
-                  <a:schemeClr val="accent5"/>
-                </a:solidFill>
-              </a:rPr>
-              <a:t>root@00f93075d079:/# </a:t>
-            </a:r>
-            <a:r>
-              <a:rPr lang="pt-BR" sz="1700" dirty="0" err="1">
-                <a:solidFill>
-                  <a:schemeClr val="accent5"/>
-                </a:solidFill>
-              </a:rPr>
-              <a:t>ping</a:t>
-            </a:r>
-            <a:r>
-              <a:rPr lang="pt-BR" sz="1700" dirty="0">
-                <a:solidFill>
-                  <a:schemeClr val="accent5"/>
-                </a:solidFill>
-              </a:rPr>
-              <a:t> meu-container-de-</a:t>
-            </a:r>
-            <a:r>
-              <a:rPr lang="pt-BR" sz="1700" dirty="0" err="1">
-                <a:solidFill>
-                  <a:schemeClr val="accent5"/>
-                </a:solidFill>
-              </a:rPr>
-              <a:t>ubuntu</a:t>
-            </a:r>
-            <a:endParaRPr lang="pt-BR" sz="1700" dirty="0">
-              <a:solidFill>
-                <a:schemeClr val="accent5"/>
-              </a:solidFill>
-            </a:endParaRPr>
-          </a:p>
-          <a:p>
-            <a:pPr marL="457200" lvl="1" indent="0">
-              <a:buNone/>
-            </a:pPr>
-            <a:r>
-              <a:rPr lang="pt-BR" sz="1400" dirty="0"/>
-              <a:t>PING meu-container-de-</a:t>
-            </a:r>
-            <a:r>
-              <a:rPr lang="pt-BR" sz="1400" dirty="0" err="1"/>
-              <a:t>ubuntu</a:t>
-            </a:r>
-            <a:r>
-              <a:rPr lang="pt-BR" sz="1400" dirty="0"/>
-              <a:t> (172.18.0.2) 56(84) bytes </a:t>
-            </a:r>
-            <a:r>
-              <a:rPr lang="pt-BR" sz="1400" dirty="0" err="1"/>
-              <a:t>of</a:t>
-            </a:r>
-            <a:r>
-              <a:rPr lang="pt-BR" sz="1400" dirty="0"/>
-              <a:t> data.</a:t>
-            </a:r>
-          </a:p>
-          <a:p>
-            <a:pPr marL="457200" lvl="1" indent="0">
-              <a:buNone/>
-            </a:pPr>
-            <a:r>
-              <a:rPr lang="pt-BR" sz="1400" dirty="0"/>
-              <a:t>64 bytes </a:t>
-            </a:r>
-            <a:r>
-              <a:rPr lang="pt-BR" sz="1400" dirty="0" err="1"/>
-              <a:t>from</a:t>
-            </a:r>
-            <a:r>
-              <a:rPr lang="pt-BR" sz="1400" dirty="0"/>
-              <a:t> meu-container-de-</a:t>
-            </a:r>
-            <a:r>
-              <a:rPr lang="pt-BR" sz="1400" dirty="0" err="1"/>
-              <a:t>ubuntu.minha</a:t>
-            </a:r>
-            <a:r>
-              <a:rPr lang="pt-BR" sz="1400" dirty="0"/>
-              <a:t>-rede (172.18.0.2): </a:t>
-            </a:r>
-            <a:r>
-              <a:rPr lang="pt-BR" sz="1400" dirty="0" err="1"/>
-              <a:t>icmp_seq</a:t>
-            </a:r>
-            <a:r>
-              <a:rPr lang="pt-BR" sz="1400" dirty="0"/>
-              <a:t>=1 </a:t>
-            </a:r>
-            <a:r>
-              <a:rPr lang="pt-BR" sz="1400" dirty="0" err="1"/>
-              <a:t>ttl</a:t>
-            </a:r>
-            <a:r>
-              <a:rPr lang="pt-BR" sz="1400" dirty="0"/>
-              <a:t>=64 time=0.210 </a:t>
-            </a:r>
-            <a:r>
-              <a:rPr lang="pt-BR" sz="1400" dirty="0" err="1"/>
-              <a:t>ms</a:t>
-            </a:r>
-            <a:endParaRPr lang="pt-BR" sz="1400" dirty="0"/>
-          </a:p>
-          <a:p>
-            <a:pPr marL="457200" lvl="1" indent="0">
-              <a:buNone/>
-            </a:pPr>
-            <a:r>
-              <a:rPr lang="pt-BR" sz="1400" dirty="0"/>
-              <a:t>64 bytes </a:t>
-            </a:r>
-            <a:r>
-              <a:rPr lang="pt-BR" sz="1400" dirty="0" err="1"/>
-              <a:t>from</a:t>
-            </a:r>
-            <a:r>
-              <a:rPr lang="pt-BR" sz="1400" dirty="0"/>
-              <a:t> meu-container-de-</a:t>
-            </a:r>
-            <a:r>
-              <a:rPr lang="pt-BR" sz="1400" dirty="0" err="1"/>
-              <a:t>ubuntu.minha</a:t>
-            </a:r>
-            <a:r>
-              <a:rPr lang="pt-BR" sz="1400" dirty="0"/>
-              <a:t>-rede (172.18.0.2): </a:t>
-            </a:r>
-            <a:r>
-              <a:rPr lang="pt-BR" sz="1400" dirty="0" err="1"/>
-              <a:t>icmp_seq</a:t>
-            </a:r>
-            <a:r>
-              <a:rPr lang="pt-BR" sz="1400" dirty="0"/>
-              <a:t>=2 </a:t>
-            </a:r>
-            <a:r>
-              <a:rPr lang="pt-BR" sz="1400" dirty="0" err="1"/>
-              <a:t>ttl</a:t>
-            </a:r>
-            <a:r>
-              <a:rPr lang="pt-BR" sz="1400" dirty="0"/>
-              <a:t>=64 time=0.148 </a:t>
-            </a:r>
-            <a:r>
-              <a:rPr lang="pt-BR" sz="1400" dirty="0" err="1"/>
-              <a:t>ms</a:t>
-            </a:r>
-            <a:endParaRPr lang="pt-BR" sz="1400" dirty="0"/>
-          </a:p>
-          <a:p>
-            <a:pPr marL="457200" lvl="1" indent="0">
-              <a:buNone/>
-            </a:pPr>
-            <a:r>
-              <a:rPr lang="pt-BR" sz="1400" dirty="0"/>
-              <a:t>64 bytes </a:t>
-            </a:r>
-            <a:r>
-              <a:rPr lang="pt-BR" sz="1400" dirty="0" err="1"/>
-              <a:t>from</a:t>
-            </a:r>
-            <a:r>
-              <a:rPr lang="pt-BR" sz="1400" dirty="0"/>
-              <a:t> meu-container-de-</a:t>
-            </a:r>
-            <a:r>
-              <a:rPr lang="pt-BR" sz="1400" dirty="0" err="1"/>
-              <a:t>ubuntu.minha</a:t>
-            </a:r>
-            <a:r>
-              <a:rPr lang="pt-BR" sz="1400" dirty="0"/>
-              <a:t>-rede (172.18.0.2): </a:t>
-            </a:r>
-            <a:r>
-              <a:rPr lang="pt-BR" sz="1400" dirty="0" err="1"/>
-              <a:t>icmp_seq</a:t>
-            </a:r>
-            <a:r>
-              <a:rPr lang="pt-BR" sz="1400" dirty="0"/>
-              <a:t>=3 </a:t>
-            </a:r>
-            <a:r>
-              <a:rPr lang="pt-BR" sz="1400" dirty="0" err="1"/>
-              <a:t>ttl</a:t>
-            </a:r>
-            <a:r>
-              <a:rPr lang="pt-BR" sz="1400" dirty="0"/>
-              <a:t>=64 time=0.138 </a:t>
-            </a:r>
-            <a:r>
-              <a:rPr lang="pt-BR" sz="1400" dirty="0" err="1"/>
-              <a:t>ms</a:t>
-            </a:r>
-            <a:endParaRPr lang="pt-BR" sz="1400" dirty="0"/>
-          </a:p>
-          <a:p>
-            <a:pPr marL="457200" lvl="1" indent="0">
-              <a:buNone/>
-            </a:pPr>
-            <a:r>
-              <a:rPr lang="pt-BR" sz="1400" dirty="0"/>
-              <a:t>--- meu-container-de-</a:t>
-            </a:r>
-            <a:r>
-              <a:rPr lang="pt-BR" sz="1400" dirty="0" err="1"/>
-              <a:t>ubuntu</a:t>
-            </a:r>
-            <a:r>
-              <a:rPr lang="pt-BR" sz="1400" dirty="0"/>
-              <a:t> </a:t>
-            </a:r>
-            <a:r>
-              <a:rPr lang="pt-BR" sz="1400" dirty="0" err="1"/>
-              <a:t>ping</a:t>
-            </a:r>
-            <a:r>
-              <a:rPr lang="pt-BR" sz="1400" dirty="0"/>
-              <a:t> </a:t>
-            </a:r>
-            <a:r>
-              <a:rPr lang="pt-BR" sz="1400" dirty="0" err="1"/>
-              <a:t>statistics</a:t>
-            </a:r>
-            <a:r>
-              <a:rPr lang="pt-BR" sz="1400" dirty="0"/>
-              <a:t> ---</a:t>
-            </a:r>
-          </a:p>
-          <a:p>
-            <a:pPr marL="457200" lvl="1" indent="0">
-              <a:buNone/>
-            </a:pPr>
-            <a:r>
-              <a:rPr lang="pt-BR" sz="1400" dirty="0"/>
-              <a:t>3 </a:t>
-            </a:r>
-            <a:r>
-              <a:rPr lang="pt-BR" sz="1400" dirty="0" err="1"/>
-              <a:t>packets</a:t>
-            </a:r>
-            <a:r>
-              <a:rPr lang="pt-BR" sz="1400" dirty="0"/>
-              <a:t> </a:t>
-            </a:r>
-            <a:r>
-              <a:rPr lang="pt-BR" sz="1400" dirty="0" err="1"/>
-              <a:t>transmitted</a:t>
-            </a:r>
-            <a:r>
-              <a:rPr lang="pt-BR" sz="1400" dirty="0"/>
-              <a:t>, 3 </a:t>
-            </a:r>
-            <a:r>
-              <a:rPr lang="pt-BR" sz="1400" dirty="0" err="1"/>
-              <a:t>received</a:t>
-            </a:r>
-            <a:r>
-              <a:rPr lang="pt-BR" sz="1400" dirty="0"/>
-              <a:t>, 0% </a:t>
-            </a:r>
-            <a:r>
-              <a:rPr lang="pt-BR" sz="1400" dirty="0" err="1"/>
-              <a:t>packet</a:t>
-            </a:r>
-            <a:r>
-              <a:rPr lang="pt-BR" sz="1400" dirty="0"/>
-              <a:t> </a:t>
-            </a:r>
-            <a:r>
-              <a:rPr lang="pt-BR" sz="1400" dirty="0" err="1"/>
-              <a:t>loss</a:t>
-            </a:r>
-            <a:r>
-              <a:rPr lang="pt-BR" sz="1400" dirty="0"/>
-              <a:t>, time 2000ms</a:t>
-            </a:r>
-          </a:p>
-          <a:p>
-            <a:pPr marL="457200" lvl="1" indent="0">
-              <a:buNone/>
-            </a:pPr>
-            <a:r>
-              <a:rPr lang="pt-BR" sz="1400" dirty="0" err="1"/>
-              <a:t>rtt</a:t>
-            </a:r>
-            <a:r>
-              <a:rPr lang="pt-BR" sz="1400" dirty="0"/>
-              <a:t> min/</a:t>
-            </a:r>
-            <a:r>
-              <a:rPr lang="pt-BR" sz="1400" dirty="0" err="1"/>
-              <a:t>avg</a:t>
-            </a:r>
-            <a:r>
-              <a:rPr lang="pt-BR" sz="1400" dirty="0"/>
-              <a:t>/</a:t>
-            </a:r>
-            <a:r>
-              <a:rPr lang="pt-BR" sz="1400" dirty="0" err="1"/>
-              <a:t>max</a:t>
-            </a:r>
-            <a:r>
-              <a:rPr lang="pt-BR" sz="1400" dirty="0"/>
-              <a:t>/</a:t>
-            </a:r>
-            <a:r>
-              <a:rPr lang="pt-BR" sz="1400" dirty="0" err="1"/>
-              <a:t>mdev</a:t>
-            </a:r>
-            <a:r>
-              <a:rPr lang="pt-BR" sz="1400" dirty="0"/>
-              <a:t> = 0.138/0.165/0.210/0.033 </a:t>
-            </a:r>
-            <a:r>
-              <a:rPr lang="pt-BR" sz="1400" dirty="0" err="1"/>
-              <a:t>ms</a:t>
-            </a:r>
-            <a:endParaRPr lang="pt-BR" sz="1400" dirty="0"/>
-          </a:p>
-          <a:p>
-            <a:endParaRPr lang="pt-BR" sz="1600" dirty="0"/>
-          </a:p>
-        </p:txBody>
-      </p:sp>
-    </p:spTree>
-    <p:extLst>
-      <p:ext uri="{BB962C8B-B14F-4D97-AF65-F5344CB8AC3E}">
-        <p14:creationId xmlns:p14="http://schemas.microsoft.com/office/powerpoint/2010/main" val="4236748709"/>
-      </p:ext>
-    </p:extLst>
-  </p:cSld>
-  <p:clrMapOvr>
-    <a:masterClrMapping/>
-  </p:clrMapOvr>
+  <p:timing>
+    <p:tnLst>
+      <p:par>
+        <p:cTn id="1" dur="indefinite" restart="never" nodeType="tmRoot"/>
+      </p:par>
+    </p:tnLst>
+  </p:timing>
 </p:sld>
 </file>
 
@@ -17420,6 +17312,726 @@
       </p:grpSpPr>
       <p:sp>
         <p:nvSpPr>
+          <p:cNvPr id="5" name="Título 1"/>
+          <p:cNvSpPr>
+            <a:spLocks noGrp="1"/>
+          </p:cNvSpPr>
+          <p:nvPr>
+            <p:ph type="title"/>
+          </p:nvPr>
+        </p:nvSpPr>
+        <p:spPr>
+          <a:xfrm>
+            <a:off x="115910" y="123288"/>
+            <a:ext cx="11951594" cy="422275"/>
+          </a:xfrm>
+        </p:spPr>
+        <p:txBody>
+          <a:bodyPr vert="horz" lIns="91440" tIns="45720" rIns="91440" bIns="45720" rtlCol="0" anchor="ctr">
+            <a:normAutofit fontScale="90000"/>
+          </a:bodyPr>
+          <a:lstStyle/>
+          <a:p>
+            <a:pPr algn="ctr"/>
+            <a:r>
+              <a:rPr lang="pt-BR" sz="2800" b="1" dirty="0"/>
+              <a:t>Redes com </a:t>
+            </a:r>
+            <a:r>
+              <a:rPr lang="pt-BR" sz="2800" b="1" dirty="0" err="1"/>
+              <a:t>Docker</a:t>
+            </a:r>
+            <a:endParaRPr lang="pt-BR" sz="2800" b="1" dirty="0"/>
+          </a:p>
+        </p:txBody>
+      </p:sp>
+      <p:sp>
+        <p:nvSpPr>
+          <p:cNvPr id="4" name="Espaço Reservado para Conteúdo 4"/>
+          <p:cNvSpPr>
+            <a:spLocks noGrp="1"/>
+          </p:cNvSpPr>
+          <p:nvPr>
+            <p:ph idx="1"/>
+          </p:nvPr>
+        </p:nvSpPr>
+        <p:spPr>
+          <a:xfrm>
+            <a:off x="325677" y="545563"/>
+            <a:ext cx="11252005" cy="5943371"/>
+          </a:xfrm>
+        </p:spPr>
+        <p:txBody>
+          <a:bodyPr>
+            <a:normAutofit/>
+          </a:bodyPr>
+          <a:lstStyle/>
+          <a:p>
+            <a:r>
+              <a:rPr lang="pt-BR" sz="1700" dirty="0"/>
+              <a:t>Quando você disponibilizar uma aplicação pelo </a:t>
+            </a:r>
+            <a:r>
+              <a:rPr lang="pt-BR" sz="1700" dirty="0" err="1"/>
+              <a:t>Docker</a:t>
+            </a:r>
+            <a:r>
+              <a:rPr lang="pt-BR" sz="1700" dirty="0"/>
+              <a:t> é interessante que você coloque os containers na mesma rede, através da </a:t>
+            </a:r>
+            <a:r>
+              <a:rPr lang="pt-BR" sz="1700" dirty="0" err="1"/>
+              <a:t>flag</a:t>
+            </a:r>
+            <a:r>
+              <a:rPr lang="pt-BR" sz="1700" dirty="0"/>
+              <a:t> </a:t>
+            </a:r>
+            <a:r>
+              <a:rPr lang="pt-BR" sz="1700" b="1" dirty="0"/>
+              <a:t>--network</a:t>
+            </a:r>
+            <a:r>
+              <a:rPr lang="pt-BR" sz="1700" dirty="0"/>
+              <a:t>. </a:t>
+            </a:r>
+          </a:p>
+          <a:p>
+            <a:endParaRPr lang="pt-BR" sz="1700" dirty="0"/>
+          </a:p>
+          <a:p>
+            <a:pPr marL="742950" lvl="1" indent="-285750">
+              <a:buFont typeface="Wingdings" panose="05000000000000000000" pitchFamily="2" charset="2"/>
+              <a:buChar char="Ø"/>
+            </a:pPr>
+            <a:r>
+              <a:rPr lang="pt-BR" sz="1700" dirty="0" err="1">
+                <a:solidFill>
+                  <a:schemeClr val="accent5"/>
+                </a:solidFill>
+              </a:rPr>
+              <a:t>docker</a:t>
+            </a:r>
+            <a:r>
+              <a:rPr lang="pt-BR" sz="1700" dirty="0">
+                <a:solidFill>
+                  <a:schemeClr val="accent5"/>
+                </a:solidFill>
+              </a:rPr>
+              <a:t> </a:t>
+            </a:r>
+            <a:r>
+              <a:rPr lang="pt-BR" sz="1700" dirty="0" err="1">
+                <a:solidFill>
+                  <a:schemeClr val="accent5"/>
+                </a:solidFill>
+              </a:rPr>
+              <a:t>run</a:t>
+            </a:r>
+            <a:r>
+              <a:rPr lang="pt-BR" sz="1700" dirty="0">
+                <a:solidFill>
+                  <a:schemeClr val="accent5"/>
+                </a:solidFill>
+              </a:rPr>
+              <a:t> -it --</a:t>
+            </a:r>
+            <a:r>
+              <a:rPr lang="pt-BR" sz="1700" dirty="0" err="1">
+                <a:solidFill>
+                  <a:schemeClr val="accent5"/>
+                </a:solidFill>
+              </a:rPr>
+              <a:t>name</a:t>
+            </a:r>
+            <a:r>
+              <a:rPr lang="pt-BR" sz="1700" dirty="0">
+                <a:solidFill>
+                  <a:schemeClr val="accent5"/>
+                </a:solidFill>
+              </a:rPr>
+              <a:t> meu-container-de-</a:t>
+            </a:r>
+            <a:r>
+              <a:rPr lang="pt-BR" sz="1700" dirty="0" err="1">
+                <a:solidFill>
+                  <a:schemeClr val="accent5"/>
+                </a:solidFill>
+              </a:rPr>
+              <a:t>ubuntu</a:t>
+            </a:r>
+            <a:r>
+              <a:rPr lang="pt-BR" sz="1700" dirty="0">
+                <a:solidFill>
+                  <a:schemeClr val="accent5"/>
+                </a:solidFill>
+              </a:rPr>
+              <a:t> --network minha-rede </a:t>
+            </a:r>
+            <a:r>
+              <a:rPr lang="pt-BR" sz="1700" dirty="0" err="1">
+                <a:solidFill>
+                  <a:schemeClr val="accent5"/>
+                </a:solidFill>
+              </a:rPr>
+              <a:t>ubuntu</a:t>
+            </a:r>
+            <a:endParaRPr lang="pt-BR" sz="1700" dirty="0">
+              <a:solidFill>
+                <a:schemeClr val="accent5"/>
+              </a:solidFill>
+            </a:endParaRPr>
+          </a:p>
+          <a:p>
+            <a:pPr marL="742950" lvl="1" indent="-285750">
+              <a:buFont typeface="Wingdings" panose="05000000000000000000" pitchFamily="2" charset="2"/>
+              <a:buChar char="Ø"/>
+            </a:pPr>
+            <a:endParaRPr lang="pt-BR" sz="1700" dirty="0">
+              <a:solidFill>
+                <a:schemeClr val="accent5"/>
+              </a:solidFill>
+            </a:endParaRPr>
+          </a:p>
+          <a:p>
+            <a:r>
+              <a:rPr lang="pt-BR" sz="1700" dirty="0"/>
+              <a:t>Agora, se executarmos o comando </a:t>
+            </a:r>
+            <a:r>
+              <a:rPr lang="pt-BR" sz="1700" b="1" dirty="0" err="1"/>
+              <a:t>docker</a:t>
+            </a:r>
+            <a:r>
+              <a:rPr lang="pt-BR" sz="1700" b="1" dirty="0"/>
+              <a:t> </a:t>
+            </a:r>
+            <a:r>
+              <a:rPr lang="pt-BR" sz="1700" b="1" dirty="0" err="1"/>
+              <a:t>inspect</a:t>
+            </a:r>
+            <a:r>
+              <a:rPr lang="pt-BR" sz="1700" b="1" dirty="0"/>
+              <a:t> meu-container-de-</a:t>
+            </a:r>
+            <a:r>
+              <a:rPr lang="pt-BR" sz="1700" b="1" dirty="0" err="1"/>
+              <a:t>ubuntu</a:t>
+            </a:r>
+            <a:r>
+              <a:rPr lang="pt-BR" sz="1700" dirty="0"/>
+              <a:t>, podemos ver em </a:t>
+            </a:r>
+            <a:r>
+              <a:rPr lang="pt-BR" sz="1700" b="1" dirty="0" err="1"/>
+              <a:t>NetworkSettings</a:t>
+            </a:r>
+            <a:r>
+              <a:rPr lang="pt-BR" sz="1700" dirty="0"/>
+              <a:t> o container está na rede </a:t>
+            </a:r>
+            <a:r>
+              <a:rPr lang="pt-BR" sz="1700" b="1" dirty="0"/>
+              <a:t>minha-rede</a:t>
+            </a:r>
+            <a:r>
+              <a:rPr lang="pt-BR" sz="1700" dirty="0"/>
+              <a:t>. E para testar a comunicação entre os containers na nossa rede, vamos abrir outro terminal e criar um segundo container:</a:t>
+            </a:r>
+          </a:p>
+          <a:p>
+            <a:endParaRPr lang="pt-BR" sz="1700" dirty="0"/>
+          </a:p>
+          <a:p>
+            <a:pPr marL="742950" lvl="1" indent="-285750">
+              <a:buFont typeface="Wingdings" panose="05000000000000000000" pitchFamily="2" charset="2"/>
+              <a:buChar char="Ø"/>
+            </a:pPr>
+            <a:r>
+              <a:rPr lang="pt-BR" sz="1700" dirty="0" err="1">
+                <a:solidFill>
+                  <a:schemeClr val="accent5"/>
+                </a:solidFill>
+              </a:rPr>
+              <a:t>docker</a:t>
+            </a:r>
+            <a:r>
+              <a:rPr lang="pt-BR" sz="1700" dirty="0">
+                <a:solidFill>
+                  <a:schemeClr val="accent5"/>
+                </a:solidFill>
+              </a:rPr>
+              <a:t> </a:t>
+            </a:r>
+            <a:r>
+              <a:rPr lang="pt-BR" sz="1700" dirty="0" err="1">
+                <a:solidFill>
+                  <a:schemeClr val="accent5"/>
+                </a:solidFill>
+              </a:rPr>
+              <a:t>run</a:t>
+            </a:r>
+            <a:r>
+              <a:rPr lang="pt-BR" sz="1700" dirty="0">
+                <a:solidFill>
+                  <a:schemeClr val="accent5"/>
+                </a:solidFill>
+              </a:rPr>
+              <a:t> -it --</a:t>
+            </a:r>
+            <a:r>
+              <a:rPr lang="pt-BR" sz="1700" dirty="0" err="1">
+                <a:solidFill>
+                  <a:schemeClr val="accent5"/>
+                </a:solidFill>
+              </a:rPr>
+              <a:t>name</a:t>
+            </a:r>
+            <a:r>
+              <a:rPr lang="pt-BR" sz="1700" dirty="0">
+                <a:solidFill>
+                  <a:schemeClr val="accent5"/>
+                </a:solidFill>
+              </a:rPr>
+              <a:t> segundo-</a:t>
+            </a:r>
+            <a:r>
+              <a:rPr lang="pt-BR" sz="1700" dirty="0" err="1">
+                <a:solidFill>
+                  <a:schemeClr val="accent5"/>
+                </a:solidFill>
+              </a:rPr>
+              <a:t>ubuntu</a:t>
+            </a:r>
+            <a:r>
+              <a:rPr lang="pt-BR" sz="1700" dirty="0">
+                <a:solidFill>
+                  <a:schemeClr val="accent5"/>
+                </a:solidFill>
+              </a:rPr>
+              <a:t> --network minha-rede </a:t>
+            </a:r>
+            <a:r>
+              <a:rPr lang="pt-BR" sz="1700" dirty="0" err="1">
+                <a:solidFill>
+                  <a:schemeClr val="accent5"/>
+                </a:solidFill>
+              </a:rPr>
+              <a:t>ubuntu</a:t>
+            </a:r>
+            <a:endParaRPr lang="pt-BR" sz="1700" dirty="0">
+              <a:solidFill>
+                <a:schemeClr val="accent5"/>
+              </a:solidFill>
+            </a:endParaRPr>
+          </a:p>
+          <a:p>
+            <a:r>
+              <a:rPr lang="pt-BR" sz="1700" dirty="0"/>
+              <a:t>Agora, no segundo-</a:t>
+            </a:r>
+            <a:r>
+              <a:rPr lang="pt-BR" sz="1700" dirty="0" err="1"/>
+              <a:t>ubuntu</a:t>
+            </a:r>
+            <a:r>
+              <a:rPr lang="pt-BR" sz="1700" dirty="0"/>
+              <a:t>, instalamos o </a:t>
+            </a:r>
+            <a:r>
+              <a:rPr lang="pt-BR" sz="1700" dirty="0" err="1"/>
+              <a:t>ping</a:t>
+            </a:r>
+            <a:r>
+              <a:rPr lang="pt-BR" sz="1700" dirty="0"/>
+              <a:t> e testamos a comunicação com o meu-container-de-</a:t>
+            </a:r>
+            <a:r>
+              <a:rPr lang="pt-BR" sz="1700" dirty="0" err="1"/>
+              <a:t>ubuntu</a:t>
+            </a:r>
+            <a:r>
+              <a:rPr lang="pt-BR" sz="1700" dirty="0"/>
+              <a:t>:</a:t>
+            </a:r>
+          </a:p>
+          <a:p>
+            <a:endParaRPr lang="pt-BR" sz="1600" dirty="0"/>
+          </a:p>
+          <a:p>
+            <a:pPr marL="742950" lvl="1" indent="-285750">
+              <a:buFont typeface="Wingdings" panose="05000000000000000000" pitchFamily="2" charset="2"/>
+              <a:buChar char="Ø"/>
+            </a:pPr>
+            <a:r>
+              <a:rPr lang="pt-BR" sz="1700" dirty="0">
+                <a:solidFill>
+                  <a:schemeClr val="accent5"/>
+                </a:solidFill>
+              </a:rPr>
+              <a:t>root@00f93075d079:/# </a:t>
+            </a:r>
+            <a:r>
+              <a:rPr lang="pt-BR" sz="1700" dirty="0" err="1">
+                <a:solidFill>
+                  <a:schemeClr val="accent5"/>
+                </a:solidFill>
+              </a:rPr>
+              <a:t>ping</a:t>
+            </a:r>
+            <a:r>
+              <a:rPr lang="pt-BR" sz="1700" dirty="0">
+                <a:solidFill>
+                  <a:schemeClr val="accent5"/>
+                </a:solidFill>
+              </a:rPr>
+              <a:t> meu-container-de-</a:t>
+            </a:r>
+            <a:r>
+              <a:rPr lang="pt-BR" sz="1700" dirty="0" err="1">
+                <a:solidFill>
+                  <a:schemeClr val="accent5"/>
+                </a:solidFill>
+              </a:rPr>
+              <a:t>ubuntu</a:t>
+            </a:r>
+            <a:endParaRPr lang="pt-BR" sz="1700" dirty="0">
+              <a:solidFill>
+                <a:schemeClr val="accent5"/>
+              </a:solidFill>
+            </a:endParaRPr>
+          </a:p>
+          <a:p>
+            <a:pPr marL="457200" lvl="1" indent="0">
+              <a:buNone/>
+            </a:pPr>
+            <a:r>
+              <a:rPr lang="pt-BR" sz="1400" dirty="0"/>
+              <a:t>PING meu-container-de-</a:t>
+            </a:r>
+            <a:r>
+              <a:rPr lang="pt-BR" sz="1400" dirty="0" err="1"/>
+              <a:t>ubuntu</a:t>
+            </a:r>
+            <a:r>
+              <a:rPr lang="pt-BR" sz="1400" dirty="0"/>
+              <a:t> (172.18.0.2) 56(84) bytes </a:t>
+            </a:r>
+            <a:r>
+              <a:rPr lang="pt-BR" sz="1400" dirty="0" err="1"/>
+              <a:t>of</a:t>
+            </a:r>
+            <a:r>
+              <a:rPr lang="pt-BR" sz="1400" dirty="0"/>
+              <a:t> data.</a:t>
+            </a:r>
+          </a:p>
+          <a:p>
+            <a:pPr marL="457200" lvl="1" indent="0">
+              <a:buNone/>
+            </a:pPr>
+            <a:r>
+              <a:rPr lang="pt-BR" sz="1400" dirty="0"/>
+              <a:t>64 bytes </a:t>
+            </a:r>
+            <a:r>
+              <a:rPr lang="pt-BR" sz="1400" dirty="0" err="1"/>
+              <a:t>from</a:t>
+            </a:r>
+            <a:r>
+              <a:rPr lang="pt-BR" sz="1400" dirty="0"/>
+              <a:t> meu-container-de-</a:t>
+            </a:r>
+            <a:r>
+              <a:rPr lang="pt-BR" sz="1400" dirty="0" err="1"/>
+              <a:t>ubuntu.minha</a:t>
+            </a:r>
+            <a:r>
+              <a:rPr lang="pt-BR" sz="1400" dirty="0"/>
+              <a:t>-rede (172.18.0.2): </a:t>
+            </a:r>
+            <a:r>
+              <a:rPr lang="pt-BR" sz="1400" dirty="0" err="1"/>
+              <a:t>icmp_seq</a:t>
+            </a:r>
+            <a:r>
+              <a:rPr lang="pt-BR" sz="1400" dirty="0"/>
+              <a:t>=1 </a:t>
+            </a:r>
+            <a:r>
+              <a:rPr lang="pt-BR" sz="1400" dirty="0" err="1"/>
+              <a:t>ttl</a:t>
+            </a:r>
+            <a:r>
+              <a:rPr lang="pt-BR" sz="1400" dirty="0"/>
+              <a:t>=64 time=0.210 </a:t>
+            </a:r>
+            <a:r>
+              <a:rPr lang="pt-BR" sz="1400" dirty="0" err="1"/>
+              <a:t>ms</a:t>
+            </a:r>
+            <a:endParaRPr lang="pt-BR" sz="1400" dirty="0"/>
+          </a:p>
+          <a:p>
+            <a:pPr marL="457200" lvl="1" indent="0">
+              <a:buNone/>
+            </a:pPr>
+            <a:r>
+              <a:rPr lang="pt-BR" sz="1400" dirty="0"/>
+              <a:t>64 bytes </a:t>
+            </a:r>
+            <a:r>
+              <a:rPr lang="pt-BR" sz="1400" dirty="0" err="1"/>
+              <a:t>from</a:t>
+            </a:r>
+            <a:r>
+              <a:rPr lang="pt-BR" sz="1400" dirty="0"/>
+              <a:t> meu-container-de-</a:t>
+            </a:r>
+            <a:r>
+              <a:rPr lang="pt-BR" sz="1400" dirty="0" err="1"/>
+              <a:t>ubuntu.minha</a:t>
+            </a:r>
+            <a:r>
+              <a:rPr lang="pt-BR" sz="1400" dirty="0"/>
+              <a:t>-rede (172.18.0.2): </a:t>
+            </a:r>
+            <a:r>
+              <a:rPr lang="pt-BR" sz="1400" dirty="0" err="1"/>
+              <a:t>icmp_seq</a:t>
+            </a:r>
+            <a:r>
+              <a:rPr lang="pt-BR" sz="1400" dirty="0"/>
+              <a:t>=2 </a:t>
+            </a:r>
+            <a:r>
+              <a:rPr lang="pt-BR" sz="1400" dirty="0" err="1"/>
+              <a:t>ttl</a:t>
+            </a:r>
+            <a:r>
+              <a:rPr lang="pt-BR" sz="1400" dirty="0"/>
+              <a:t>=64 time=0.148 </a:t>
+            </a:r>
+            <a:r>
+              <a:rPr lang="pt-BR" sz="1400" dirty="0" err="1"/>
+              <a:t>ms</a:t>
+            </a:r>
+            <a:endParaRPr lang="pt-BR" sz="1400" dirty="0"/>
+          </a:p>
+          <a:p>
+            <a:pPr marL="457200" lvl="1" indent="0">
+              <a:buNone/>
+            </a:pPr>
+            <a:r>
+              <a:rPr lang="pt-BR" sz="1400" dirty="0"/>
+              <a:t>64 bytes </a:t>
+            </a:r>
+            <a:r>
+              <a:rPr lang="pt-BR" sz="1400" dirty="0" err="1"/>
+              <a:t>from</a:t>
+            </a:r>
+            <a:r>
+              <a:rPr lang="pt-BR" sz="1400" dirty="0"/>
+              <a:t> meu-container-de-</a:t>
+            </a:r>
+            <a:r>
+              <a:rPr lang="pt-BR" sz="1400" dirty="0" err="1"/>
+              <a:t>ubuntu.minha</a:t>
+            </a:r>
+            <a:r>
+              <a:rPr lang="pt-BR" sz="1400" dirty="0"/>
+              <a:t>-rede (172.18.0.2): </a:t>
+            </a:r>
+            <a:r>
+              <a:rPr lang="pt-BR" sz="1400" dirty="0" err="1"/>
+              <a:t>icmp_seq</a:t>
+            </a:r>
+            <a:r>
+              <a:rPr lang="pt-BR" sz="1400" dirty="0"/>
+              <a:t>=3 </a:t>
+            </a:r>
+            <a:r>
+              <a:rPr lang="pt-BR" sz="1400" dirty="0" err="1"/>
+              <a:t>ttl</a:t>
+            </a:r>
+            <a:r>
+              <a:rPr lang="pt-BR" sz="1400" dirty="0"/>
+              <a:t>=64 time=0.138 </a:t>
+            </a:r>
+            <a:r>
+              <a:rPr lang="pt-BR" sz="1400" dirty="0" err="1"/>
+              <a:t>ms</a:t>
+            </a:r>
+            <a:endParaRPr lang="pt-BR" sz="1400" dirty="0"/>
+          </a:p>
+          <a:p>
+            <a:pPr marL="457200" lvl="1" indent="0">
+              <a:buNone/>
+            </a:pPr>
+            <a:r>
+              <a:rPr lang="pt-BR" sz="1400" dirty="0"/>
+              <a:t>--- meu-container-de-</a:t>
+            </a:r>
+            <a:r>
+              <a:rPr lang="pt-BR" sz="1400" dirty="0" err="1"/>
+              <a:t>ubuntu</a:t>
+            </a:r>
+            <a:r>
+              <a:rPr lang="pt-BR" sz="1400" dirty="0"/>
+              <a:t> </a:t>
+            </a:r>
+            <a:r>
+              <a:rPr lang="pt-BR" sz="1400" dirty="0" err="1"/>
+              <a:t>ping</a:t>
+            </a:r>
+            <a:r>
+              <a:rPr lang="pt-BR" sz="1400" dirty="0"/>
+              <a:t> </a:t>
+            </a:r>
+            <a:r>
+              <a:rPr lang="pt-BR" sz="1400" dirty="0" err="1"/>
+              <a:t>statistics</a:t>
+            </a:r>
+            <a:r>
+              <a:rPr lang="pt-BR" sz="1400" dirty="0"/>
+              <a:t> ---</a:t>
+            </a:r>
+          </a:p>
+          <a:p>
+            <a:pPr marL="457200" lvl="1" indent="0">
+              <a:buNone/>
+            </a:pPr>
+            <a:r>
+              <a:rPr lang="pt-BR" sz="1400" dirty="0"/>
+              <a:t>3 </a:t>
+            </a:r>
+            <a:r>
+              <a:rPr lang="pt-BR" sz="1400" dirty="0" err="1"/>
+              <a:t>packets</a:t>
+            </a:r>
+            <a:r>
+              <a:rPr lang="pt-BR" sz="1400" dirty="0"/>
+              <a:t> </a:t>
+            </a:r>
+            <a:r>
+              <a:rPr lang="pt-BR" sz="1400" dirty="0" err="1"/>
+              <a:t>transmitted</a:t>
+            </a:r>
+            <a:r>
+              <a:rPr lang="pt-BR" sz="1400" dirty="0"/>
+              <a:t>, 3 </a:t>
+            </a:r>
+            <a:r>
+              <a:rPr lang="pt-BR" sz="1400" dirty="0" err="1"/>
+              <a:t>received</a:t>
+            </a:r>
+            <a:r>
+              <a:rPr lang="pt-BR" sz="1400" dirty="0"/>
+              <a:t>, 0% </a:t>
+            </a:r>
+            <a:r>
+              <a:rPr lang="pt-BR" sz="1400" dirty="0" err="1"/>
+              <a:t>packet</a:t>
+            </a:r>
+            <a:r>
+              <a:rPr lang="pt-BR" sz="1400" dirty="0"/>
+              <a:t> </a:t>
+            </a:r>
+            <a:r>
+              <a:rPr lang="pt-BR" sz="1400" dirty="0" err="1"/>
+              <a:t>loss</a:t>
+            </a:r>
+            <a:r>
+              <a:rPr lang="pt-BR" sz="1400" dirty="0"/>
+              <a:t>, time 2000ms</a:t>
+            </a:r>
+          </a:p>
+          <a:p>
+            <a:pPr marL="457200" lvl="1" indent="0">
+              <a:buNone/>
+            </a:pPr>
+            <a:r>
+              <a:rPr lang="pt-BR" sz="1400" dirty="0" err="1"/>
+              <a:t>rtt</a:t>
+            </a:r>
+            <a:r>
+              <a:rPr lang="pt-BR" sz="1400" dirty="0"/>
+              <a:t> min/</a:t>
+            </a:r>
+            <a:r>
+              <a:rPr lang="pt-BR" sz="1400" dirty="0" err="1"/>
+              <a:t>avg</a:t>
+            </a:r>
+            <a:r>
+              <a:rPr lang="pt-BR" sz="1400" dirty="0"/>
+              <a:t>/</a:t>
+            </a:r>
+            <a:r>
+              <a:rPr lang="pt-BR" sz="1400" dirty="0" err="1"/>
+              <a:t>max</a:t>
+            </a:r>
+            <a:r>
+              <a:rPr lang="pt-BR" sz="1400" dirty="0"/>
+              <a:t>/</a:t>
+            </a:r>
+            <a:r>
+              <a:rPr lang="pt-BR" sz="1400" dirty="0" err="1"/>
+              <a:t>mdev</a:t>
+            </a:r>
+            <a:r>
+              <a:rPr lang="pt-BR" sz="1400" dirty="0"/>
+              <a:t> = 0.138/0.165/0.210/0.033 </a:t>
+            </a:r>
+            <a:r>
+              <a:rPr lang="pt-BR" sz="1400" dirty="0" err="1"/>
+              <a:t>ms</a:t>
+            </a:r>
+            <a:endParaRPr lang="pt-BR" sz="1400" dirty="0"/>
+          </a:p>
+          <a:p>
+            <a:endParaRPr lang="pt-BR" sz="1600" dirty="0"/>
+          </a:p>
+        </p:txBody>
+      </p:sp>
+    </p:spTree>
+    <p:extLst>
+      <p:ext uri="{BB962C8B-B14F-4D97-AF65-F5344CB8AC3E}">
+        <p14:creationId xmlns:p14="http://schemas.microsoft.com/office/powerpoint/2010/main" val="4236748709"/>
+      </p:ext>
+    </p:extLst>
+  </p:cSld>
+  <p:clrMapOvr>
+    <a:masterClrMapping/>
+  </p:clrMapOvr>
+  <p:timing>
+    <p:tnLst>
+      <p:par>
+        <p:cTn id="1" dur="indefinite" restart="never" nodeType="tmRoot"/>
+      </p:par>
+    </p:tnLst>
+  </p:timing>
+</p:sld>
+</file>
+
+<file path=ppt/slides/slide31.xml><?xml version="1.0" encoding="utf-8"?>
+<p:sld xmlns:a="http://schemas.openxmlformats.org/drawingml/2006/main" xmlns:r="http://schemas.openxmlformats.org/officeDocument/2006/relationships" xmlns:p="http://schemas.openxmlformats.org/presentationml/2006/main">
+  <p:cSld>
+    <p:spTree>
+      <p:nvGrpSpPr>
+        <p:cNvPr id="1" name=""/>
+        <p:cNvGrpSpPr/>
+        <p:nvPr/>
+      </p:nvGrpSpPr>
+      <p:grpSpPr>
+        <a:xfrm>
+          <a:off x="0" y="0"/>
+          <a:ext cx="0" cy="0"/>
+          <a:chOff x="0" y="0"/>
+          <a:chExt cx="0" cy="0"/>
+        </a:xfrm>
+      </p:grpSpPr>
+      <p:sp>
+        <p:nvSpPr>
           <p:cNvPr id="2" name="Título 1"/>
           <p:cNvSpPr>
             <a:spLocks noGrp="1"/>
@@ -17465,8 +18077,24 @@
             </a:r>
             <a:r>
               <a:rPr lang="pt-BR" dirty="0"/>
-              <a:t> Docker</a:t>
-            </a:r>
+              <a:t> </a:t>
+            </a:r>
+            <a:r>
+              <a:rPr lang="pt-BR" dirty="0" smtClean="0"/>
+              <a:t>: </a:t>
+            </a:r>
+            <a:r>
+              <a:rPr lang="pt-BR" b="1" dirty="0" err="1" smtClean="0"/>
+              <a:t>Docker</a:t>
+            </a:r>
+            <a:r>
+              <a:rPr lang="pt-BR" b="1" dirty="0"/>
+              <a:t>: Criando containers sem dor de cabeça</a:t>
+            </a:r>
+            <a:endParaRPr lang="pt-BR" dirty="0"/>
+          </a:p>
+          <a:p>
+            <a:endParaRPr lang="pt-BR" dirty="0"/>
           </a:p>
         </p:txBody>
       </p:sp>
@@ -18161,6 +18789,13 @@
   <p:clrMapOvr>
     <a:masterClrMapping/>
   </p:clrMapOvr>
+  <p:timing>
+    <p:tnLst>
+      <p:par>
+        <p:cTn id="1" dur="indefinite" restart="never" nodeType="tmRoot"/>
+      </p:par>
+    </p:tnLst>
+  </p:timing>
 </p:sld>
 </file>
 
@@ -18493,6 +19128,13 @@
   <p:clrMapOvr>
     <a:masterClrMapping/>
   </p:clrMapOvr>
+  <p:timing>
+    <p:tnLst>
+      <p:par>
+        <p:cTn id="1" dur="indefinite" restart="never" nodeType="tmRoot"/>
+      </p:par>
+    </p:tnLst>
+  </p:timing>
 </p:sld>
 </file>
 
@@ -18825,6 +19467,13 @@
   <p:clrMapOvr>
     <a:masterClrMapping/>
   </p:clrMapOvr>
+  <p:timing>
+    <p:tnLst>
+      <p:par>
+        <p:cTn id="1" dur="indefinite" restart="never" nodeType="tmRoot"/>
+      </p:par>
+    </p:tnLst>
+  </p:timing>
 </p:sld>
 </file>
 
@@ -19658,7 +20307,7 @@
       </p:sp>
       <p:pic>
         <p:nvPicPr>
-          <p:cNvPr id="4" name="Imagem 3"/>
+          <p:cNvPr id="3" name="Imagem 2"/>
           <p:cNvPicPr>
             <a:picLocks noChangeAspect="1"/>
           </p:cNvPicPr>
@@ -19672,8 +20321,56 @@
         </p:blipFill>
         <p:spPr>
           <a:xfrm>
-            <a:off x="1832857" y="1771540"/>
-            <a:ext cx="9151165" cy="3100497"/>
+            <a:off x="1299163" y="896062"/>
+            <a:ext cx="4910569" cy="5093239"/>
+          </a:xfrm>
+          <a:prstGeom prst="rect">
+            <a:avLst/>
+          </a:prstGeom>
+        </p:spPr>
+      </p:pic>
+      <p:pic>
+        <p:nvPicPr>
+          <p:cNvPr id="5" name="Imagem 4"/>
+          <p:cNvPicPr>
+            <a:picLocks noChangeAspect="1"/>
+          </p:cNvPicPr>
+          <p:nvPr/>
+        </p:nvPicPr>
+        <p:blipFill>
+          <a:blip r:embed="rId4"/>
+          <a:stretch>
+            <a:fillRect/>
+          </a:stretch>
+        </p:blipFill>
+        <p:spPr>
+          <a:xfrm>
+            <a:off x="6341680" y="2926092"/>
+            <a:ext cx="3467278" cy="882695"/>
+          </a:xfrm>
+          <a:prstGeom prst="rect">
+            <a:avLst/>
+          </a:prstGeom>
+        </p:spPr>
+      </p:pic>
+      <p:pic>
+        <p:nvPicPr>
+          <p:cNvPr id="6" name="Imagem 5"/>
+          <p:cNvPicPr>
+            <a:picLocks noChangeAspect="1"/>
+          </p:cNvPicPr>
+          <p:nvPr/>
+        </p:nvPicPr>
+        <p:blipFill>
+          <a:blip r:embed="rId5"/>
+          <a:stretch>
+            <a:fillRect/>
+          </a:stretch>
+        </p:blipFill>
+        <p:spPr>
+          <a:xfrm>
+            <a:off x="6439495" y="3887228"/>
+            <a:ext cx="3369463" cy="578936"/>
           </a:xfrm>
           <a:prstGeom prst="rect">
             <a:avLst/>
@@ -19683,13 +20380,20 @@
     </p:spTree>
     <p:extLst>
       <p:ext uri="{BB962C8B-B14F-4D97-AF65-F5344CB8AC3E}">
-        <p14:creationId xmlns:p14="http://schemas.microsoft.com/office/powerpoint/2010/main" val="1511799876"/>
+        <p14:creationId xmlns:p14="http://schemas.microsoft.com/office/powerpoint/2010/main" val="1678115672"/>
       </p:ext>
     </p:extLst>
   </p:cSld>
   <p:clrMapOvr>
     <a:masterClrMapping/>
   </p:clrMapOvr>
+  <p:timing>
+    <p:tnLst>
+      <p:par>
+        <p:cTn id="1" dur="indefinite" restart="never" nodeType="tmRoot"/>
+      </p:par>
+    </p:tnLst>
+  </p:timing>
 </p:sld>
 </file>
 
